--- a/slides/r8-virtual_memory_hw.pptx
+++ b/slides/r8-virtual_memory_hw.pptx
@@ -7,7 +7,7 @@
     <p:sldMasterId id="2147483986" r:id="rId3"/>
   </p:sldMasterIdLst>
   <p:notesMasterIdLst>
-    <p:notesMasterId r:id="rId54"/>
+    <p:notesMasterId r:id="rId55"/>
   </p:notesMasterIdLst>
   <p:sldIdLst>
     <p:sldId id="256" r:id="rId4"/>
@@ -32,37 +32,38 @@
     <p:sldId id="278" r:id="rId23"/>
     <p:sldId id="347" r:id="rId24"/>
     <p:sldId id="346" r:id="rId25"/>
-    <p:sldId id="484" r:id="rId26"/>
-    <p:sldId id="486" r:id="rId27"/>
-    <p:sldId id="487" r:id="rId28"/>
-    <p:sldId id="345" r:id="rId29"/>
-    <p:sldId id="490" r:id="rId30"/>
-    <p:sldId id="348" r:id="rId31"/>
-    <p:sldId id="489" r:id="rId32"/>
-    <p:sldId id="349" r:id="rId33"/>
-    <p:sldId id="280" r:id="rId34"/>
-    <p:sldId id="363" r:id="rId35"/>
-    <p:sldId id="281" r:id="rId36"/>
-    <p:sldId id="282" r:id="rId37"/>
-    <p:sldId id="341" r:id="rId38"/>
-    <p:sldId id="342" r:id="rId39"/>
-    <p:sldId id="358" r:id="rId40"/>
-    <p:sldId id="481" r:id="rId41"/>
-    <p:sldId id="482" r:id="rId42"/>
-    <p:sldId id="314" r:id="rId43"/>
-    <p:sldId id="327" r:id="rId44"/>
-    <p:sldId id="328" r:id="rId45"/>
-    <p:sldId id="329" r:id="rId46"/>
-    <p:sldId id="330" r:id="rId47"/>
-    <p:sldId id="331" r:id="rId48"/>
-    <p:sldId id="332" r:id="rId49"/>
-    <p:sldId id="333" r:id="rId50"/>
-    <p:sldId id="334" r:id="rId51"/>
-    <p:sldId id="335" r:id="rId52"/>
-    <p:sldId id="340" r:id="rId53"/>
+    <p:sldId id="350" r:id="rId26"/>
+    <p:sldId id="484" r:id="rId27"/>
+    <p:sldId id="486" r:id="rId28"/>
+    <p:sldId id="487" r:id="rId29"/>
+    <p:sldId id="345" r:id="rId30"/>
+    <p:sldId id="490" r:id="rId31"/>
+    <p:sldId id="348" r:id="rId32"/>
+    <p:sldId id="489" r:id="rId33"/>
+    <p:sldId id="349" r:id="rId34"/>
+    <p:sldId id="280" r:id="rId35"/>
+    <p:sldId id="363" r:id="rId36"/>
+    <p:sldId id="281" r:id="rId37"/>
+    <p:sldId id="282" r:id="rId38"/>
+    <p:sldId id="341" r:id="rId39"/>
+    <p:sldId id="342" r:id="rId40"/>
+    <p:sldId id="358" r:id="rId41"/>
+    <p:sldId id="481" r:id="rId42"/>
+    <p:sldId id="482" r:id="rId43"/>
+    <p:sldId id="314" r:id="rId44"/>
+    <p:sldId id="327" r:id="rId45"/>
+    <p:sldId id="328" r:id="rId46"/>
+    <p:sldId id="329" r:id="rId47"/>
+    <p:sldId id="330" r:id="rId48"/>
+    <p:sldId id="331" r:id="rId49"/>
+    <p:sldId id="332" r:id="rId50"/>
+    <p:sldId id="333" r:id="rId51"/>
+    <p:sldId id="334" r:id="rId52"/>
+    <p:sldId id="335" r:id="rId53"/>
+    <p:sldId id="340" r:id="rId54"/>
   </p:sldIdLst>
   <p:sldSz cx="9144000" cy="6858000" type="screen4x3"/>
-  <p:notesSz cx="6797675" cy="9926638"/>
+  <p:notesSz cx="6858000" cy="9144000"/>
   <p:defaultTextStyle>
     <a:defPPr>
       <a:defRPr lang="en-US"/>
@@ -185,6 +186,361 @@
 </p1510:revInfo>
 </file>
 
+<file path=ppt/changesInfos/changesInfo1.xml><?xml version="1.0" encoding="utf-8"?>
+<pc:chgInfo xmlns:a="http://schemas.openxmlformats.org/drawingml/2006/main" xmlns:r="http://schemas.openxmlformats.org/officeDocument/2006/relationships" xmlns:ac="http://schemas.microsoft.com/office/drawing/2013/main/command" xmlns:pc="http://schemas.microsoft.com/office/powerpoint/2013/main/command">
+  <pc:docChgLst>
+    <pc:chgData name="Idan Yaniv" userId="1e0c8990-4f86-4a8c-b1fa-9def9a4f1d7c" providerId="ADAL" clId="{CE5EE984-1E45-4D82-9AE4-9F9B6B2A1E0D}"/>
+    <pc:docChg chg="modSld">
+      <pc:chgData name="Idan Yaniv" userId="1e0c8990-4f86-4a8c-b1fa-9def9a4f1d7c" providerId="ADAL" clId="{CE5EE984-1E45-4D82-9AE4-9F9B6B2A1E0D}" dt="2019-01-07T10:48:25.634" v="0"/>
+      <pc:docMkLst>
+        <pc:docMk/>
+      </pc:docMkLst>
+      <pc:sldChg chg="modSp">
+        <pc:chgData name="Idan Yaniv" userId="1e0c8990-4f86-4a8c-b1fa-9def9a4f1d7c" providerId="ADAL" clId="{CE5EE984-1E45-4D82-9AE4-9F9B6B2A1E0D}" dt="2019-01-07T10:48:25.634" v="0"/>
+        <pc:sldMkLst>
+          <pc:docMk/>
+          <pc:sldMk cId="3231914903" sldId="341"/>
+        </pc:sldMkLst>
+        <pc:graphicFrameChg chg="mod">
+          <ac:chgData name="Idan Yaniv" userId="1e0c8990-4f86-4a8c-b1fa-9def9a4f1d7c" providerId="ADAL" clId="{CE5EE984-1E45-4D82-9AE4-9F9B6B2A1E0D}" dt="2019-01-07T10:48:25.634" v="0"/>
+          <ac:graphicFrameMkLst>
+            <pc:docMk/>
+            <pc:sldMk cId="3231914903" sldId="341"/>
+            <ac:graphicFrameMk id="9" creationId="{EED0347B-F5E6-4750-9D27-C7C990D05450}"/>
+          </ac:graphicFrameMkLst>
+        </pc:graphicFrameChg>
+      </pc:sldChg>
+    </pc:docChg>
+  </pc:docChgLst>
+  <pc:docChgLst>
+    <pc:chgData name="Idan Yaniv" userId="1e0c8990-4f86-4a8c-b1fa-9def9a4f1d7c" providerId="ADAL" clId="{495326C0-6CA4-4BAA-A383-66E6F7B3C3EA}"/>
+    <pc:docChg chg="undo custSel addSld delSld modSld">
+      <pc:chgData name="Idan Yaniv" userId="1e0c8990-4f86-4a8c-b1fa-9def9a4f1d7c" providerId="ADAL" clId="{495326C0-6CA4-4BAA-A383-66E6F7B3C3EA}" dt="2019-01-08T12:49:41.003" v="1689" actId="20577"/>
+      <pc:docMkLst>
+        <pc:docMk/>
+      </pc:docMkLst>
+      <pc:sldChg chg="modSp">
+        <pc:chgData name="Idan Yaniv" userId="1e0c8990-4f86-4a8c-b1fa-9def9a4f1d7c" providerId="ADAL" clId="{495326C0-6CA4-4BAA-A383-66E6F7B3C3EA}" dt="2019-01-01T17:04:22.588" v="302" actId="20577"/>
+        <pc:sldMkLst>
+          <pc:docMk/>
+          <pc:sldMk cId="449453720" sldId="309"/>
+        </pc:sldMkLst>
+        <pc:spChg chg="mod">
+          <ac:chgData name="Idan Yaniv" userId="1e0c8990-4f86-4a8c-b1fa-9def9a4f1d7c" providerId="ADAL" clId="{495326C0-6CA4-4BAA-A383-66E6F7B3C3EA}" dt="2019-01-01T17:04:22.588" v="302" actId="20577"/>
+          <ac:spMkLst>
+            <pc:docMk/>
+            <pc:sldMk cId="449453720" sldId="309"/>
+            <ac:spMk id="7" creationId="{6111995F-5F44-4C1F-BF45-39BECC26B564}"/>
+          </ac:spMkLst>
+        </pc:spChg>
+      </pc:sldChg>
+      <pc:sldChg chg="modSp">
+        <pc:chgData name="Idan Yaniv" userId="1e0c8990-4f86-4a8c-b1fa-9def9a4f1d7c" providerId="ADAL" clId="{495326C0-6CA4-4BAA-A383-66E6F7B3C3EA}" dt="2019-01-01T17:03:24.013" v="284" actId="20577"/>
+        <pc:sldMkLst>
+          <pc:docMk/>
+          <pc:sldMk cId="684147158" sldId="310"/>
+        </pc:sldMkLst>
+        <pc:spChg chg="mod">
+          <ac:chgData name="Idan Yaniv" userId="1e0c8990-4f86-4a8c-b1fa-9def9a4f1d7c" providerId="ADAL" clId="{495326C0-6CA4-4BAA-A383-66E6F7B3C3EA}" dt="2019-01-01T17:03:24.013" v="284" actId="20577"/>
+          <ac:spMkLst>
+            <pc:docMk/>
+            <pc:sldMk cId="684147158" sldId="310"/>
+            <ac:spMk id="3" creationId="{5B7B8CD3-6809-4A46-B9B1-38877197EB85}"/>
+          </ac:spMkLst>
+        </pc:spChg>
+      </pc:sldChg>
+      <pc:sldChg chg="modSp">
+        <pc:chgData name="Idan Yaniv" userId="1e0c8990-4f86-4a8c-b1fa-9def9a4f1d7c" providerId="ADAL" clId="{495326C0-6CA4-4BAA-A383-66E6F7B3C3EA}" dt="2019-01-01T16:52:32.696" v="55" actId="20577"/>
+        <pc:sldMkLst>
+          <pc:docMk/>
+          <pc:sldMk cId="3724881238" sldId="320"/>
+        </pc:sldMkLst>
+        <pc:spChg chg="mod">
+          <ac:chgData name="Idan Yaniv" userId="1e0c8990-4f86-4a8c-b1fa-9def9a4f1d7c" providerId="ADAL" clId="{495326C0-6CA4-4BAA-A383-66E6F7B3C3EA}" dt="2019-01-01T16:52:32.696" v="55" actId="20577"/>
+          <ac:spMkLst>
+            <pc:docMk/>
+            <pc:sldMk cId="3724881238" sldId="320"/>
+            <ac:spMk id="3" creationId="{68EE10E8-FF47-48BC-9273-B08D20CA425C}"/>
+          </ac:spMkLst>
+        </pc:spChg>
+      </pc:sldChg>
+      <pc:sldChg chg="modAnim">
+        <pc:chgData name="Idan Yaniv" userId="1e0c8990-4f86-4a8c-b1fa-9def9a4f1d7c" providerId="ADAL" clId="{495326C0-6CA4-4BAA-A383-66E6F7B3C3EA}" dt="2019-01-01T17:05:15.481" v="306"/>
+        <pc:sldMkLst>
+          <pc:docMk/>
+          <pc:sldMk cId="2629549223" sldId="321"/>
+        </pc:sldMkLst>
+      </pc:sldChg>
+      <pc:sldChg chg="addSp delSp modSp modNotesTx">
+        <pc:chgData name="Idan Yaniv" userId="1e0c8990-4f86-4a8c-b1fa-9def9a4f1d7c" providerId="ADAL" clId="{495326C0-6CA4-4BAA-A383-66E6F7B3C3EA}" dt="2019-01-01T17:26:37.267" v="859" actId="20577"/>
+        <pc:sldMkLst>
+          <pc:docMk/>
+          <pc:sldMk cId="3231914903" sldId="341"/>
+        </pc:sldMkLst>
+        <pc:spChg chg="add del mod">
+          <ac:chgData name="Idan Yaniv" userId="1e0c8990-4f86-4a8c-b1fa-9def9a4f1d7c" providerId="ADAL" clId="{495326C0-6CA4-4BAA-A383-66E6F7B3C3EA}" dt="2019-01-01T17:07:02.624" v="309"/>
+          <ac:spMkLst>
+            <pc:docMk/>
+            <pc:sldMk cId="3231914903" sldId="341"/>
+            <ac:spMk id="3" creationId="{A0BECF8B-F928-426A-B9D9-AD68054D4E8E}"/>
+          </ac:spMkLst>
+        </pc:spChg>
+        <pc:spChg chg="add del mod">
+          <ac:chgData name="Idan Yaniv" userId="1e0c8990-4f86-4a8c-b1fa-9def9a4f1d7c" providerId="ADAL" clId="{495326C0-6CA4-4BAA-A383-66E6F7B3C3EA}" dt="2019-01-01T17:07:02.624" v="309"/>
+          <ac:spMkLst>
+            <pc:docMk/>
+            <pc:sldMk cId="3231914903" sldId="341"/>
+            <ac:spMk id="5" creationId="{5D0BD416-582D-4130-956E-B1211D5AB8A2}"/>
+          </ac:spMkLst>
+        </pc:spChg>
+        <pc:spChg chg="del">
+          <ac:chgData name="Idan Yaniv" userId="1e0c8990-4f86-4a8c-b1fa-9def9a4f1d7c" providerId="ADAL" clId="{495326C0-6CA4-4BAA-A383-66E6F7B3C3EA}" dt="2019-01-01T17:17:14.897" v="328" actId="478"/>
+          <ac:spMkLst>
+            <pc:docMk/>
+            <pc:sldMk cId="3231914903" sldId="341"/>
+            <ac:spMk id="6" creationId="{08A422DC-76BC-4A23-82B7-630CC8EBBBA7}"/>
+          </ac:spMkLst>
+        </pc:spChg>
+        <pc:spChg chg="add del mod">
+          <ac:chgData name="Idan Yaniv" userId="1e0c8990-4f86-4a8c-b1fa-9def9a4f1d7c" providerId="ADAL" clId="{495326C0-6CA4-4BAA-A383-66E6F7B3C3EA}" dt="2019-01-01T17:07:02.624" v="309"/>
+          <ac:spMkLst>
+            <pc:docMk/>
+            <pc:sldMk cId="3231914903" sldId="341"/>
+            <ac:spMk id="7" creationId="{FDD4843C-8833-47BA-8DFC-59C4BA822FF1}"/>
+          </ac:spMkLst>
+        </pc:spChg>
+        <pc:spChg chg="add del mod">
+          <ac:chgData name="Idan Yaniv" userId="1e0c8990-4f86-4a8c-b1fa-9def9a4f1d7c" providerId="ADAL" clId="{495326C0-6CA4-4BAA-A383-66E6F7B3C3EA}" dt="2019-01-01T17:07:02.624" v="309"/>
+          <ac:spMkLst>
+            <pc:docMk/>
+            <pc:sldMk cId="3231914903" sldId="341"/>
+            <ac:spMk id="8" creationId="{B60927BC-30DC-4C5C-BDC9-35E147E258D7}"/>
+          </ac:spMkLst>
+        </pc:spChg>
+        <pc:spChg chg="mod">
+          <ac:chgData name="Idan Yaniv" userId="1e0c8990-4f86-4a8c-b1fa-9def9a4f1d7c" providerId="ADAL" clId="{495326C0-6CA4-4BAA-A383-66E6F7B3C3EA}" dt="2019-01-01T17:26:37.267" v="859" actId="20577"/>
+          <ac:spMkLst>
+            <pc:docMk/>
+            <pc:sldMk cId="3231914903" sldId="341"/>
+            <ac:spMk id="28678" creationId="{F93F9AD1-A915-4DF1-B5ED-5FAF3D0796FF}"/>
+          </ac:spMkLst>
+        </pc:spChg>
+        <pc:graphicFrameChg chg="add mod modGraphic">
+          <ac:chgData name="Idan Yaniv" userId="1e0c8990-4f86-4a8c-b1fa-9def9a4f1d7c" providerId="ADAL" clId="{495326C0-6CA4-4BAA-A383-66E6F7B3C3EA}" dt="2019-01-01T17:26:26.319" v="830" actId="1076"/>
+          <ac:graphicFrameMkLst>
+            <pc:docMk/>
+            <pc:sldMk cId="3231914903" sldId="341"/>
+            <ac:graphicFrameMk id="9" creationId="{EED0347B-F5E6-4750-9D27-C7C990D05450}"/>
+          </ac:graphicFrameMkLst>
+        </pc:graphicFrameChg>
+      </pc:sldChg>
+      <pc:sldChg chg="modSp modNotesTx">
+        <pc:chgData name="Idan Yaniv" userId="1e0c8990-4f86-4a8c-b1fa-9def9a4f1d7c" providerId="ADAL" clId="{495326C0-6CA4-4BAA-A383-66E6F7B3C3EA}" dt="2019-01-01T17:35:17.924" v="1333" actId="20577"/>
+        <pc:sldMkLst>
+          <pc:docMk/>
+          <pc:sldMk cId="72881640" sldId="342"/>
+        </pc:sldMkLst>
+        <pc:spChg chg="mod">
+          <ac:chgData name="Idan Yaniv" userId="1e0c8990-4f86-4a8c-b1fa-9def9a4f1d7c" providerId="ADAL" clId="{495326C0-6CA4-4BAA-A383-66E6F7B3C3EA}" dt="2019-01-01T17:16:29.525" v="318" actId="20577"/>
+          <ac:spMkLst>
+            <pc:docMk/>
+            <pc:sldMk cId="72881640" sldId="342"/>
+            <ac:spMk id="29701" creationId="{B77F6C1A-9144-44F1-B58E-2F40BCE15EEE}"/>
+          </ac:spMkLst>
+        </pc:spChg>
+        <pc:spChg chg="mod">
+          <ac:chgData name="Idan Yaniv" userId="1e0c8990-4f86-4a8c-b1fa-9def9a4f1d7c" providerId="ADAL" clId="{495326C0-6CA4-4BAA-A383-66E6F7B3C3EA}" dt="2019-01-01T17:35:17.924" v="1333" actId="20577"/>
+          <ac:spMkLst>
+            <pc:docMk/>
+            <pc:sldMk cId="72881640" sldId="342"/>
+            <ac:spMk id="29702" creationId="{AA940270-2998-487E-AF54-FE920B12B39F}"/>
+          </ac:spMkLst>
+        </pc:spChg>
+      </pc:sldChg>
+      <pc:sldChg chg="modSp">
+        <pc:chgData name="Idan Yaniv" userId="1e0c8990-4f86-4a8c-b1fa-9def9a4f1d7c" providerId="ADAL" clId="{495326C0-6CA4-4BAA-A383-66E6F7B3C3EA}" dt="2019-01-01T16:49:53.315" v="7" actId="20577"/>
+        <pc:sldMkLst>
+          <pc:docMk/>
+          <pc:sldMk cId="2759706979" sldId="352"/>
+        </pc:sldMkLst>
+        <pc:spChg chg="mod">
+          <ac:chgData name="Idan Yaniv" userId="1e0c8990-4f86-4a8c-b1fa-9def9a4f1d7c" providerId="ADAL" clId="{495326C0-6CA4-4BAA-A383-66E6F7B3C3EA}" dt="2019-01-01T16:49:53.315" v="7" actId="20577"/>
+          <ac:spMkLst>
+            <pc:docMk/>
+            <pc:sldMk cId="2759706979" sldId="352"/>
+            <ac:spMk id="3" creationId="{55C161F0-0690-4485-8848-3F2F282464CA}"/>
+          </ac:spMkLst>
+        </pc:spChg>
+      </pc:sldChg>
+      <pc:sldChg chg="modAnim">
+        <pc:chgData name="Idan Yaniv" userId="1e0c8990-4f86-4a8c-b1fa-9def9a4f1d7c" providerId="ADAL" clId="{495326C0-6CA4-4BAA-A383-66E6F7B3C3EA}" dt="2019-01-01T17:05:03.700" v="305"/>
+        <pc:sldMkLst>
+          <pc:docMk/>
+          <pc:sldMk cId="760947246" sldId="355"/>
+        </pc:sldMkLst>
+      </pc:sldChg>
+      <pc:sldChg chg="delSp modSp delAnim modAnim modNotesTx">
+        <pc:chgData name="Idan Yaniv" userId="1e0c8990-4f86-4a8c-b1fa-9def9a4f1d7c" providerId="ADAL" clId="{495326C0-6CA4-4BAA-A383-66E6F7B3C3EA}" dt="2019-01-01T17:04:51.651" v="303"/>
+        <pc:sldMkLst>
+          <pc:docMk/>
+          <pc:sldMk cId="2541266441" sldId="357"/>
+        </pc:sldMkLst>
+        <pc:spChg chg="mod">
+          <ac:chgData name="Idan Yaniv" userId="1e0c8990-4f86-4a8c-b1fa-9def9a4f1d7c" providerId="ADAL" clId="{495326C0-6CA4-4BAA-A383-66E6F7B3C3EA}" dt="2019-01-01T16:58:00.143" v="123" actId="12"/>
+          <ac:spMkLst>
+            <pc:docMk/>
+            <pc:sldMk cId="2541266441" sldId="357"/>
+            <ac:spMk id="3" creationId="{00000000-0000-0000-0000-000000000000}"/>
+          </ac:spMkLst>
+        </pc:spChg>
+        <pc:spChg chg="del">
+          <ac:chgData name="Idan Yaniv" userId="1e0c8990-4f86-4a8c-b1fa-9def9a4f1d7c" providerId="ADAL" clId="{495326C0-6CA4-4BAA-A383-66E6F7B3C3EA}" dt="2019-01-01T16:50:08.223" v="8" actId="478"/>
+          <ac:spMkLst>
+            <pc:docMk/>
+            <pc:sldMk cId="2541266441" sldId="357"/>
+            <ac:spMk id="16" creationId="{2941D4FD-4DB8-4311-8BE6-DFB476E295AD}"/>
+          </ac:spMkLst>
+        </pc:spChg>
+      </pc:sldChg>
+      <pc:sldChg chg="modSp add">
+        <pc:chgData name="Idan Yaniv" userId="1e0c8990-4f86-4a8c-b1fa-9def9a4f1d7c" providerId="ADAL" clId="{495326C0-6CA4-4BAA-A383-66E6F7B3C3EA}" dt="2019-01-01T17:35:33.455" v="1348" actId="20577"/>
+        <pc:sldMkLst>
+          <pc:docMk/>
+          <pc:sldMk cId="1479955755" sldId="358"/>
+        </pc:sldMkLst>
+        <pc:spChg chg="mod">
+          <ac:chgData name="Idan Yaniv" userId="1e0c8990-4f86-4a8c-b1fa-9def9a4f1d7c" providerId="ADAL" clId="{495326C0-6CA4-4BAA-A383-66E6F7B3C3EA}" dt="2019-01-01T17:35:33.455" v="1348" actId="20577"/>
+          <ac:spMkLst>
+            <pc:docMk/>
+            <pc:sldMk cId="1479955755" sldId="358"/>
+            <ac:spMk id="29702" creationId="{AA940270-2998-487E-AF54-FE920B12B39F}"/>
+          </ac:spMkLst>
+        </pc:spChg>
+      </pc:sldChg>
+      <pc:sldChg chg="addSp delSp modSp add modNotesTx">
+        <pc:chgData name="Idan Yaniv" userId="1e0c8990-4f86-4a8c-b1fa-9def9a4f1d7c" providerId="ADAL" clId="{495326C0-6CA4-4BAA-A383-66E6F7B3C3EA}" dt="2019-01-08T12:49:41.003" v="1689" actId="20577"/>
+        <pc:sldMkLst>
+          <pc:docMk/>
+          <pc:sldMk cId="2530157244" sldId="481"/>
+        </pc:sldMkLst>
+        <pc:spChg chg="mod">
+          <ac:chgData name="Idan Yaniv" userId="1e0c8990-4f86-4a8c-b1fa-9def9a4f1d7c" providerId="ADAL" clId="{495326C0-6CA4-4BAA-A383-66E6F7B3C3EA}" dt="2019-01-08T12:47:19.434" v="1444" actId="20577"/>
+          <ac:spMkLst>
+            <pc:docMk/>
+            <pc:sldMk cId="2530157244" sldId="481"/>
+            <ac:spMk id="2" creationId="{057C5A93-523C-4917-B721-DAD979D0B3D7}"/>
+          </ac:spMkLst>
+        </pc:spChg>
+        <pc:spChg chg="add del mod">
+          <ac:chgData name="Idan Yaniv" userId="1e0c8990-4f86-4a8c-b1fa-9def9a4f1d7c" providerId="ADAL" clId="{495326C0-6CA4-4BAA-A383-66E6F7B3C3EA}" dt="2019-01-08T12:46:47.296" v="1385"/>
+          <ac:spMkLst>
+            <pc:docMk/>
+            <pc:sldMk cId="2530157244" sldId="481"/>
+            <ac:spMk id="3" creationId="{F7E44C9A-1B6A-479D-98A1-99CE46D46101}"/>
+          </ac:spMkLst>
+        </pc:spChg>
+        <pc:spChg chg="add del mod">
+          <ac:chgData name="Idan Yaniv" userId="1e0c8990-4f86-4a8c-b1fa-9def9a4f1d7c" providerId="ADAL" clId="{495326C0-6CA4-4BAA-A383-66E6F7B3C3EA}" dt="2019-01-08T12:46:47.296" v="1385"/>
+          <ac:spMkLst>
+            <pc:docMk/>
+            <pc:sldMk cId="2530157244" sldId="481"/>
+            <ac:spMk id="7" creationId="{64D679D1-BF24-4905-8D90-63D471D70A1B}"/>
+          </ac:spMkLst>
+        </pc:spChg>
+        <pc:spChg chg="add del mod">
+          <ac:chgData name="Idan Yaniv" userId="1e0c8990-4f86-4a8c-b1fa-9def9a4f1d7c" providerId="ADAL" clId="{495326C0-6CA4-4BAA-A383-66E6F7B3C3EA}" dt="2019-01-08T12:46:47.296" v="1385"/>
+          <ac:spMkLst>
+            <pc:docMk/>
+            <pc:sldMk cId="2530157244" sldId="481"/>
+            <ac:spMk id="8" creationId="{D2BE5CCF-F668-4E13-998C-26C122204614}"/>
+          </ac:spMkLst>
+        </pc:spChg>
+        <pc:spChg chg="mod">
+          <ac:chgData name="Idan Yaniv" userId="1e0c8990-4f86-4a8c-b1fa-9def9a4f1d7c" providerId="ADAL" clId="{495326C0-6CA4-4BAA-A383-66E6F7B3C3EA}" dt="2019-01-08T12:48:55.758" v="1584" actId="1035"/>
+          <ac:spMkLst>
+            <pc:docMk/>
+            <pc:sldMk cId="2530157244" sldId="481"/>
+            <ac:spMk id="24" creationId="{9C71AE63-8478-45DB-9A1C-EDB1A6337B1D}"/>
+          </ac:spMkLst>
+        </pc:spChg>
+        <pc:spChg chg="mod">
+          <ac:chgData name="Idan Yaniv" userId="1e0c8990-4f86-4a8c-b1fa-9def9a4f1d7c" providerId="ADAL" clId="{495326C0-6CA4-4BAA-A383-66E6F7B3C3EA}" dt="2019-01-08T12:47:50.860" v="1501" actId="1036"/>
+          <ac:spMkLst>
+            <pc:docMk/>
+            <pc:sldMk cId="2530157244" sldId="481"/>
+            <ac:spMk id="54" creationId="{26709399-1C2F-4EB2-82C0-748795829EA3}"/>
+          </ac:spMkLst>
+        </pc:spChg>
+        <pc:spChg chg="mod">
+          <ac:chgData name="Idan Yaniv" userId="1e0c8990-4f86-4a8c-b1fa-9def9a4f1d7c" providerId="ADAL" clId="{495326C0-6CA4-4BAA-A383-66E6F7B3C3EA}" dt="2019-01-08T12:48:10.019" v="1544" actId="1038"/>
+          <ac:spMkLst>
+            <pc:docMk/>
+            <pc:sldMk cId="2530157244" sldId="481"/>
+            <ac:spMk id="55" creationId="{52506C66-3441-40A8-83F5-4E543F42D3B4}"/>
+          </ac:spMkLst>
+        </pc:spChg>
+        <pc:grpChg chg="mod">
+          <ac:chgData name="Idan Yaniv" userId="1e0c8990-4f86-4a8c-b1fa-9def9a4f1d7c" providerId="ADAL" clId="{495326C0-6CA4-4BAA-A383-66E6F7B3C3EA}" dt="2019-01-08T12:48:59.556" v="1594" actId="1036"/>
+          <ac:grpSpMkLst>
+            <pc:docMk/>
+            <pc:sldMk cId="2530157244" sldId="481"/>
+            <ac:grpSpMk id="32" creationId="{04051303-D5CF-45A3-9097-47F1B1B9C226}"/>
+          </ac:grpSpMkLst>
+        </pc:grpChg>
+        <pc:grpChg chg="mod">
+          <ac:chgData name="Idan Yaniv" userId="1e0c8990-4f86-4a8c-b1fa-9def9a4f1d7c" providerId="ADAL" clId="{495326C0-6CA4-4BAA-A383-66E6F7B3C3EA}" dt="2019-01-08T12:49:06.231" v="1598" actId="1035"/>
+          <ac:grpSpMkLst>
+            <pc:docMk/>
+            <pc:sldMk cId="2530157244" sldId="481"/>
+            <ac:grpSpMk id="38" creationId="{CC6A173A-4919-44BE-B034-BBFC0A5A13B4}"/>
+          </ac:grpSpMkLst>
+        </pc:grpChg>
+        <pc:cxnChg chg="mod">
+          <ac:chgData name="Idan Yaniv" userId="1e0c8990-4f86-4a8c-b1fa-9def9a4f1d7c" providerId="ADAL" clId="{495326C0-6CA4-4BAA-A383-66E6F7B3C3EA}" dt="2019-01-08T12:48:59.556" v="1594" actId="1036"/>
+          <ac:cxnSpMkLst>
+            <pc:docMk/>
+            <pc:sldMk cId="2530157244" sldId="481"/>
+            <ac:cxnSpMk id="11" creationId="{8E048286-97CA-4595-B19E-9C8DBD87AD3D}"/>
+          </ac:cxnSpMkLst>
+        </pc:cxnChg>
+        <pc:cxnChg chg="mod">
+          <ac:chgData name="Idan Yaniv" userId="1e0c8990-4f86-4a8c-b1fa-9def9a4f1d7c" providerId="ADAL" clId="{495326C0-6CA4-4BAA-A383-66E6F7B3C3EA}" dt="2019-01-08T12:49:06.231" v="1598" actId="1035"/>
+          <ac:cxnSpMkLst>
+            <pc:docMk/>
+            <pc:sldMk cId="2530157244" sldId="481"/>
+            <ac:cxnSpMk id="12" creationId="{908E3A79-E278-4ABD-B8B4-D849A1832D0C}"/>
+          </ac:cxnSpMkLst>
+        </pc:cxnChg>
+        <pc:cxnChg chg="mod">
+          <ac:chgData name="Idan Yaniv" userId="1e0c8990-4f86-4a8c-b1fa-9def9a4f1d7c" providerId="ADAL" clId="{495326C0-6CA4-4BAA-A383-66E6F7B3C3EA}" dt="2019-01-08T12:48:59.556" v="1594" actId="1036"/>
+          <ac:cxnSpMkLst>
+            <pc:docMk/>
+            <pc:sldMk cId="2530157244" sldId="481"/>
+            <ac:cxnSpMk id="21" creationId="{DE5EB531-1CB9-4E76-9A07-5224010ED934}"/>
+          </ac:cxnSpMkLst>
+        </pc:cxnChg>
+        <pc:cxnChg chg="mod">
+          <ac:chgData name="Idan Yaniv" userId="1e0c8990-4f86-4a8c-b1fa-9def9a4f1d7c" providerId="ADAL" clId="{495326C0-6CA4-4BAA-A383-66E6F7B3C3EA}" dt="2019-01-08T12:49:06.231" v="1598" actId="1035"/>
+          <ac:cxnSpMkLst>
+            <pc:docMk/>
+            <pc:sldMk cId="2530157244" sldId="481"/>
+            <ac:cxnSpMk id="36" creationId="{9AC12752-FDBE-4167-A1AE-77E94CCA7B87}"/>
+          </ac:cxnSpMkLst>
+        </pc:cxnChg>
+        <pc:cxnChg chg="mod">
+          <ac:chgData name="Idan Yaniv" userId="1e0c8990-4f86-4a8c-b1fa-9def9a4f1d7c" providerId="ADAL" clId="{495326C0-6CA4-4BAA-A383-66E6F7B3C3EA}" dt="2019-01-08T12:49:06.231" v="1598" actId="1035"/>
+          <ac:cxnSpMkLst>
+            <pc:docMk/>
+            <pc:sldMk cId="2530157244" sldId="481"/>
+            <ac:cxnSpMk id="37" creationId="{DE2A86AA-F53D-47A3-B553-8150B871725B}"/>
+          </ac:cxnSpMkLst>
+        </pc:cxnChg>
+      </pc:sldChg>
+    </pc:docChg>
+  </pc:docChgLst>
+</pc:chgInfo>
+</file>
+
 <file path=ppt/notesMasters/notesMaster1.xml><?xml version="1.0" encoding="utf-8"?>
 <p:notesMaster xmlns:a="http://schemas.openxmlformats.org/drawingml/2006/main" xmlns:r="http://schemas.openxmlformats.org/officeDocument/2006/relationships" xmlns:p="http://schemas.openxmlformats.org/presentationml/2006/main">
   <p:cSld>
@@ -220,7 +576,7 @@
         <p:spPr>
           <a:xfrm>
             <a:off x="0" y="0"/>
-            <a:ext cx="2945659" cy="496332"/>
+            <a:ext cx="2971800" cy="457200"/>
           </a:xfrm>
           <a:prstGeom prst="rect">
             <a:avLst/>
@@ -250,8 +606,8 @@
         </p:nvSpPr>
         <p:spPr>
           <a:xfrm>
-            <a:off x="3850443" y="0"/>
-            <a:ext cx="2945659" cy="496332"/>
+            <a:off x="3884613" y="0"/>
+            <a:ext cx="2971800" cy="457200"/>
           </a:xfrm>
           <a:prstGeom prst="rect">
             <a:avLst/>
@@ -267,7 +623,7 @@
           <a:p>
             <a:fld id="{E1E9A386-374F-46B8-905A-6C0BF92B68B0}" type="datetimeFigureOut">
               <a:rPr lang="en-US" smtClean="0"/>
-              <a:t>4/30/2023</a:t>
+              <a:t>5/15/2024</a:t>
             </a:fld>
             <a:endParaRPr lang="en-US"/>
           </a:p>
@@ -285,8 +641,8 @@
         </p:nvSpPr>
         <p:spPr>
           <a:xfrm>
-            <a:off x="917575" y="744538"/>
-            <a:ext cx="4962525" cy="3722687"/>
+            <a:off x="1143000" y="685800"/>
+            <a:ext cx="4572000" cy="3429000"/>
           </a:xfrm>
           <a:prstGeom prst="rect">
             <a:avLst/>
@@ -318,8 +674,8 @@
         </p:nvSpPr>
         <p:spPr>
           <a:xfrm>
-            <a:off x="679768" y="4715153"/>
-            <a:ext cx="5438140" cy="4466987"/>
+            <a:off x="685800" y="4343400"/>
+            <a:ext cx="5486400" cy="4114800"/>
           </a:xfrm>
           <a:prstGeom prst="rect">
             <a:avLst/>
@@ -379,8 +735,8 @@
         </p:nvSpPr>
         <p:spPr>
           <a:xfrm>
-            <a:off x="0" y="9428583"/>
-            <a:ext cx="2945659" cy="496332"/>
+            <a:off x="0" y="8685213"/>
+            <a:ext cx="2971800" cy="457200"/>
           </a:xfrm>
           <a:prstGeom prst="rect">
             <a:avLst/>
@@ -410,8 +766,8 @@
         </p:nvSpPr>
         <p:spPr>
           <a:xfrm>
-            <a:off x="3850443" y="9428583"/>
-            <a:ext cx="2945659" cy="496332"/>
+            <a:off x="3884613" y="8685213"/>
+            <a:ext cx="2971800" cy="457200"/>
           </a:xfrm>
           <a:prstGeom prst="rect">
             <a:avLst/>
@@ -1500,11 +1856,7 @@
           <a:bodyPr/>
           <a:lstStyle/>
           <a:p>
-            <a:r>
-              <a:rPr lang="en-US" dirty="0"/>
-              <a:t>2^36 * 8= 2^36 * 2^3 = 2 ^ 39 = 2^9 * 2^30 = 512 GB</a:t>
-            </a:r>
-            <a:endParaRPr lang="en-IL" dirty="0"/>
+            <a:endParaRPr lang="en-US"/>
           </a:p>
         </p:txBody>
       </p:sp>
@@ -1515,7 +1867,7 @@
             <a:spLocks noGrp="1"/>
           </p:cNvSpPr>
           <p:nvPr>
-            <p:ph type="sldNum" sz="quarter" idx="5"/>
+            <p:ph type="sldNum" sz="quarter" idx="10"/>
           </p:nvPr>
         </p:nvSpPr>
         <p:spPr/>
@@ -1525,7 +1877,7 @@
           <a:p>
             <a:fld id="{94525A9A-2399-4ACF-975E-77FD324B061A}" type="slidenum">
               <a:rPr lang="en-US" smtClean="0"/>
-              <a:t>22</a:t>
+              <a:t>23</a:t>
             </a:fld>
             <a:endParaRPr lang="en-US"/>
           </a:p>
@@ -1534,7 +1886,7 @@
     </p:spTree>
     <p:extLst>
       <p:ext uri="{BB962C8B-B14F-4D97-AF65-F5344CB8AC3E}">
-        <p14:creationId xmlns:p14="http://schemas.microsoft.com/office/powerpoint/2010/main" val="4229250179"/>
+        <p14:creationId xmlns:p14="http://schemas.microsoft.com/office/powerpoint/2010/main" val="2452939567"/>
       </p:ext>
     </p:extLst>
   </p:cSld>
@@ -1619,7 +1971,7 @@
           <a:p>
             <a:fld id="{94525A9A-2399-4ACF-975E-77FD324B061A}" type="slidenum">
               <a:rPr lang="en-US" smtClean="0"/>
-              <a:t>26</a:t>
+              <a:t>27</a:t>
             </a:fld>
             <a:endParaRPr lang="en-US"/>
           </a:p>
@@ -1809,7 +2161,7 @@
           <a:p>
             <a:fld id="{94525A9A-2399-4ACF-975E-77FD324B061A}" type="slidenum">
               <a:rPr lang="en-US" smtClean="0"/>
-              <a:t>28</a:t>
+              <a:t>29</a:t>
             </a:fld>
             <a:endParaRPr lang="en-US"/>
           </a:p>
@@ -1964,7 +2316,7 @@
           <a:p>
             <a:fld id="{94525A9A-2399-4ACF-975E-77FD324B061A}" type="slidenum">
               <a:rPr lang="en-US" smtClean="0"/>
-              <a:t>30</a:t>
+              <a:t>31</a:t>
             </a:fld>
             <a:endParaRPr lang="en-US"/>
           </a:p>
@@ -2048,7 +2400,7 @@
           <a:p>
             <a:fld id="{94525A9A-2399-4ACF-975E-77FD324B061A}" type="slidenum">
               <a:rPr lang="en-US" smtClean="0"/>
-              <a:t>31</a:t>
+              <a:t>32</a:t>
             </a:fld>
             <a:endParaRPr lang="en-US"/>
           </a:p>
@@ -2196,7 +2548,7 @@
           <a:p>
             <a:fld id="{94525A9A-2399-4ACF-975E-77FD324B061A}" type="slidenum">
               <a:rPr lang="en-US" smtClean="0"/>
-              <a:t>33</a:t>
+              <a:t>34</a:t>
             </a:fld>
             <a:endParaRPr lang="en-US"/>
           </a:p>
@@ -2281,7 +2633,7 @@
           <a:p>
             <a:fld id="{94525A9A-2399-4ACF-975E-77FD324B061A}" type="slidenum">
               <a:rPr lang="en-US" smtClean="0"/>
-              <a:t>34</a:t>
+              <a:t>35</a:t>
             </a:fld>
             <a:endParaRPr lang="en-US"/>
           </a:p>
@@ -2362,16 +2714,17 @@
               <a:defRPr/>
             </a:pPr>
             <a:r>
-              <a:rPr lang="en-US" b="0" i="0" u="none" dirty="0">
-                <a:solidFill>
-                  <a:srgbClr val="1A0DAB"/>
-                </a:solidFill>
-                <a:effectLst/>
-                <a:latin typeface="arial" panose="020B0604020202020204" pitchFamily="34" charset="0"/>
-              </a:rPr>
-              <a:t>Translation lookaside buffer</a:t>
-            </a:r>
-            <a:endParaRPr lang="he-IL" altLang="en-US" u="none" dirty="0"/>
+              <a:rPr lang="he-IL" altLang="en-US" dirty="0"/>
+              <a:t>שימו לב: ה-</a:t>
+            </a:r>
+            <a:r>
+              <a:rPr lang="en-US" altLang="en-US" dirty="0"/>
+              <a:t>TLB</a:t>
+            </a:r>
+            <a:r>
+              <a:rPr lang="he-IL" altLang="en-US" dirty="0"/>
+              <a:t>, בניגוד לטבלת הדפים, אינו יושב בזיכרון הפיזי אלא בזיכרון ייעודי ומהיר בתוך המעבד.</a:t>
+            </a:r>
           </a:p>
           <a:p>
             <a:pPr marL="0" marR="0" lvl="0" indent="0" algn="r" defTabSz="914400" rtl="1" eaLnBrk="1" fontAlgn="auto" latinLnBrk="0" hangingPunct="1">
@@ -2393,37 +2746,6 @@
             </a:pPr>
             <a:r>
               <a:rPr lang="he-IL" altLang="en-US" dirty="0"/>
-              <a:t>שימו לב: ה-</a:t>
-            </a:r>
-            <a:r>
-              <a:rPr lang="en-US" altLang="en-US" dirty="0"/>
-              <a:t>TLB</a:t>
-            </a:r>
-            <a:r>
-              <a:rPr lang="he-IL" altLang="en-US" dirty="0"/>
-              <a:t>, בניגוד לטבלת הדפים, אינו יושב בזיכרון הפיזי אלא בזיכרון ייעודי ומהיר בתוך המעבד.</a:t>
-            </a:r>
-          </a:p>
-          <a:p>
-            <a:pPr marL="0" marR="0" lvl="0" indent="0" algn="r" defTabSz="914400" rtl="1" eaLnBrk="1" fontAlgn="auto" latinLnBrk="0" hangingPunct="1">
-              <a:lnSpc>
-                <a:spcPct val="100000"/>
-              </a:lnSpc>
-              <a:spcBef>
-                <a:spcPts val="0"/>
-              </a:spcBef>
-              <a:spcAft>
-                <a:spcPts val="0"/>
-              </a:spcAft>
-              <a:buClrTx/>
-              <a:buSzTx/>
-              <a:buFontTx/>
-              <a:buNone/>
-              <a:tabLst/>
-              <a:defRPr/>
-            </a:pPr>
-            <a:r>
-              <a:rPr lang="he-IL" altLang="en-US" dirty="0"/>
               <a:t>לכן חיפוש ב-</a:t>
             </a:r>
             <a:r>
@@ -2472,7 +2794,7 @@
           <a:p>
             <a:fld id="{94525A9A-2399-4ACF-975E-77FD324B061A}" type="slidenum">
               <a:rPr lang="en-US" smtClean="0"/>
-              <a:t>35</a:t>
+              <a:t>36</a:t>
             </a:fld>
             <a:endParaRPr lang="en-US"/>
           </a:p>
@@ -2593,7 +2915,7 @@
           <a:p>
             <a:fld id="{94525A9A-2399-4ACF-975E-77FD324B061A}" type="slidenum">
               <a:rPr lang="en-US" smtClean="0"/>
-              <a:t>36</a:t>
+              <a:t>37</a:t>
             </a:fld>
             <a:endParaRPr lang="en-US"/>
           </a:p>
@@ -2733,7 +3055,7 @@
           <a:p>
             <a:fld id="{94525A9A-2399-4ACF-975E-77FD324B061A}" type="slidenum">
               <a:rPr lang="en-US" smtClean="0"/>
-              <a:t>37</a:t>
+              <a:t>38</a:t>
             </a:fld>
             <a:endParaRPr lang="en-US"/>
           </a:p>
@@ -2869,7 +3191,7 @@
                 <a:tabLst/>
                 <a:defRPr/>
               </a:pPr>
-              <a:t>38</a:t>
+              <a:t>39</a:t>
             </a:fld>
             <a:endParaRPr kumimoji="0" lang="en-US" sz="1200" b="0" i="0" u="none" strike="noStrike" kern="1200" cap="none" spc="0" normalizeH="0" baseline="0" noProof="0">
               <a:ln>
@@ -2974,7 +3296,7 @@
           <a:p>
             <a:fld id="{94525A9A-2399-4ACF-975E-77FD324B061A}" type="slidenum">
               <a:rPr lang="en-US" smtClean="0"/>
-              <a:t>40</a:t>
+              <a:t>41</a:t>
             </a:fld>
             <a:endParaRPr lang="en-US"/>
           </a:p>
@@ -3393,7 +3715,7 @@
           <a:p>
             <a:fld id="{94525A9A-2399-4ACF-975E-77FD324B061A}" type="slidenum">
               <a:rPr lang="en-US" smtClean="0"/>
-              <a:t>50</a:t>
+              <a:t>51</a:t>
             </a:fld>
             <a:endParaRPr lang="en-US"/>
           </a:p>
@@ -4389,7 +4711,7 @@
           <a:p>
             <a:fld id="{00C6FD60-D57C-4F69-9ACB-1B467768F8AB}" type="datetime2">
               <a:rPr lang="en-US" smtClean="0"/>
-              <a:t>Sunday, April 30, 2023</a:t>
+              <a:t>Wednesday, May 15, 2024</a:t>
             </a:fld>
             <a:endParaRPr lang="en-US"/>
           </a:p>
@@ -4600,7 +4922,7 @@
           <a:p>
             <a:fld id="{3DC23987-D949-43A8-B8DB-E8486AFAA809}" type="datetime2">
               <a:rPr lang="en-US" smtClean="0"/>
-              <a:t>Sunday, April 30, 2023</a:t>
+              <a:t>Wednesday, May 15, 2024</a:t>
             </a:fld>
             <a:endParaRPr lang="en-US"/>
           </a:p>
@@ -4779,7 +5101,7 @@
           <a:p>
             <a:fld id="{8A2F4FCB-C996-454E-9B32-94E18A361EFF}" type="datetime2">
               <a:rPr lang="en-US" smtClean="0"/>
-              <a:t>Sunday, April 30, 2023</a:t>
+              <a:t>Wednesday, May 15, 2024</a:t>
             </a:fld>
             <a:endParaRPr lang="en-US"/>
           </a:p>
@@ -5139,7 +5461,7 @@
           <a:p>
             <a:fld id="{0A59992B-2E66-4716-85AD-D0E87E7B37B9}" type="datetime2">
               <a:rPr lang="en-US" smtClean="0"/>
-              <a:t>Sunday, April 30, 2023</a:t>
+              <a:t>Wednesday, May 15, 2024</a:t>
             </a:fld>
             <a:endParaRPr lang="en-US"/>
           </a:p>
@@ -5355,7 +5677,7 @@
           <a:p>
             <a:fld id="{4999F0F6-2166-4AA5-9906-1D0B4A4DD534}" type="datetime2">
               <a:rPr lang="en-US" smtClean="0"/>
-              <a:t>Sunday, April 30, 2023</a:t>
+              <a:t>Wednesday, May 15, 2024</a:t>
             </a:fld>
             <a:endParaRPr lang="en-US"/>
           </a:p>
@@ -5613,7 +5935,7 @@
           <a:p>
             <a:fld id="{33C07C26-5FB8-480F-A051-AD8180E0E914}" type="datetime2">
               <a:rPr lang="en-US" smtClean="0"/>
-              <a:t>Sunday, April 30, 2023</a:t>
+              <a:t>Wednesday, May 15, 2024</a:t>
             </a:fld>
             <a:endParaRPr lang="en-US"/>
           </a:p>
@@ -5943,7 +6265,7 @@
           <a:p>
             <a:fld id="{F9D9AC75-CCD4-437D-B442-882A73BF0A8A}" type="datetime2">
               <a:rPr lang="en-US" smtClean="0"/>
-              <a:t>Sunday, April 30, 2023</a:t>
+              <a:t>Wednesday, May 15, 2024</a:t>
             </a:fld>
             <a:endParaRPr lang="en-US"/>
           </a:p>
@@ -6417,7 +6739,7 @@
           <a:p>
             <a:fld id="{12B216B6-B7CC-4A4B-88A3-F7950C42AF39}" type="datetime2">
               <a:rPr lang="en-US" smtClean="0"/>
-              <a:t>Sunday, April 30, 2023</a:t>
+              <a:t>Wednesday, May 15, 2024</a:t>
             </a:fld>
             <a:endParaRPr lang="en-US"/>
           </a:p>
@@ -6583,7 +6905,7 @@
           <a:p>
             <a:fld id="{B4BDD4D4-D8CF-451C-ACC8-2CA63ACB288E}" type="datetime2">
               <a:rPr lang="en-US" smtClean="0"/>
-              <a:t>Sunday, April 30, 2023</a:t>
+              <a:t>Wednesday, May 15, 2024</a:t>
             </a:fld>
             <a:endParaRPr lang="en-US"/>
           </a:p>
@@ -6684,7 +7006,7 @@
           <a:p>
             <a:fld id="{D865D403-9A22-43C9-91B8-3F84BFA897A4}" type="datetime2">
               <a:rPr lang="en-US" smtClean="0"/>
-              <a:t>Sunday, April 30, 2023</a:t>
+              <a:t>Wednesday, May 15, 2024</a:t>
             </a:fld>
             <a:endParaRPr lang="en-US"/>
           </a:p>
@@ -6858,7 +7180,7 @@
           <a:p>
             <a:fld id="{AF8C74C2-99ED-4C4A-9EB4-F5455644DE5E}" type="datetime2">
               <a:rPr lang="en-US" smtClean="0"/>
-              <a:t>Sunday, April 30, 2023</a:t>
+              <a:t>Wednesday, May 15, 2024</a:t>
             </a:fld>
             <a:endParaRPr lang="en-US"/>
           </a:p>
@@ -7136,7 +7458,7 @@
           <a:p>
             <a:fld id="{56D989C0-6468-4806-8F1E-6FBC84D8B8B8}" type="datetime2">
               <a:rPr lang="en-US" smtClean="0"/>
-              <a:t>Sunday, April 30, 2023</a:t>
+              <a:t>Wednesday, May 15, 2024</a:t>
             </a:fld>
             <a:endParaRPr lang="en-US"/>
           </a:p>
@@ -7450,7 +7772,7 @@
           <a:p>
             <a:fld id="{43404676-F547-4F47-995F-7A90A1718380}" type="datetime2">
               <a:rPr lang="en-US" smtClean="0"/>
-              <a:t>Sunday, April 30, 2023</a:t>
+              <a:t>Wednesday, May 15, 2024</a:t>
             </a:fld>
             <a:endParaRPr lang="en-US"/>
           </a:p>
@@ -7624,7 +7946,7 @@
           <a:p>
             <a:fld id="{8C446F19-C75D-40FE-B2E9-791450496247}" type="datetime2">
               <a:rPr lang="en-US" smtClean="0"/>
-              <a:t>Sunday, April 30, 2023</a:t>
+              <a:t>Wednesday, May 15, 2024</a:t>
             </a:fld>
             <a:endParaRPr lang="en-US"/>
           </a:p>
@@ -7808,7 +8130,7 @@
           <a:p>
             <a:fld id="{C2E89E02-A67A-4781-95D8-D17861DE6453}" type="datetime2">
               <a:rPr lang="en-US" smtClean="0"/>
-              <a:t>Sunday, April 30, 2023</a:t>
+              <a:t>Wednesday, May 15, 2024</a:t>
             </a:fld>
             <a:endParaRPr lang="en-US"/>
           </a:p>
@@ -8041,7 +8363,7 @@
             </a:pPr>
             <a:fld id="{A75DED51-ADC6-4298-9596-602C80FEE94A}" type="datetime2">
               <a:rPr lang="en-US" smtClean="0"/>
-              <a:t>Sunday, April 30, 2023</a:t>
+              <a:t>Wednesday, May 15, 2024</a:t>
             </a:fld>
             <a:endParaRPr lang="en-US"/>
           </a:p>
@@ -8252,7 +8574,7 @@
           <a:p>
             <a:fld id="{2FBD9BAB-F61D-4E99-AF58-721F56501CC0}" type="datetime2">
               <a:rPr lang="en-US" smtClean="0"/>
-              <a:t>Sunday, April 30, 2023</a:t>
+              <a:t>Wednesday, May 15, 2024</a:t>
             </a:fld>
             <a:endParaRPr lang="en-US"/>
           </a:p>
@@ -8468,7 +8790,7 @@
           <a:p>
             <a:fld id="{84C0497C-E293-4744-9A33-C8ED33D5E2FA}" type="datetime2">
               <a:rPr lang="en-US" smtClean="0"/>
-              <a:t>Sunday, April 30, 2023</a:t>
+              <a:t>Wednesday, May 15, 2024</a:t>
             </a:fld>
             <a:endParaRPr lang="en-US"/>
           </a:p>
@@ -8727,7 +9049,7 @@
           <a:p>
             <a:fld id="{CDF1DA13-36A5-4F92-A87F-3686162B1ED7}" type="datetime2">
               <a:rPr lang="en-US" smtClean="0"/>
-              <a:t>Sunday, April 30, 2023</a:t>
+              <a:t>Wednesday, May 15, 2024</a:t>
             </a:fld>
             <a:endParaRPr lang="en-US"/>
           </a:p>
@@ -9055,7 +9377,7 @@
           <a:p>
             <a:fld id="{C6F2FCE3-9574-4A9B-AE36-254E10927DBC}" type="datetime2">
               <a:rPr lang="en-US" smtClean="0"/>
-              <a:t>Sunday, April 30, 2023</a:t>
+              <a:t>Wednesday, May 15, 2024</a:t>
             </a:fld>
             <a:endParaRPr lang="en-US"/>
           </a:p>
@@ -9532,7 +9854,7 @@
           <a:p>
             <a:fld id="{052B4C6C-08BD-4188-8232-65599117C4D8}" type="datetime2">
               <a:rPr lang="en-US" smtClean="0"/>
-              <a:t>Sunday, April 30, 2023</a:t>
+              <a:t>Wednesday, May 15, 2024</a:t>
             </a:fld>
             <a:endParaRPr lang="en-US"/>
           </a:p>
@@ -9825,7 +10147,7 @@
           <a:p>
             <a:fld id="{853D7B7A-4604-46D0-9EBD-7D59B24327FC}" type="datetime2">
               <a:rPr lang="en-US" smtClean="0"/>
-              <a:t>Sunday, April 30, 2023</a:t>
+              <a:t>Wednesday, May 15, 2024</a:t>
             </a:fld>
             <a:endParaRPr lang="en-US"/>
           </a:p>
@@ -9978,7 +10300,7 @@
           <a:p>
             <a:fld id="{58F1BBBB-E05B-4918-AE3B-6AABBFB1218B}" type="datetime2">
               <a:rPr lang="en-US" smtClean="0"/>
-              <a:t>Sunday, April 30, 2023</a:t>
+              <a:t>Wednesday, May 15, 2024</a:t>
             </a:fld>
             <a:endParaRPr lang="en-US"/>
           </a:p>
@@ -10079,7 +10401,7 @@
           <a:p>
             <a:fld id="{CFA6FFF0-F41D-46C2-8043-970062F66010}" type="datetime2">
               <a:rPr lang="en-US" smtClean="0"/>
-              <a:t>Sunday, April 30, 2023</a:t>
+              <a:t>Wednesday, May 15, 2024</a:t>
             </a:fld>
             <a:endParaRPr lang="en-US"/>
           </a:p>
@@ -10364,7 +10686,7 @@
           <a:p>
             <a:fld id="{E52A0843-13B8-466B-A554-CB55153DDA06}" type="datetime2">
               <a:rPr lang="en-US" smtClean="0"/>
-              <a:t>Sunday, April 30, 2023</a:t>
+              <a:t>Wednesday, May 15, 2024</a:t>
             </a:fld>
             <a:endParaRPr lang="en-US"/>
           </a:p>
@@ -10680,7 +11002,7 @@
           <a:p>
             <a:fld id="{F72D080A-925C-4925-AFDF-ACD87124B20C}" type="datetime2">
               <a:rPr lang="en-US" smtClean="0"/>
-              <a:t>Sunday, April 30, 2023</a:t>
+              <a:t>Wednesday, May 15, 2024</a:t>
             </a:fld>
             <a:endParaRPr lang="en-US"/>
           </a:p>
@@ -10854,7 +11176,7 @@
           <a:p>
             <a:fld id="{80947BE3-F1AC-4260-B2F7-CD869967E36A}" type="datetime2">
               <a:rPr lang="en-US" smtClean="0"/>
-              <a:t>Sunday, April 30, 2023</a:t>
+              <a:t>Wednesday, May 15, 2024</a:t>
             </a:fld>
             <a:endParaRPr lang="en-US"/>
           </a:p>
@@ -11040,7 +11362,7 @@
           <a:p>
             <a:fld id="{1A0E4C21-FBB4-4412-8B7C-6738FD654A09}" type="datetime2">
               <a:rPr lang="en-US" smtClean="0"/>
-              <a:t>Sunday, April 30, 2023</a:t>
+              <a:t>Wednesday, May 15, 2024</a:t>
             </a:fld>
             <a:endParaRPr lang="en-US"/>
           </a:p>
@@ -11443,7 +11765,7 @@
           <a:p>
             <a:fld id="{AB2869CE-82C1-40E5-9F11-137B7D6C2049}" type="datetime2">
               <a:rPr lang="en-US" smtClean="0"/>
-              <a:t>Sunday, April 30, 2023</a:t>
+              <a:t>Wednesday, May 15, 2024</a:t>
             </a:fld>
             <a:endParaRPr lang="en-US"/>
           </a:p>
@@ -11912,7 +12234,7 @@
           <a:p>
             <a:fld id="{F857239E-D247-4F13-9D63-3ACBDFE9A9D3}" type="datetime2">
               <a:rPr lang="en-US" smtClean="0"/>
-              <a:t>Sunday, April 30, 2023</a:t>
+              <a:t>Wednesday, May 15, 2024</a:t>
             </a:fld>
             <a:endParaRPr lang="en-US"/>
           </a:p>
@@ -11935,10 +12257,10 @@
           <a:p>
             <a:pPr algn="r"/>
             <a:r>
-              <a:rPr lang="he-IL"/>
-              <a:t>מערכות הפעלה - תרגול 10</a:t>
-            </a:r>
-            <a:endParaRPr lang="en-US"/>
+              <a:rPr lang="he-IL" dirty="0"/>
+              <a:t>מערכות הפעלה - תרגול 8</a:t>
+            </a:r>
+            <a:endParaRPr lang="en-US" dirty="0"/>
           </a:p>
         </p:txBody>
       </p:sp>
@@ -12065,7 +12387,7 @@
           <a:p>
             <a:fld id="{A324BEA2-2D82-4542-ADCA-2D19DE7A8103}" type="datetime2">
               <a:rPr lang="en-US" smtClean="0"/>
-              <a:t>Sunday, April 30, 2023</a:t>
+              <a:t>Wednesday, May 15, 2024</a:t>
             </a:fld>
             <a:endParaRPr lang="en-US"/>
           </a:p>
@@ -12161,7 +12483,7 @@
           <a:p>
             <a:fld id="{6D1149A8-C498-4266-88D2-0D20E0A5CC5B}" type="datetime2">
               <a:rPr lang="en-US" smtClean="0"/>
-              <a:t>Sunday, April 30, 2023</a:t>
+              <a:t>Wednesday, May 15, 2024</a:t>
             </a:fld>
             <a:endParaRPr lang="en-US"/>
           </a:p>
@@ -12439,7 +12761,7 @@
           <a:p>
             <a:fld id="{9E110CC8-8E5A-45F9-B0E1-664223EC6047}" type="datetime2">
               <a:rPr lang="en-US" smtClean="0"/>
-              <a:t>Sunday, April 30, 2023</a:t>
+              <a:t>Wednesday, May 15, 2024</a:t>
             </a:fld>
             <a:endParaRPr lang="en-US"/>
           </a:p>
@@ -12748,7 +13070,7 @@
           <a:p>
             <a:fld id="{E56FCEBB-0074-41D4-9785-B4831265C2DE}" type="datetime2">
               <a:rPr lang="en-US" smtClean="0"/>
-              <a:t>Sunday, April 30, 2023</a:t>
+              <a:t>Wednesday, May 15, 2024</a:t>
             </a:fld>
             <a:endParaRPr lang="en-US"/>
           </a:p>
@@ -12904,7 +13226,7 @@
           <a:lstStyle/>
           <a:p>
             <a:r>
-              <a:rPr lang="en-US"/>
+              <a:rPr lang="en-US" dirty="0"/>
               <a:t>Click to edit Master title style</a:t>
             </a:r>
           </a:p>
@@ -12937,35 +13259,35 @@
           <a:p>
             <a:pPr lvl="0"/>
             <a:r>
-              <a:rPr lang="en-US"/>
+              <a:rPr lang="en-US" dirty="0"/>
               <a:t>Click to edit Master text styles</a:t>
             </a:r>
           </a:p>
           <a:p>
             <a:pPr lvl="1"/>
             <a:r>
-              <a:rPr lang="en-US"/>
+              <a:rPr lang="en-US" dirty="0"/>
               <a:t>Second level</a:t>
             </a:r>
           </a:p>
           <a:p>
             <a:pPr lvl="2"/>
             <a:r>
-              <a:rPr lang="en-US"/>
+              <a:rPr lang="en-US" dirty="0"/>
               <a:t>Third level</a:t>
             </a:r>
           </a:p>
           <a:p>
             <a:pPr lvl="3"/>
             <a:r>
-              <a:rPr lang="en-US"/>
+              <a:rPr lang="en-US" dirty="0"/>
               <a:t>Fourth level</a:t>
             </a:r>
           </a:p>
           <a:p>
             <a:pPr lvl="4"/>
             <a:r>
-              <a:rPr lang="en-US"/>
+              <a:rPr lang="en-US" dirty="0"/>
               <a:t>Fifth level</a:t>
             </a:r>
           </a:p>
@@ -13044,15 +13366,18 @@
                 <a:solidFill>
                   <a:srgbClr val="FFFFFF"/>
                 </a:solidFill>
+                <a:latin typeface="Lucida Sans Unicode" panose="020B0602030504020204" pitchFamily="34" charset="0"/>
+                <a:cs typeface="Lucida Sans Unicode" panose="020B0602030504020204" pitchFamily="34" charset="0"/>
               </a:defRPr>
             </a:lvl1pPr>
           </a:lstStyle>
           <a:p>
             <a:fld id="{06F42C3C-A2D7-4960-B627-344F4A6CD0D7}" type="datetime2">
               <a:rPr lang="en-US" smtClean="0"/>
-              <a:t>Sunday, April 30, 2023</a:t>
+              <a:pPr/>
+              <a:t>Wednesday, May 15, 2024</a:t>
             </a:fld>
-            <a:endParaRPr lang="en-US"/>
+            <a:endParaRPr lang="en-US" dirty="0"/>
           </a:p>
         </p:txBody>
       </p:sp>
@@ -13083,15 +13408,17 @@
                 <a:solidFill>
                   <a:srgbClr val="FFFFFF"/>
                 </a:solidFill>
+                <a:latin typeface="Lucida Sans Unicode" panose="020B0602030504020204" pitchFamily="34" charset="0"/>
+                <a:cs typeface="Lucida Sans Unicode" panose="020B0602030504020204" pitchFamily="34" charset="0"/>
               </a:defRPr>
             </a:lvl1pPr>
           </a:lstStyle>
           <a:p>
             <a:r>
-              <a:rPr lang="he-IL"/>
+              <a:rPr lang="he-IL" dirty="0"/>
               <a:t>מערכות הפעלה - תרגול 10</a:t>
             </a:r>
-            <a:endParaRPr lang="en-US"/>
+            <a:endParaRPr lang="en-US" dirty="0"/>
           </a:p>
         </p:txBody>
       </p:sp>
@@ -13122,6 +13449,8 @@
                 <a:solidFill>
                   <a:srgbClr val="FFFFFF"/>
                 </a:solidFill>
+                <a:latin typeface="Lucida Sans Unicode" panose="020B0602030504020204" pitchFamily="34" charset="0"/>
+                <a:cs typeface="Lucida Sans Unicode" panose="020B0602030504020204" pitchFamily="34" charset="0"/>
               </a:defRPr>
             </a:lvl1pPr>
           </a:lstStyle>
@@ -13131,7 +13460,7 @@
               <a:pPr/>
               <a:t>‹#›</a:t>
             </a:fld>
-            <a:endParaRPr lang="en-US"/>
+            <a:endParaRPr lang="en-US" dirty="0"/>
           </a:p>
         </p:txBody>
       </p:sp>
@@ -13164,9 +13493,9 @@
           <a:solidFill>
             <a:schemeClr val="tx2"/>
           </a:solidFill>
-          <a:latin typeface="+mj-lt"/>
+          <a:latin typeface="Lucida Sans Unicode" panose="020B0602030504020204" pitchFamily="34" charset="0"/>
           <a:ea typeface="+mj-ea"/>
-          <a:cs typeface="+mj-cs"/>
+          <a:cs typeface="Lucida Sans Unicode" panose="020B0602030504020204" pitchFamily="34" charset="0"/>
         </a:defRPr>
       </a:lvl1pPr>
     </p:titleStyle>
@@ -13185,9 +13514,9 @@
           <a:solidFill>
             <a:schemeClr val="tx1"/>
           </a:solidFill>
-          <a:latin typeface="+mn-lt"/>
+          <a:latin typeface="Lucida Sans Unicode" panose="020B0602030504020204" pitchFamily="34" charset="0"/>
           <a:ea typeface="+mn-ea"/>
-          <a:cs typeface="+mn-cs"/>
+          <a:cs typeface="Lucida Sans Unicode" panose="020B0602030504020204" pitchFamily="34" charset="0"/>
         </a:defRPr>
       </a:lvl1pPr>
       <a:lvl2pPr marL="457200" indent="-182880" algn="r" defTabSz="914400" rtl="1" eaLnBrk="1" latinLnBrk="0" hangingPunct="1">
@@ -13204,9 +13533,9 @@
           <a:solidFill>
             <a:schemeClr val="tx1"/>
           </a:solidFill>
-          <a:latin typeface="+mn-lt"/>
+          <a:latin typeface="Lucida Sans Unicode" panose="020B0602030504020204" pitchFamily="34" charset="0"/>
           <a:ea typeface="+mn-ea"/>
-          <a:cs typeface="+mn-cs"/>
+          <a:cs typeface="Lucida Sans Unicode" panose="020B0602030504020204" pitchFamily="34" charset="0"/>
         </a:defRPr>
       </a:lvl2pPr>
       <a:lvl3pPr marL="731520" indent="-182880" algn="r" defTabSz="914400" rtl="1" eaLnBrk="1" latinLnBrk="0" hangingPunct="1">
@@ -13223,9 +13552,9 @@
           <a:solidFill>
             <a:schemeClr val="tx1"/>
           </a:solidFill>
-          <a:latin typeface="+mn-lt"/>
+          <a:latin typeface="Lucida Sans Unicode" panose="020B0602030504020204" pitchFamily="34" charset="0"/>
           <a:ea typeface="+mn-ea"/>
-          <a:cs typeface="+mn-cs"/>
+          <a:cs typeface="Lucida Sans Unicode" panose="020B0602030504020204" pitchFamily="34" charset="0"/>
         </a:defRPr>
       </a:lvl3pPr>
       <a:lvl4pPr marL="1005840" indent="-182880" algn="r" defTabSz="914400" rtl="1" eaLnBrk="1" latinLnBrk="0" hangingPunct="1">
@@ -13241,9 +13570,9 @@
           <a:solidFill>
             <a:schemeClr val="tx1"/>
           </a:solidFill>
-          <a:latin typeface="+mn-lt"/>
+          <a:latin typeface="Lucida Sans Unicode" panose="020B0602030504020204" pitchFamily="34" charset="0"/>
           <a:ea typeface="+mn-ea"/>
-          <a:cs typeface="+mn-cs"/>
+          <a:cs typeface="Lucida Sans Unicode" panose="020B0602030504020204" pitchFamily="34" charset="0"/>
         </a:defRPr>
       </a:lvl4pPr>
       <a:lvl5pPr marL="1188720" indent="-137160" algn="r" defTabSz="914400" rtl="1" eaLnBrk="1" latinLnBrk="0" hangingPunct="1">
@@ -13260,9 +13589,9 @@
           <a:solidFill>
             <a:schemeClr val="tx1"/>
           </a:solidFill>
-          <a:latin typeface="+mn-lt"/>
+          <a:latin typeface="Lucida Sans Unicode" panose="020B0602030504020204" pitchFamily="34" charset="0"/>
           <a:ea typeface="+mn-ea"/>
-          <a:cs typeface="+mn-cs"/>
+          <a:cs typeface="Lucida Sans Unicode" panose="020B0602030504020204" pitchFamily="34" charset="0"/>
         </a:defRPr>
       </a:lvl5pPr>
       <a:lvl6pPr marL="1371600" indent="-182880" algn="l" defTabSz="914400" rtl="0" eaLnBrk="1" latinLnBrk="0" hangingPunct="1">
@@ -13677,7 +14006,7 @@
           <a:p>
             <a:fld id="{CD0FC5CF-30A4-4FD5-BDB0-D7780924FBF4}" type="datetime2">
               <a:rPr lang="en-US" smtClean="0"/>
-              <a:t>Sunday, April 30, 2023</a:t>
+              <a:t>Wednesday, May 15, 2024</a:t>
             </a:fld>
             <a:endParaRPr lang="en-US"/>
           </a:p>
@@ -14309,7 +14638,7 @@
           <a:p>
             <a:fld id="{01ECD41F-3A5B-4A40-912B-B95BF29520E7}" type="datetime2">
               <a:rPr lang="en-US" smtClean="0"/>
-              <a:t>Sunday, April 30, 2023</a:t>
+              <a:t>Wednesday, May 15, 2024</a:t>
             </a:fld>
             <a:endParaRPr lang="en-US" dirty="0"/>
           </a:p>
@@ -14734,12 +15063,8 @@
           <a:lstStyle/>
           <a:p>
             <a:r>
-              <a:rPr lang="he-IL" dirty="0"/>
-              <a:t>תרגול </a:t>
-            </a:r>
-            <a:r>
-              <a:rPr lang="ar-SA" dirty="0"/>
-              <a:t>7</a:t>
+              <a:rPr lang="he-IL"/>
+              <a:t>תרגול 8</a:t>
             </a:r>
             <a:endParaRPr lang="en-US" dirty="0"/>
           </a:p>
@@ -16530,7 +16855,7 @@
         <p:spPr/>
         <p:txBody>
           <a:bodyPr>
-            <a:normAutofit fontScale="92500" lnSpcReduction="10000"/>
+            <a:normAutofit fontScale="92500" lnSpcReduction="20000"/>
           </a:bodyPr>
           <a:lstStyle/>
           <a:p>
@@ -16781,18 +17106,20 @@
         </p:nvSpPr>
         <p:spPr/>
         <p:txBody>
-          <a:bodyPr/>
+          <a:bodyPr>
+            <a:normAutofit/>
+          </a:bodyPr>
           <a:lstStyle/>
           <a:p>
             <a:r>
-              <a:rPr lang="en-US" dirty="0"/>
+              <a:rPr lang="en-US" sz="4400" dirty="0"/>
               <a:t>Paging</a:t>
             </a:r>
             <a:r>
-              <a:rPr lang="he-IL" dirty="0"/>
+              <a:rPr lang="he-IL" sz="4400" dirty="0"/>
               <a:t> במעבדי אינטל 32-ביט</a:t>
             </a:r>
-            <a:endParaRPr lang="en-US" dirty="0"/>
+            <a:endParaRPr lang="en-US" sz="4400" dirty="0"/>
           </a:p>
         </p:txBody>
       </p:sp>
@@ -17007,19 +17334,19 @@
           <a:lstStyle/>
           <a:p>
             <a:r>
-              <a:rPr lang="he-IL" dirty="0"/>
+              <a:rPr lang="he-IL" sz="2000" dirty="0"/>
               <a:t>מחולק ל</a:t>
             </a:r>
             <a:r>
-              <a:rPr lang="he-IL" b="1" dirty="0"/>
+              <a:rPr lang="he-IL" sz="2000" b="1" dirty="0"/>
               <a:t>דפים</a:t>
             </a:r>
             <a:r>
-              <a:rPr lang="he-IL" dirty="0"/>
+              <a:rPr lang="he-IL" sz="2000" dirty="0"/>
               <a:t> (</a:t>
             </a:r>
             <a:r>
-              <a:rPr lang="en-US" b="1" dirty="0">
+              <a:rPr lang="en-US" sz="2000" b="1" dirty="0">
                 <a:solidFill>
                   <a:srgbClr val="0000FF"/>
                 </a:solidFill>
@@ -17027,29 +17354,29 @@
               <a:t>pages</a:t>
             </a:r>
             <a:r>
-              <a:rPr lang="he-IL" dirty="0"/>
+              <a:rPr lang="he-IL" sz="2000" dirty="0"/>
               <a:t>).</a:t>
             </a:r>
           </a:p>
           <a:p>
             <a:pPr lvl="1"/>
             <a:r>
-              <a:rPr lang="he-IL" dirty="0"/>
+              <a:rPr lang="he-IL" sz="1800" dirty="0"/>
               <a:t>גודל דף == גודל מסגרת (</a:t>
             </a:r>
             <a:r>
-              <a:rPr lang="en-US" dirty="0"/>
+              <a:rPr lang="en-US" sz="1800" dirty="0"/>
               <a:t>4KB</a:t>
             </a:r>
             <a:r>
-              <a:rPr lang="he-IL" dirty="0"/>
+              <a:rPr lang="he-IL" sz="1800" dirty="0"/>
               <a:t>).</a:t>
             </a:r>
           </a:p>
           <a:p>
             <a:pPr lvl="1"/>
             <a:r>
-              <a:rPr lang="he-IL" dirty="0"/>
+              <a:rPr lang="he-IL" sz="1800" dirty="0"/>
               <a:t>הדפים מיושרים בזיכרון הווירטואלי.</a:t>
             </a:r>
           </a:p>
@@ -17112,23 +17439,25 @@
           </a:xfrm>
         </p:spPr>
         <p:txBody>
-          <a:bodyPr/>
+          <a:bodyPr>
+            <a:normAutofit/>
+          </a:bodyPr>
           <a:lstStyle/>
           <a:p>
             <a:r>
-              <a:rPr lang="he-IL" dirty="0"/>
+              <a:rPr lang="he-IL" sz="2000" dirty="0"/>
               <a:t>מחולק ל</a:t>
             </a:r>
             <a:r>
-              <a:rPr lang="he-IL" b="1" dirty="0"/>
+              <a:rPr lang="he-IL" sz="2000" b="1" dirty="0"/>
               <a:t>מסגרות</a:t>
             </a:r>
             <a:r>
-              <a:rPr lang="he-IL" dirty="0"/>
+              <a:rPr lang="he-IL" sz="2000" dirty="0"/>
               <a:t> (</a:t>
             </a:r>
             <a:r>
-              <a:rPr lang="en-US" b="1" dirty="0">
+              <a:rPr lang="en-US" sz="2000" b="1" dirty="0">
                 <a:solidFill>
                   <a:srgbClr val="0000FF"/>
                 </a:solidFill>
@@ -17136,35 +17465,35 @@
               <a:t>frames</a:t>
             </a:r>
             <a:r>
-              <a:rPr lang="he-IL" dirty="0"/>
+              <a:rPr lang="he-IL" sz="2000" dirty="0"/>
               <a:t>) -בלוקים עוקבים בגודל קבוע (</a:t>
             </a:r>
             <a:r>
-              <a:rPr lang="en-US" dirty="0"/>
+              <a:rPr lang="en-US" sz="2000" dirty="0"/>
               <a:t>4KB</a:t>
             </a:r>
             <a:r>
-              <a:rPr lang="he-IL" dirty="0"/>
+              <a:rPr lang="he-IL" sz="2000" dirty="0"/>
               <a:t> בארכיטקטורת </a:t>
             </a:r>
             <a:r>
-              <a:rPr lang="en-US" dirty="0"/>
+              <a:rPr lang="en-US" sz="2000" dirty="0"/>
               <a:t>IA-32</a:t>
             </a:r>
             <a:r>
-              <a:rPr lang="he-IL" dirty="0"/>
+              <a:rPr lang="he-IL" sz="2000" dirty="0"/>
               <a:t>).</a:t>
             </a:r>
           </a:p>
           <a:p>
             <a:pPr lvl="1"/>
             <a:r>
-              <a:rPr lang="he-IL" dirty="0"/>
+              <a:rPr lang="he-IL" sz="1800" dirty="0"/>
               <a:t>המסגרות מיושרות בזיכרון הפיזי.</a:t>
             </a:r>
           </a:p>
           <a:p>
-            <a:endParaRPr lang="en-US" dirty="0"/>
+            <a:endParaRPr lang="en-US" sz="2000" dirty="0"/>
           </a:p>
         </p:txBody>
       </p:sp>
@@ -17816,7 +18145,7 @@
         <p:spPr/>
         <p:txBody>
           <a:bodyPr>
-            <a:normAutofit/>
+            <a:normAutofit lnSpcReduction="10000"/>
           </a:bodyPr>
           <a:lstStyle/>
           <a:p>
@@ -18658,7 +18987,7 @@
           <a:lstStyle/>
           <a:p>
             <a:r>
-              <a:rPr lang="he-IL"/>
+              <a:rPr lang="he-IL" dirty="0"/>
               <a:t>בכל גישה לזיכרון, המעבד מתרגם את הכתובת הוירטואלית לכתובת פיזית באופן הבא:</a:t>
             </a:r>
           </a:p>
@@ -18799,7 +19128,7 @@
                     <a:p>
                       <a:pPr algn="ctr" rtl="0"/>
                       <a:r>
-                        <a:rPr lang="en-US" sz="2000" dirty="0"/>
+                        <a:rPr lang="en-US" sz="2000"/>
                         <a:t>page offset</a:t>
                       </a:r>
                     </a:p>
@@ -18997,26 +19326,36 @@
           <a:p>
             <a:pPr algn="ctr" rtl="1"/>
             <a:r>
-              <a:rPr lang="he-IL" sz="2400"/>
+              <a:rPr lang="he-IL" sz="2400" dirty="0">
+                <a:latin typeface="Lucida Sans Unicode" panose="020B0602030504020204" pitchFamily="34" charset="0"/>
+                <a:cs typeface="Lucida Sans Unicode" panose="020B0602030504020204" pitchFamily="34" charset="0"/>
+              </a:rPr>
               <a:t>המיפוי נשמר </a:t>
             </a:r>
             <a:r>
-              <a:rPr lang="he-IL" sz="2400" b="1">
+              <a:rPr lang="he-IL" sz="2400" b="1" dirty="0">
                 <a:solidFill>
                   <a:srgbClr val="0000FF"/>
                 </a:solidFill>
+                <a:latin typeface="Lucida Sans Unicode" panose="020B0602030504020204" pitchFamily="34" charset="0"/>
+                <a:cs typeface="Lucida Sans Unicode" panose="020B0602030504020204" pitchFamily="34" charset="0"/>
               </a:rPr>
               <a:t>בטבלת</a:t>
             </a:r>
             <a:r>
-              <a:rPr lang="he-IL" sz="2400"/>
+              <a:rPr lang="he-IL" sz="2400" dirty="0">
+                <a:latin typeface="Lucida Sans Unicode" panose="020B0602030504020204" pitchFamily="34" charset="0"/>
+                <a:cs typeface="Lucida Sans Unicode" panose="020B0602030504020204" pitchFamily="34" charset="0"/>
+              </a:rPr>
               <a:t> </a:t>
             </a:r>
             <a:r>
-              <a:rPr lang="he-IL" sz="2400" b="1">
+              <a:rPr lang="he-IL" sz="2400" b="1" dirty="0">
                 <a:solidFill>
                   <a:srgbClr val="0000FF"/>
                 </a:solidFill>
+                <a:latin typeface="Lucida Sans Unicode" panose="020B0602030504020204" pitchFamily="34" charset="0"/>
+                <a:cs typeface="Lucida Sans Unicode" panose="020B0602030504020204" pitchFamily="34" charset="0"/>
               </a:rPr>
               <a:t>הדפים</a:t>
             </a:r>
@@ -19079,8 +19418,8 @@
         </p:nvSpPr>
         <p:spPr>
           <a:xfrm>
-            <a:off x="5113286" y="4125267"/>
-            <a:ext cx="1634356" cy="830997"/>
+            <a:off x="4787662" y="4125267"/>
+            <a:ext cx="1959980" cy="830997"/>
           </a:xfrm>
           <a:prstGeom prst="rect">
             <a:avLst/>
@@ -19094,14 +19433,23 @@
           <a:p>
             <a:pPr algn="ctr" rtl="1"/>
             <a:r>
-              <a:rPr lang="he-IL" sz="2400" dirty="0"/>
+              <a:rPr lang="he-IL" sz="2400" dirty="0">
+                <a:latin typeface="Lucida Sans Unicode" panose="020B0602030504020204" pitchFamily="34" charset="0"/>
+                <a:cs typeface="Lucida Sans Unicode" panose="020B0602030504020204" pitchFamily="34" charset="0"/>
+              </a:rPr>
               <a:t>ההיסט זהה</a:t>
             </a:r>
             <a:br>
-              <a:rPr lang="en-US" sz="2400" dirty="0"/>
+              <a:rPr lang="en-US" sz="2400" dirty="0">
+                <a:latin typeface="Lucida Sans Unicode" panose="020B0602030504020204" pitchFamily="34" charset="0"/>
+                <a:cs typeface="Lucida Sans Unicode" panose="020B0602030504020204" pitchFamily="34" charset="0"/>
+              </a:rPr>
             </a:br>
             <a:r>
-              <a:rPr lang="he-IL" sz="2400" dirty="0"/>
+              <a:rPr lang="he-IL" sz="2400" dirty="0">
+                <a:latin typeface="Lucida Sans Unicode" panose="020B0602030504020204" pitchFamily="34" charset="0"/>
+                <a:cs typeface="Lucida Sans Unicode" panose="020B0602030504020204" pitchFamily="34" charset="0"/>
+              </a:rPr>
               <a:t>(אין מיפוי)</a:t>
             </a:r>
           </a:p>
@@ -19580,7 +19928,7 @@
         <p:spPr/>
         <p:txBody>
           <a:bodyPr>
-            <a:normAutofit/>
+            <a:normAutofit fontScale="92500"/>
           </a:bodyPr>
           <a:lstStyle/>
           <a:p>
@@ -21863,8 +22211,8 @@
           </a:p>
         </p:txBody>
       </p:sp>
-      <mc:AlternateContent xmlns:mc="http://schemas.openxmlformats.org/markup-compatibility/2006" xmlns:a14="http://schemas.microsoft.com/office/drawing/2010/main">
-        <mc:Choice Requires="a14">
+      <mc:AlternateContent xmlns:mc="http://schemas.openxmlformats.org/markup-compatibility/2006">
+        <mc:Choice xmlns:a14="http://schemas.microsoft.com/office/drawing/2010/main" Requires="a14">
           <p:sp>
             <p:nvSpPr>
               <p:cNvPr id="18438" name="Rectangle 3">
@@ -21881,7 +22229,12 @@
                 <p:ph idx="1"/>
               </p:nvPr>
             </p:nvSpPr>
-            <p:spPr/>
+            <p:spPr>
+              <a:xfrm>
+                <a:off x="765547" y="1600200"/>
+                <a:ext cx="8229600" cy="4876800"/>
+              </a:xfrm>
+            </p:spPr>
             <p:txBody>
               <a:bodyPr>
                 <a:normAutofit/>
@@ -21988,7 +22341,7 @@
             </p:txBody>
           </p:sp>
         </mc:Choice>
-        <mc:Fallback xmlns="">
+        <mc:Fallback>
           <p:sp>
             <p:nvSpPr>
               <p:cNvPr id="18438" name="Rectangle 3">
@@ -22006,10 +22359,14 @@
               </p:nvPr>
             </p:nvSpPr>
             <p:spPr>
+              <a:xfrm>
+                <a:off x="765547" y="1600200"/>
+                <a:ext cx="8229600" cy="4876800"/>
+              </a:xfrm>
               <a:blipFill>
                 <a:blip r:embed="rId3"/>
                 <a:stretch>
-                  <a:fillRect t="-875" r="-741"/>
+                  <a:fillRect t="-1000" r="-741"/>
                 </a:stretch>
               </a:blipFill>
             </p:spPr>
@@ -22018,7 +22375,7 @@
               <a:lstStyle/>
               <a:p>
                 <a:r>
-                  <a:rPr lang="en-US">
+                  <a:rPr lang="en-IL">
                     <a:noFill/>
                   </a:rPr>
                   <a:t> </a:t>
@@ -22452,7 +22809,7 @@
         <p:spPr>
           <a:xfrm>
             <a:off x="3642360" y="5529757"/>
-            <a:ext cx="4241495" cy="830997"/>
+            <a:ext cx="4502180" cy="830997"/>
           </a:xfrm>
           <a:prstGeom prst="rect">
             <a:avLst/>
@@ -22470,19 +22827,31 @@
               <a:buChar char="ç"/>
             </a:pPr>
             <a:r>
-              <a:rPr lang="he-IL" altLang="en-US" sz="2400" dirty="0"/>
+              <a:rPr lang="he-IL" altLang="en-US" sz="2400" dirty="0">
+                <a:latin typeface="Lucida Sans Unicode" panose="020B0602030504020204" pitchFamily="34" charset="0"/>
+                <a:cs typeface="Lucida Sans Unicode" panose="020B0602030504020204" pitchFamily="34" charset="0"/>
+              </a:rPr>
               <a:t>גודל טבלת הדפים הוא </a:t>
             </a:r>
             <a:r>
-              <a:rPr lang="en-US" altLang="en-US" sz="2400" dirty="0"/>
+              <a:rPr lang="en-US" altLang="en-US" sz="2400" dirty="0">
+                <a:latin typeface="Lucida Sans Unicode" panose="020B0602030504020204" pitchFamily="34" charset="0"/>
+                <a:cs typeface="Lucida Sans Unicode" panose="020B0602030504020204" pitchFamily="34" charset="0"/>
+              </a:rPr>
               <a:t>4MB</a:t>
             </a:r>
-            <a:endParaRPr lang="he-IL" altLang="en-US" sz="2400" b="1" dirty="0"/>
+            <a:endParaRPr lang="he-IL" altLang="en-US" sz="2400" b="1" dirty="0">
+              <a:latin typeface="Lucida Sans Unicode" panose="020B0602030504020204" pitchFamily="34" charset="0"/>
+              <a:cs typeface="Lucida Sans Unicode" panose="020B0602030504020204" pitchFamily="34" charset="0"/>
+            </a:endParaRPr>
           </a:p>
           <a:p>
             <a:pPr algn="r" rtl="1"/>
             <a:r>
-              <a:rPr lang="he-IL" altLang="en-US" sz="2400" dirty="0"/>
+              <a:rPr lang="he-IL" altLang="en-US" sz="2400" dirty="0">
+                <a:latin typeface="Lucida Sans Unicode" panose="020B0602030504020204" pitchFamily="34" charset="0"/>
+                <a:cs typeface="Lucida Sans Unicode" panose="020B0602030504020204" pitchFamily="34" charset="0"/>
+              </a:rPr>
               <a:t>(ולכל תהליך טבלת דפים משלו!)</a:t>
             </a:r>
           </a:p>
@@ -22607,8 +22976,8 @@
           </a:p>
         </p:txBody>
       </p:sp>
-      <mc:AlternateContent xmlns:mc="http://schemas.openxmlformats.org/markup-compatibility/2006" xmlns:a14="http://schemas.microsoft.com/office/drawing/2010/main">
-        <mc:Choice Requires="a14">
+      <mc:AlternateContent xmlns:mc="http://schemas.openxmlformats.org/markup-compatibility/2006">
+        <mc:Choice xmlns:a14="http://schemas.microsoft.com/office/drawing/2010/main" Requires="a14">
           <p:sp>
             <p:nvSpPr>
               <p:cNvPr id="18438" name="Rectangle 3">
@@ -22633,21 +23002,21 @@
               <a:lstStyle/>
               <a:p>
                 <a:r>
-                  <a:rPr lang="he-IL" altLang="en-US" dirty="0"/>
+                  <a:rPr lang="he-IL" altLang="en-US" sz="2300" dirty="0"/>
                   <a:t>עבור 100 תהליכים, התקורה על הזיכרון הפיזי היא </a:t>
                 </a:r>
                 <a:r>
-                  <a:rPr lang="en-US" altLang="en-US" dirty="0"/>
+                  <a:rPr lang="en-US" altLang="en-US" sz="2300" dirty="0"/>
                   <a:t>400 MB</a:t>
                 </a:r>
                 <a:r>
-                  <a:rPr lang="he-IL" altLang="en-US" dirty="0"/>
+                  <a:rPr lang="he-IL" altLang="en-US" sz="2300" dirty="0"/>
                   <a:t>.</a:t>
                 </a:r>
               </a:p>
               <a:p>
                 <a:r>
-                  <a:rPr lang="he-IL" altLang="en-US" dirty="0"/>
+                  <a:rPr lang="he-IL" altLang="en-US" sz="2300" dirty="0"/>
                   <a:t>בפועל, תהליכים קטנים (ויש הרבה כאלו) ניגשים רק לחלק קטן של מרחב הזיכרון הווירטואלי, ולכן זה בזבזני להחזיק את הטבלה כולה.</a:t>
                 </a:r>
               </a:p>
@@ -22926,7 +23295,7 @@
             </p:txBody>
           </p:sp>
         </mc:Choice>
-        <mc:Fallback xmlns="">
+        <mc:Fallback>
           <p:sp>
             <p:nvSpPr>
               <p:cNvPr id="18438" name="Rectangle 3">
@@ -22945,9 +23314,9 @@
             </p:nvSpPr>
             <p:spPr>
               <a:blipFill>
-                <a:blip r:embed="rId3"/>
+                <a:blip r:embed="rId2"/>
                 <a:stretch>
-                  <a:fillRect t="-875" r="-741"/>
+                  <a:fillRect t="-1125" r="-741" b="-2125"/>
                 </a:stretch>
               </a:blipFill>
             </p:spPr>
@@ -22956,7 +23325,7 @@
               <a:lstStyle/>
               <a:p>
                 <a:r>
-                  <a:rPr lang="he-IL">
+                  <a:rPr lang="en-IL">
                     <a:noFill/>
                   </a:rPr>
                   <a:t> </a:t>
@@ -23058,6 +23427,154 @@
       </p:grpSpPr>
       <p:sp>
         <p:nvSpPr>
+          <p:cNvPr id="2" name="Title 1">
+            <a:extLst>
+              <a:ext uri="{FF2B5EF4-FFF2-40B4-BE49-F238E27FC236}">
+                <a16:creationId xmlns:a16="http://schemas.microsoft.com/office/drawing/2014/main" id="{9EA93FF2-0893-4567-A314-779A25B3D615}"/>
+              </a:ext>
+            </a:extLst>
+          </p:cNvPr>
+          <p:cNvSpPr>
+            <a:spLocks noGrp="1"/>
+          </p:cNvSpPr>
+          <p:nvPr>
+            <p:ph type="title"/>
+          </p:nvPr>
+        </p:nvSpPr>
+        <p:spPr/>
+        <p:txBody>
+          <a:bodyPr/>
+          <a:lstStyle/>
+          <a:p>
+            <a:r>
+              <a:rPr lang="he-IL"/>
+              <a:t>הפסקה</a:t>
+            </a:r>
+            <a:endParaRPr lang="en-US"/>
+          </a:p>
+        </p:txBody>
+      </p:sp>
+      <p:pic>
+        <p:nvPicPr>
+          <p:cNvPr id="8" name="Content Placeholder 7"/>
+          <p:cNvPicPr>
+            <a:picLocks noGrp="1" noChangeAspect="1"/>
+          </p:cNvPicPr>
+          <p:nvPr>
+            <p:ph idx="1"/>
+          </p:nvPr>
+        </p:nvPicPr>
+        <p:blipFill>
+          <a:blip r:embed="rId3">
+            <a:extLst>
+              <a:ext uri="{28A0092B-C50C-407E-A947-70E740481C1C}">
+                <a14:useLocalDpi xmlns:a14="http://schemas.microsoft.com/office/drawing/2010/main" val="0"/>
+              </a:ext>
+            </a:extLst>
+          </a:blip>
+          <a:stretch>
+            <a:fillRect/>
+          </a:stretch>
+        </p:blipFill>
+        <p:spPr>
+          <a:xfrm>
+            <a:off x="1366471" y="1524000"/>
+            <a:ext cx="6411058" cy="5334000"/>
+          </a:xfrm>
+        </p:spPr>
+      </p:pic>
+      <p:sp>
+        <p:nvSpPr>
+          <p:cNvPr id="3" name="Slide Number Placeholder 2">
+            <a:extLst>
+              <a:ext uri="{FF2B5EF4-FFF2-40B4-BE49-F238E27FC236}">
+                <a16:creationId xmlns:a16="http://schemas.microsoft.com/office/drawing/2014/main" id="{3A778988-4175-4D8E-8110-B7D15F436F18}"/>
+              </a:ext>
+            </a:extLst>
+          </p:cNvPr>
+          <p:cNvSpPr>
+            <a:spLocks noGrp="1"/>
+          </p:cNvSpPr>
+          <p:nvPr>
+            <p:ph type="sldNum" sz="quarter" idx="12"/>
+          </p:nvPr>
+        </p:nvSpPr>
+        <p:spPr/>
+        <p:txBody>
+          <a:bodyPr/>
+          <a:lstStyle/>
+          <a:p>
+            <a:fld id="{0CFEC368-1D7A-4F81-ABF6-AE0E36BAF64C}" type="slidenum">
+              <a:rPr lang="en-US" smtClean="0"/>
+              <a:pPr/>
+              <a:t>23</a:t>
+            </a:fld>
+            <a:endParaRPr lang="en-US"/>
+          </a:p>
+        </p:txBody>
+      </p:sp>
+      <p:sp>
+        <p:nvSpPr>
+          <p:cNvPr id="5" name="Footer Placeholder 4">
+            <a:extLst>
+              <a:ext uri="{FF2B5EF4-FFF2-40B4-BE49-F238E27FC236}">
+                <a16:creationId xmlns:a16="http://schemas.microsoft.com/office/drawing/2014/main" id="{D657659F-6D61-4D96-98BC-B212CA62E133}"/>
+              </a:ext>
+            </a:extLst>
+          </p:cNvPr>
+          <p:cNvSpPr>
+            <a:spLocks noGrp="1"/>
+          </p:cNvSpPr>
+          <p:nvPr>
+            <p:ph type="ftr" sz="quarter" idx="11"/>
+          </p:nvPr>
+        </p:nvSpPr>
+        <p:spPr/>
+        <p:txBody>
+          <a:bodyPr/>
+          <a:lstStyle/>
+          <a:p>
+            <a:pPr algn="r"/>
+            <a:r>
+              <a:rPr lang="he-IL"/>
+              <a:t>מערכות הפעלה - תרגול 10</a:t>
+            </a:r>
+            <a:endParaRPr lang="en-US"/>
+          </a:p>
+        </p:txBody>
+      </p:sp>
+    </p:spTree>
+    <p:extLst>
+      <p:ext uri="{BB962C8B-B14F-4D97-AF65-F5344CB8AC3E}">
+        <p14:creationId xmlns:p14="http://schemas.microsoft.com/office/powerpoint/2010/main" val="2274781189"/>
+      </p:ext>
+    </p:extLst>
+  </p:cSld>
+  <p:clrMapOvr>
+    <a:masterClrMapping/>
+  </p:clrMapOvr>
+</p:sld>
+</file>
+
+<file path=ppt/slides/slide24.xml><?xml version="1.0" encoding="utf-8"?>
+<p:sld xmlns:a="http://schemas.openxmlformats.org/drawingml/2006/main" xmlns:r="http://schemas.openxmlformats.org/officeDocument/2006/relationships" xmlns:p="http://schemas.openxmlformats.org/presentationml/2006/main">
+  <p:cSld>
+    <p:spTree>
+      <p:nvGrpSpPr>
+        <p:cNvPr id="1" name=""/>
+        <p:cNvGrpSpPr/>
+        <p:nvPr/>
+      </p:nvGrpSpPr>
+      <p:grpSpPr>
+        <a:xfrm>
+          <a:off x="0" y="0"/>
+          <a:ext cx="0" cy="0"/>
+          <a:chOff x="0" y="0"/>
+          <a:chExt cx="0" cy="0"/>
+        </a:xfrm>
+      </p:grpSpPr>
+      <p:sp>
+        <p:nvSpPr>
           <p:cNvPr id="6" name="Title 5">
             <a:extLst>
               <a:ext uri="{FF2B5EF4-FFF2-40B4-BE49-F238E27FC236}">
@@ -23218,7 +23735,7 @@
             <a:fld id="{0CFEC368-1D7A-4F81-ABF6-AE0E36BAF64C}" type="slidenum">
               <a:rPr lang="en-US" smtClean="0"/>
               <a:pPr/>
-              <a:t>23</a:t>
+              <a:t>24</a:t>
             </a:fld>
             <a:endParaRPr lang="en-US"/>
           </a:p>
@@ -24922,7 +25439,7 @@
 </p:sld>
 </file>
 
-<file path=ppt/slides/slide24.xml><?xml version="1.0" encoding="utf-8"?>
+<file path=ppt/slides/slide25.xml><?xml version="1.0" encoding="utf-8"?>
 <p:sld xmlns:a="http://schemas.openxmlformats.org/drawingml/2006/main" xmlns:r="http://schemas.openxmlformats.org/officeDocument/2006/relationships" xmlns:p="http://schemas.openxmlformats.org/presentationml/2006/main">
   <p:cSld>
     <p:spTree>
@@ -24982,8 +25499,8 @@
           </a:p>
         </p:txBody>
       </p:sp>
-      <mc:AlternateContent xmlns:mc="http://schemas.openxmlformats.org/markup-compatibility/2006" xmlns:a14="http://schemas.microsoft.com/office/drawing/2010/main">
-        <mc:Choice Requires="a14">
+      <mc:AlternateContent xmlns:mc="http://schemas.openxmlformats.org/markup-compatibility/2006">
+        <mc:Choice xmlns:a14="http://schemas.microsoft.com/office/drawing/2010/main" Requires="a14">
           <p:sp>
             <p:nvSpPr>
               <p:cNvPr id="8" name="Content Placeholder 7">
@@ -25003,7 +25520,7 @@
             <p:spPr/>
             <p:txBody>
               <a:bodyPr>
-                <a:normAutofit lnSpcReduction="10000"/>
+                <a:normAutofit fontScale="92500"/>
               </a:bodyPr>
               <a:lstStyle/>
               <a:p>
@@ -25257,7 +25774,7 @@
             </p:txBody>
           </p:sp>
         </mc:Choice>
-        <mc:Fallback xmlns="">
+        <mc:Fallback>
           <p:sp>
             <p:nvSpPr>
               <p:cNvPr id="8" name="Content Placeholder 7">
@@ -25278,7 +25795,7 @@
               <a:blipFill>
                 <a:blip r:embed="rId2"/>
                 <a:stretch>
-                  <a:fillRect r="-1360"/>
+                  <a:fillRect r="-1057"/>
                 </a:stretch>
               </a:blipFill>
             </p:spPr>
@@ -25287,7 +25804,7 @@
               <a:lstStyle/>
               <a:p>
                 <a:r>
-                  <a:rPr lang="en-US">
+                  <a:rPr lang="en-IL">
                     <a:noFill/>
                   </a:rPr>
                   <a:t> </a:t>
@@ -25351,7 +25868,7 @@
             <a:fld id="{0CFEC368-1D7A-4F81-ABF6-AE0E36BAF64C}" type="slidenum">
               <a:rPr lang="en-US" smtClean="0"/>
               <a:pPr/>
-              <a:t>24</a:t>
+              <a:t>25</a:t>
             </a:fld>
             <a:endParaRPr lang="en-US"/>
           </a:p>
@@ -27243,7 +27760,7 @@
 </p:sld>
 </file>
 
-<file path=ppt/slides/slide25.xml><?xml version="1.0" encoding="utf-8"?>
+<file path=ppt/slides/slide26.xml><?xml version="1.0" encoding="utf-8"?>
 <p:sld xmlns:a="http://schemas.openxmlformats.org/drawingml/2006/main" xmlns:r="http://schemas.openxmlformats.org/officeDocument/2006/relationships" xmlns:p="http://schemas.openxmlformats.org/presentationml/2006/main">
   <p:cSld>
     <p:spTree>
@@ -27322,7 +27839,7 @@
         <p:spPr/>
         <p:txBody>
           <a:bodyPr>
-            <a:normAutofit/>
+            <a:normAutofit lnSpcReduction="10000"/>
           </a:bodyPr>
           <a:lstStyle/>
           <a:p>
@@ -27427,7 +27944,7 @@
             <a:fld id="{0CFEC368-1D7A-4F81-ABF6-AE0E36BAF64C}" type="slidenum">
               <a:rPr lang="en-US" smtClean="0"/>
               <a:pPr/>
-              <a:t>25</a:t>
+              <a:t>26</a:t>
             </a:fld>
             <a:endParaRPr lang="en-US"/>
           </a:p>
@@ -29463,7 +29980,7 @@
 </p:sld>
 </file>
 
-<file path=ppt/slides/slide26.xml><?xml version="1.0" encoding="utf-8"?>
+<file path=ppt/slides/slide27.xml><?xml version="1.0" encoding="utf-8"?>
 <p:sld xmlns:a="http://schemas.openxmlformats.org/drawingml/2006/main" xmlns:r="http://schemas.openxmlformats.org/officeDocument/2006/relationships" xmlns:p="http://schemas.openxmlformats.org/presentationml/2006/main">
   <p:cSld>
     <p:spTree>
@@ -30222,7 +30739,7 @@
             <a:fld id="{0CFEC368-1D7A-4F81-ABF6-AE0E36BAF64C}" type="slidenum">
               <a:rPr lang="en-US" smtClean="0"/>
               <a:pPr/>
-              <a:t>26</a:t>
+              <a:t>27</a:t>
             </a:fld>
             <a:endParaRPr lang="en-US"/>
           </a:p>
@@ -30271,7 +30788,7 @@
 </p:sld>
 </file>
 
-<file path=ppt/slides/slide27.xml><?xml version="1.0" encoding="utf-8"?>
+<file path=ppt/slides/slide28.xml><?xml version="1.0" encoding="utf-8"?>
 <p:sld xmlns:a="http://schemas.openxmlformats.org/drawingml/2006/main" xmlns:r="http://schemas.openxmlformats.org/officeDocument/2006/relationships" xmlns:p="http://schemas.openxmlformats.org/presentationml/2006/main">
   <p:cSld>
     <p:spTree>
@@ -30336,7 +30853,7 @@
         <p:spPr/>
         <p:txBody>
           <a:bodyPr>
-            <a:normAutofit/>
+            <a:normAutofit fontScale="92500"/>
           </a:bodyPr>
           <a:lstStyle/>
           <a:p>
@@ -30513,7 +31030,7 @@
             <a:fld id="{0CFEC368-1D7A-4F81-ABF6-AE0E36BAF64C}" type="slidenum">
               <a:rPr lang="en-US" smtClean="0"/>
               <a:pPr/>
-              <a:t>27</a:t>
+              <a:t>28</a:t>
             </a:fld>
             <a:endParaRPr lang="en-US"/>
           </a:p>
@@ -30532,7 +31049,7 @@
 </p:sld>
 </file>
 
-<file path=ppt/slides/slide28.xml><?xml version="1.0" encoding="utf-8"?>
+<file path=ppt/slides/slide29.xml><?xml version="1.0" encoding="utf-8"?>
 <p:sld xmlns:a="http://schemas.openxmlformats.org/drawingml/2006/main" xmlns:r="http://schemas.openxmlformats.org/officeDocument/2006/relationships" xmlns:p="http://schemas.openxmlformats.org/presentationml/2006/main">
   <p:cSld>
     <p:spTree>
@@ -31952,7 +32469,7 @@
             <a:fld id="{0CFEC368-1D7A-4F81-ABF6-AE0E36BAF64C}" type="slidenum">
               <a:rPr lang="en-US" smtClean="0"/>
               <a:pPr/>
-              <a:t>28</a:t>
+              <a:t>29</a:t>
             </a:fld>
             <a:endParaRPr lang="en-US"/>
           </a:p>
@@ -32001,7 +32518,7 @@
 </p:sld>
 </file>
 
-<file path=ppt/slides/slide29.xml><?xml version="1.0" encoding="utf-8"?>
+<file path=ppt/slides/slide3.xml><?xml version="1.0" encoding="utf-8"?>
 <p:sld xmlns:a="http://schemas.openxmlformats.org/drawingml/2006/main" xmlns:r="http://schemas.openxmlformats.org/officeDocument/2006/relationships" xmlns:p="http://schemas.openxmlformats.org/presentationml/2006/main">
   <p:cSld>
     <p:spTree>
@@ -32023,6 +32540,154 @@
           <p:cNvPr id="2" name="Title 1">
             <a:extLst>
               <a:ext uri="{FF2B5EF4-FFF2-40B4-BE49-F238E27FC236}">
+                <a16:creationId xmlns:a16="http://schemas.microsoft.com/office/drawing/2014/main" id="{7A4D6A61-AB82-4284-AB9A-FA2609691D7F}"/>
+              </a:ext>
+            </a:extLst>
+          </p:cNvPr>
+          <p:cNvSpPr>
+            <a:spLocks noGrp="1"/>
+          </p:cNvSpPr>
+          <p:nvPr>
+            <p:ph type="title"/>
+          </p:nvPr>
+        </p:nvSpPr>
+        <p:spPr/>
+        <p:txBody>
+          <a:bodyPr/>
+          <a:lstStyle/>
+          <a:p>
+            <a:r>
+              <a:rPr lang="he-IL"/>
+              <a:t>למה צריך זיכרון וירטואלי?</a:t>
+            </a:r>
+            <a:endParaRPr lang="en-US"/>
+          </a:p>
+        </p:txBody>
+      </p:sp>
+      <p:sp>
+        <p:nvSpPr>
+          <p:cNvPr id="3" name="Text Placeholder 2">
+            <a:extLst>
+              <a:ext uri="{FF2B5EF4-FFF2-40B4-BE49-F238E27FC236}">
+                <a16:creationId xmlns:a16="http://schemas.microsoft.com/office/drawing/2014/main" id="{9B298FC2-C6E4-4950-AD7D-27A378E3E640}"/>
+              </a:ext>
+            </a:extLst>
+          </p:cNvPr>
+          <p:cNvSpPr>
+            <a:spLocks noGrp="1"/>
+          </p:cNvSpPr>
+          <p:nvPr>
+            <p:ph type="body" idx="1"/>
+          </p:nvPr>
+        </p:nvSpPr>
+        <p:spPr/>
+        <p:txBody>
+          <a:bodyPr/>
+          <a:lstStyle/>
+          <a:p>
+            <a:r>
+              <a:rPr lang="he-IL"/>
+              <a:t>או: מדוע לא ניגשים ישירות לזיכרון הפיזי?</a:t>
+            </a:r>
+            <a:endParaRPr lang="en-US"/>
+          </a:p>
+        </p:txBody>
+      </p:sp>
+      <p:sp>
+        <p:nvSpPr>
+          <p:cNvPr id="6" name="Slide Number Placeholder 5">
+            <a:extLst>
+              <a:ext uri="{FF2B5EF4-FFF2-40B4-BE49-F238E27FC236}">
+                <a16:creationId xmlns:a16="http://schemas.microsoft.com/office/drawing/2014/main" id="{8C82EDEA-D1D4-4EDF-AD9E-698BF934D5C3}"/>
+              </a:ext>
+            </a:extLst>
+          </p:cNvPr>
+          <p:cNvSpPr>
+            <a:spLocks noGrp="1"/>
+          </p:cNvSpPr>
+          <p:nvPr>
+            <p:ph type="sldNum" sz="quarter" idx="12"/>
+          </p:nvPr>
+        </p:nvSpPr>
+        <p:spPr/>
+        <p:txBody>
+          <a:bodyPr/>
+          <a:lstStyle/>
+          <a:p>
+            <a:fld id="{0CFEC368-1D7A-4F81-ABF6-AE0E36BAF64C}" type="slidenum">
+              <a:rPr lang="en-US" smtClean="0"/>
+              <a:pPr/>
+              <a:t>3</a:t>
+            </a:fld>
+            <a:endParaRPr lang="en-US"/>
+          </a:p>
+        </p:txBody>
+      </p:sp>
+      <p:sp>
+        <p:nvSpPr>
+          <p:cNvPr id="5" name="Footer Placeholder 4">
+            <a:extLst>
+              <a:ext uri="{FF2B5EF4-FFF2-40B4-BE49-F238E27FC236}">
+                <a16:creationId xmlns:a16="http://schemas.microsoft.com/office/drawing/2014/main" id="{F396F59B-0363-491F-A643-3F745B04D452}"/>
+              </a:ext>
+            </a:extLst>
+          </p:cNvPr>
+          <p:cNvSpPr>
+            <a:spLocks noGrp="1"/>
+          </p:cNvSpPr>
+          <p:nvPr>
+            <p:ph type="ftr" sz="quarter" idx="11"/>
+          </p:nvPr>
+        </p:nvSpPr>
+        <p:spPr/>
+        <p:txBody>
+          <a:bodyPr/>
+          <a:lstStyle/>
+          <a:p>
+            <a:pPr algn="r"/>
+            <a:r>
+              <a:rPr lang="he-IL"/>
+              <a:t>מערכות הפעלה - תרגול 10</a:t>
+            </a:r>
+            <a:endParaRPr lang="en-US"/>
+          </a:p>
+        </p:txBody>
+      </p:sp>
+    </p:spTree>
+    <p:extLst>
+      <p:ext uri="{BB962C8B-B14F-4D97-AF65-F5344CB8AC3E}">
+        <p14:creationId xmlns:p14="http://schemas.microsoft.com/office/powerpoint/2010/main" val="182480018"/>
+      </p:ext>
+    </p:extLst>
+  </p:cSld>
+  <p:clrMapOvr>
+    <a:masterClrMapping/>
+  </p:clrMapOvr>
+</p:sld>
+</file>
+
+<file path=ppt/slides/slide30.xml><?xml version="1.0" encoding="utf-8"?>
+<p:sld xmlns:a="http://schemas.openxmlformats.org/drawingml/2006/main" xmlns:r="http://schemas.openxmlformats.org/officeDocument/2006/relationships" xmlns:p="http://schemas.openxmlformats.org/presentationml/2006/main">
+  <p:cSld>
+    <p:spTree>
+      <p:nvGrpSpPr>
+        <p:cNvPr id="1" name=""/>
+        <p:cNvGrpSpPr/>
+        <p:nvPr/>
+      </p:nvGrpSpPr>
+      <p:grpSpPr>
+        <a:xfrm>
+          <a:off x="0" y="0"/>
+          <a:ext cx="0" cy="0"/>
+          <a:chOff x="0" y="0"/>
+          <a:chExt cx="0" cy="0"/>
+        </a:xfrm>
+      </p:grpSpPr>
+      <p:sp>
+        <p:nvSpPr>
+          <p:cNvPr id="2" name="Title 1">
+            <a:extLst>
+              <a:ext uri="{FF2B5EF4-FFF2-40B4-BE49-F238E27FC236}">
                 <a16:creationId xmlns:a16="http://schemas.microsoft.com/office/drawing/2014/main" id="{B063D91A-1F2F-4F54-9E08-EDDEBCF7722A}"/>
               </a:ext>
             </a:extLst>
@@ -32145,7 +32810,7 @@
             <a:fld id="{0CFEC368-1D7A-4F81-ABF6-AE0E36BAF64C}" type="slidenum">
               <a:rPr lang="en-US" smtClean="0"/>
               <a:pPr/>
-              <a:t>29</a:t>
+              <a:t>30</a:t>
             </a:fld>
             <a:endParaRPr lang="en-US"/>
           </a:p>
@@ -33156,7 +33821,7 @@
 </p:sld>
 </file>
 
-<file path=ppt/slides/slide3.xml><?xml version="1.0" encoding="utf-8"?>
+<file path=ppt/slides/slide31.xml><?xml version="1.0" encoding="utf-8"?>
 <p:sld xmlns:a="http://schemas.openxmlformats.org/drawingml/2006/main" xmlns:r="http://schemas.openxmlformats.org/officeDocument/2006/relationships" xmlns:p="http://schemas.openxmlformats.org/presentationml/2006/main">
   <p:cSld>
     <p:spTree>
@@ -33175,154 +33840,6 @@
       </p:grpSpPr>
       <p:sp>
         <p:nvSpPr>
-          <p:cNvPr id="2" name="Title 1">
-            <a:extLst>
-              <a:ext uri="{FF2B5EF4-FFF2-40B4-BE49-F238E27FC236}">
-                <a16:creationId xmlns:a16="http://schemas.microsoft.com/office/drawing/2014/main" id="{7A4D6A61-AB82-4284-AB9A-FA2609691D7F}"/>
-              </a:ext>
-            </a:extLst>
-          </p:cNvPr>
-          <p:cNvSpPr>
-            <a:spLocks noGrp="1"/>
-          </p:cNvSpPr>
-          <p:nvPr>
-            <p:ph type="title"/>
-          </p:nvPr>
-        </p:nvSpPr>
-        <p:spPr/>
-        <p:txBody>
-          <a:bodyPr/>
-          <a:lstStyle/>
-          <a:p>
-            <a:r>
-              <a:rPr lang="he-IL"/>
-              <a:t>למה צריך זיכרון וירטואלי?</a:t>
-            </a:r>
-            <a:endParaRPr lang="en-US"/>
-          </a:p>
-        </p:txBody>
-      </p:sp>
-      <p:sp>
-        <p:nvSpPr>
-          <p:cNvPr id="3" name="Text Placeholder 2">
-            <a:extLst>
-              <a:ext uri="{FF2B5EF4-FFF2-40B4-BE49-F238E27FC236}">
-                <a16:creationId xmlns:a16="http://schemas.microsoft.com/office/drawing/2014/main" id="{9B298FC2-C6E4-4950-AD7D-27A378E3E640}"/>
-              </a:ext>
-            </a:extLst>
-          </p:cNvPr>
-          <p:cNvSpPr>
-            <a:spLocks noGrp="1"/>
-          </p:cNvSpPr>
-          <p:nvPr>
-            <p:ph type="body" idx="1"/>
-          </p:nvPr>
-        </p:nvSpPr>
-        <p:spPr/>
-        <p:txBody>
-          <a:bodyPr/>
-          <a:lstStyle/>
-          <a:p>
-            <a:r>
-              <a:rPr lang="he-IL"/>
-              <a:t>או: מדוע לא ניגשים ישירות לזיכרון הפיזי?</a:t>
-            </a:r>
-            <a:endParaRPr lang="en-US"/>
-          </a:p>
-        </p:txBody>
-      </p:sp>
-      <p:sp>
-        <p:nvSpPr>
-          <p:cNvPr id="6" name="Slide Number Placeholder 5">
-            <a:extLst>
-              <a:ext uri="{FF2B5EF4-FFF2-40B4-BE49-F238E27FC236}">
-                <a16:creationId xmlns:a16="http://schemas.microsoft.com/office/drawing/2014/main" id="{8C82EDEA-D1D4-4EDF-AD9E-698BF934D5C3}"/>
-              </a:ext>
-            </a:extLst>
-          </p:cNvPr>
-          <p:cNvSpPr>
-            <a:spLocks noGrp="1"/>
-          </p:cNvSpPr>
-          <p:nvPr>
-            <p:ph type="sldNum" sz="quarter" idx="12"/>
-          </p:nvPr>
-        </p:nvSpPr>
-        <p:spPr/>
-        <p:txBody>
-          <a:bodyPr/>
-          <a:lstStyle/>
-          <a:p>
-            <a:fld id="{0CFEC368-1D7A-4F81-ABF6-AE0E36BAF64C}" type="slidenum">
-              <a:rPr lang="en-US" smtClean="0"/>
-              <a:pPr/>
-              <a:t>3</a:t>
-            </a:fld>
-            <a:endParaRPr lang="en-US"/>
-          </a:p>
-        </p:txBody>
-      </p:sp>
-      <p:sp>
-        <p:nvSpPr>
-          <p:cNvPr id="5" name="Footer Placeholder 4">
-            <a:extLst>
-              <a:ext uri="{FF2B5EF4-FFF2-40B4-BE49-F238E27FC236}">
-                <a16:creationId xmlns:a16="http://schemas.microsoft.com/office/drawing/2014/main" id="{F396F59B-0363-491F-A643-3F745B04D452}"/>
-              </a:ext>
-            </a:extLst>
-          </p:cNvPr>
-          <p:cNvSpPr>
-            <a:spLocks noGrp="1"/>
-          </p:cNvSpPr>
-          <p:nvPr>
-            <p:ph type="ftr" sz="quarter" idx="11"/>
-          </p:nvPr>
-        </p:nvSpPr>
-        <p:spPr/>
-        <p:txBody>
-          <a:bodyPr/>
-          <a:lstStyle/>
-          <a:p>
-            <a:pPr algn="r"/>
-            <a:r>
-              <a:rPr lang="he-IL"/>
-              <a:t>מערכות הפעלה - תרגול 10</a:t>
-            </a:r>
-            <a:endParaRPr lang="en-US"/>
-          </a:p>
-        </p:txBody>
-      </p:sp>
-    </p:spTree>
-    <p:extLst>
-      <p:ext uri="{BB962C8B-B14F-4D97-AF65-F5344CB8AC3E}">
-        <p14:creationId xmlns:p14="http://schemas.microsoft.com/office/powerpoint/2010/main" val="182480018"/>
-      </p:ext>
-    </p:extLst>
-  </p:cSld>
-  <p:clrMapOvr>
-    <a:masterClrMapping/>
-  </p:clrMapOvr>
-</p:sld>
-</file>
-
-<file path=ppt/slides/slide30.xml><?xml version="1.0" encoding="utf-8"?>
-<p:sld xmlns:a="http://schemas.openxmlformats.org/drawingml/2006/main" xmlns:r="http://schemas.openxmlformats.org/officeDocument/2006/relationships" xmlns:p="http://schemas.openxmlformats.org/presentationml/2006/main">
-  <p:cSld>
-    <p:spTree>
-      <p:nvGrpSpPr>
-        <p:cNvPr id="1" name=""/>
-        <p:cNvGrpSpPr/>
-        <p:nvPr/>
-      </p:nvGrpSpPr>
-      <p:grpSpPr>
-        <a:xfrm>
-          <a:off x="0" y="0"/>
-          <a:ext cx="0" cy="0"/>
-          <a:chOff x="0" y="0"/>
-          <a:chExt cx="0" cy="0"/>
-        </a:xfrm>
-      </p:grpSpPr>
-      <p:sp>
-        <p:nvSpPr>
           <p:cNvPr id="18437" name="Rectangle 2">
             <a:extLst>
               <a:ext uri="{FF2B5EF4-FFF2-40B4-BE49-F238E27FC236}">
@@ -33372,7 +33889,7 @@
         <p:spPr/>
         <p:txBody>
           <a:bodyPr>
-            <a:normAutofit/>
+            <a:normAutofit lnSpcReduction="10000"/>
           </a:bodyPr>
           <a:lstStyle/>
           <a:p>
@@ -33476,7 +33993,7 @@
             <a:fld id="{0CFEC368-1D7A-4F81-ABF6-AE0E36BAF64C}" type="slidenum">
               <a:rPr lang="en-US" smtClean="0"/>
               <a:pPr/>
-              <a:t>30</a:t>
+              <a:t>31</a:t>
             </a:fld>
             <a:endParaRPr lang="en-US"/>
           </a:p>
@@ -33684,284 +34201,6 @@
 </p:sld>
 </file>
 
-<file path=ppt/slides/slide31.xml><?xml version="1.0" encoding="utf-8"?>
-<p:sld xmlns:a="http://schemas.openxmlformats.org/drawingml/2006/main" xmlns:r="http://schemas.openxmlformats.org/officeDocument/2006/relationships" xmlns:p="http://schemas.openxmlformats.org/presentationml/2006/main">
-  <p:cSld>
-    <p:spTree>
-      <p:nvGrpSpPr>
-        <p:cNvPr id="1" name=""/>
-        <p:cNvGrpSpPr/>
-        <p:nvPr/>
-      </p:nvGrpSpPr>
-      <p:grpSpPr>
-        <a:xfrm>
-          <a:off x="0" y="0"/>
-          <a:ext cx="0" cy="0"/>
-          <a:chOff x="0" y="0"/>
-          <a:chExt cx="0" cy="0"/>
-        </a:xfrm>
-      </p:grpSpPr>
-      <p:sp>
-        <p:nvSpPr>
-          <p:cNvPr id="20485" name="Rectangle 2">
-            <a:extLst>
-              <a:ext uri="{FF2B5EF4-FFF2-40B4-BE49-F238E27FC236}">
-                <a16:creationId xmlns:a16="http://schemas.microsoft.com/office/drawing/2014/main" id="{2402F9D2-79C3-423A-9BEE-1BA27A116BBF}"/>
-              </a:ext>
-            </a:extLst>
-          </p:cNvPr>
-          <p:cNvSpPr>
-            <a:spLocks noGrp="1" noChangeArrowheads="1"/>
-          </p:cNvSpPr>
-          <p:nvPr>
-            <p:ph type="title"/>
-          </p:nvPr>
-        </p:nvSpPr>
-        <p:spPr/>
-        <p:txBody>
-          <a:bodyPr/>
-          <a:lstStyle/>
-          <a:p>
-            <a:r>
-              <a:rPr lang="he-IL" altLang="en-US"/>
-              <a:t>מבנה כניסה בטבלת הדפים</a:t>
-            </a:r>
-            <a:endParaRPr lang="en-US" altLang="en-US"/>
-          </a:p>
-        </p:txBody>
-      </p:sp>
-      <p:sp>
-        <p:nvSpPr>
-          <p:cNvPr id="20486" name="Rectangle 3">
-            <a:extLst>
-              <a:ext uri="{FF2B5EF4-FFF2-40B4-BE49-F238E27FC236}">
-                <a16:creationId xmlns:a16="http://schemas.microsoft.com/office/drawing/2014/main" id="{A8D4475E-D9B5-4A48-9008-94F66E8AA1D2}"/>
-              </a:ext>
-            </a:extLst>
-          </p:cNvPr>
-          <p:cNvSpPr>
-            <a:spLocks noGrp="1" noChangeArrowheads="1"/>
-          </p:cNvSpPr>
-          <p:nvPr>
-            <p:ph idx="1"/>
-          </p:nvPr>
-        </p:nvSpPr>
-        <p:spPr/>
-        <p:txBody>
-          <a:bodyPr>
-            <a:normAutofit/>
-          </a:bodyPr>
-          <a:lstStyle/>
-          <a:p>
-            <a:r>
-              <a:rPr lang="he-IL" altLang="en-US" dirty="0"/>
-              <a:t>כניסה ברמה הראשונה נקראת </a:t>
-            </a:r>
-            <a:r>
-              <a:rPr lang="en-US" altLang="en-US" b="1" dirty="0">
-                <a:solidFill>
-                  <a:srgbClr val="0000FF"/>
-                </a:solidFill>
-              </a:rPr>
-              <a:t>PDE</a:t>
-            </a:r>
-            <a:r>
-              <a:rPr lang="en-US" altLang="en-US" dirty="0"/>
-              <a:t> = page directory entry</a:t>
-            </a:r>
-            <a:r>
-              <a:rPr lang="he-IL" altLang="en-US" dirty="0"/>
-              <a:t>.</a:t>
-            </a:r>
-          </a:p>
-          <a:p>
-            <a:r>
-              <a:rPr lang="he-IL" altLang="en-US" dirty="0"/>
-              <a:t>כניסה ברמה </a:t>
-            </a:r>
-            <a:r>
-              <a:rPr lang="he-IL" altLang="en-US" dirty="0" err="1"/>
-              <a:t>השניה</a:t>
-            </a:r>
-            <a:r>
-              <a:rPr lang="he-IL" altLang="en-US" dirty="0"/>
-              <a:t> נקראת </a:t>
-            </a:r>
-            <a:r>
-              <a:rPr lang="en-US" altLang="en-US" b="1" dirty="0">
-                <a:solidFill>
-                  <a:srgbClr val="0000FF"/>
-                </a:solidFill>
-              </a:rPr>
-              <a:t>PTE</a:t>
-            </a:r>
-            <a:r>
-              <a:rPr lang="en-US" altLang="en-US" dirty="0"/>
-              <a:t> = page table entry</a:t>
-            </a:r>
-            <a:r>
-              <a:rPr lang="he-IL" altLang="en-US" dirty="0"/>
-              <a:t>.</a:t>
-            </a:r>
-          </a:p>
-          <a:p>
-            <a:pPr lvl="1"/>
-            <a:r>
-              <a:rPr lang="he-IL" altLang="en-US" dirty="0"/>
-              <a:t>בפועל, קוראים לכל הכניסות בכל הרמות </a:t>
-            </a:r>
-            <a:r>
-              <a:rPr lang="en-US" altLang="en-US" dirty="0"/>
-              <a:t>PTE</a:t>
-            </a:r>
-            <a:r>
-              <a:rPr lang="he-IL" altLang="en-US" dirty="0"/>
-              <a:t>.</a:t>
-            </a:r>
-          </a:p>
-          <a:p>
-            <a:r>
-              <a:rPr lang="he-IL" altLang="en-US" dirty="0"/>
-              <a:t>כל כניסה בטבלת הדפים היא בגודל </a:t>
-            </a:r>
-            <a:r>
-              <a:rPr lang="en-US" altLang="en-US" dirty="0"/>
-              <a:t>bit</a:t>
-            </a:r>
-            <a:r>
-              <a:rPr lang="he-IL" altLang="en-US" dirty="0"/>
-              <a:t> 32.</a:t>
-            </a:r>
-          </a:p>
-          <a:p>
-            <a:endParaRPr lang="he-IL" altLang="en-US" dirty="0"/>
-          </a:p>
-          <a:p>
-            <a:r>
-              <a:rPr lang="he-IL" altLang="en-US" dirty="0"/>
-              <a:t>המידע שכניסה מכילה תלוי בביט</a:t>
-            </a:r>
-            <a:r>
-              <a:rPr lang="en-US" altLang="en-US" b="1" dirty="0">
-                <a:solidFill>
-                  <a:srgbClr val="0000FF"/>
-                </a:solidFill>
-              </a:rPr>
-              <a:t>present</a:t>
-            </a:r>
-            <a:r>
-              <a:rPr lang="en-US" altLang="en-US" dirty="0"/>
-              <a:t> </a:t>
-            </a:r>
-            <a:r>
-              <a:rPr lang="he-IL" altLang="en-US" dirty="0"/>
-              <a:t> (ביט 0 של ה-</a:t>
-            </a:r>
-            <a:r>
-              <a:rPr lang="en-US" altLang="en-US" dirty="0"/>
-              <a:t>PTE</a:t>
-            </a:r>
-            <a:r>
-              <a:rPr lang="he-IL" altLang="en-US" dirty="0"/>
-              <a:t>), המציין האם הדף נמצא בזיכרון הראשי.</a:t>
-            </a:r>
-          </a:p>
-          <a:p>
-            <a:r>
-              <a:rPr lang="en-US" altLang="en-US" dirty="0"/>
-              <a:t>present == 1</a:t>
-            </a:r>
-            <a:r>
-              <a:rPr lang="he-IL" altLang="en-US" dirty="0"/>
-              <a:t>: הדף נמצא בזיכרון הפיזי.</a:t>
-            </a:r>
-          </a:p>
-          <a:p>
-            <a:r>
-              <a:rPr lang="en-US" altLang="en-US" dirty="0"/>
-              <a:t>present == 0</a:t>
-            </a:r>
-            <a:r>
-              <a:rPr lang="he-IL" altLang="en-US" dirty="0"/>
-              <a:t>: הדף לא נמצא בזיכרון הפיזי.</a:t>
-            </a:r>
-            <a:endParaRPr lang="en-US" altLang="en-US" dirty="0"/>
-          </a:p>
-        </p:txBody>
-      </p:sp>
-      <p:sp>
-        <p:nvSpPr>
-          <p:cNvPr id="4" name="Slide Number Placeholder 3">
-            <a:extLst>
-              <a:ext uri="{FF2B5EF4-FFF2-40B4-BE49-F238E27FC236}">
-                <a16:creationId xmlns:a16="http://schemas.microsoft.com/office/drawing/2014/main" id="{C5601FA4-D28A-4FCB-AAB5-B6D2F67D3976}"/>
-              </a:ext>
-            </a:extLst>
-          </p:cNvPr>
-          <p:cNvSpPr>
-            <a:spLocks noGrp="1"/>
-          </p:cNvSpPr>
-          <p:nvPr>
-            <p:ph type="sldNum" sz="quarter" idx="12"/>
-          </p:nvPr>
-        </p:nvSpPr>
-        <p:spPr/>
-        <p:txBody>
-          <a:bodyPr/>
-          <a:lstStyle/>
-          <a:p>
-            <a:fld id="{0CFEC368-1D7A-4F81-ABF6-AE0E36BAF64C}" type="slidenum">
-              <a:rPr lang="en-US" smtClean="0"/>
-              <a:pPr/>
-              <a:t>31</a:t>
-            </a:fld>
-            <a:endParaRPr lang="en-US"/>
-          </a:p>
-        </p:txBody>
-      </p:sp>
-      <p:sp>
-        <p:nvSpPr>
-          <p:cNvPr id="3" name="Footer Placeholder 2">
-            <a:extLst>
-              <a:ext uri="{FF2B5EF4-FFF2-40B4-BE49-F238E27FC236}">
-                <a16:creationId xmlns:a16="http://schemas.microsoft.com/office/drawing/2014/main" id="{9486811A-43A3-4F81-BAE4-B4C328E6BED2}"/>
-              </a:ext>
-            </a:extLst>
-          </p:cNvPr>
-          <p:cNvSpPr>
-            <a:spLocks noGrp="1"/>
-          </p:cNvSpPr>
-          <p:nvPr>
-            <p:ph type="ftr" sz="quarter" idx="11"/>
-          </p:nvPr>
-        </p:nvSpPr>
-        <p:spPr/>
-        <p:txBody>
-          <a:bodyPr/>
-          <a:lstStyle/>
-          <a:p>
-            <a:pPr algn="r"/>
-            <a:r>
-              <a:rPr lang="he-IL"/>
-              <a:t>מערכות הפעלה - תרגול 10</a:t>
-            </a:r>
-            <a:endParaRPr lang="en-US"/>
-          </a:p>
-        </p:txBody>
-      </p:sp>
-    </p:spTree>
-    <p:extLst>
-      <p:ext uri="{BB962C8B-B14F-4D97-AF65-F5344CB8AC3E}">
-        <p14:creationId xmlns:p14="http://schemas.microsoft.com/office/powerpoint/2010/main" val="1458828494"/>
-      </p:ext>
-    </p:extLst>
-  </p:cSld>
-  <p:clrMapOvr>
-    <a:masterClrMapping/>
-  </p:clrMapOvr>
-</p:sld>
-</file>
-
 <file path=ppt/slides/slide32.xml><?xml version="1.0" encoding="utf-8"?>
 <p:sld xmlns:a="http://schemas.openxmlformats.org/drawingml/2006/main" xmlns:r="http://schemas.openxmlformats.org/officeDocument/2006/relationships" xmlns:p="http://schemas.openxmlformats.org/presentationml/2006/main">
   <p:cSld>
@@ -33981,6 +34220,284 @@
       </p:grpSpPr>
       <p:sp>
         <p:nvSpPr>
+          <p:cNvPr id="20485" name="Rectangle 2">
+            <a:extLst>
+              <a:ext uri="{FF2B5EF4-FFF2-40B4-BE49-F238E27FC236}">
+                <a16:creationId xmlns:a16="http://schemas.microsoft.com/office/drawing/2014/main" id="{2402F9D2-79C3-423A-9BEE-1BA27A116BBF}"/>
+              </a:ext>
+            </a:extLst>
+          </p:cNvPr>
+          <p:cNvSpPr>
+            <a:spLocks noGrp="1" noChangeArrowheads="1"/>
+          </p:cNvSpPr>
+          <p:nvPr>
+            <p:ph type="title"/>
+          </p:nvPr>
+        </p:nvSpPr>
+        <p:spPr/>
+        <p:txBody>
+          <a:bodyPr/>
+          <a:lstStyle/>
+          <a:p>
+            <a:r>
+              <a:rPr lang="he-IL" altLang="en-US"/>
+              <a:t>מבנה כניסה בטבלת הדפים</a:t>
+            </a:r>
+            <a:endParaRPr lang="en-US" altLang="en-US"/>
+          </a:p>
+        </p:txBody>
+      </p:sp>
+      <p:sp>
+        <p:nvSpPr>
+          <p:cNvPr id="20486" name="Rectangle 3">
+            <a:extLst>
+              <a:ext uri="{FF2B5EF4-FFF2-40B4-BE49-F238E27FC236}">
+                <a16:creationId xmlns:a16="http://schemas.microsoft.com/office/drawing/2014/main" id="{A8D4475E-D9B5-4A48-9008-94F66E8AA1D2}"/>
+              </a:ext>
+            </a:extLst>
+          </p:cNvPr>
+          <p:cNvSpPr>
+            <a:spLocks noGrp="1" noChangeArrowheads="1"/>
+          </p:cNvSpPr>
+          <p:nvPr>
+            <p:ph idx="1"/>
+          </p:nvPr>
+        </p:nvSpPr>
+        <p:spPr/>
+        <p:txBody>
+          <a:bodyPr>
+            <a:normAutofit/>
+          </a:bodyPr>
+          <a:lstStyle/>
+          <a:p>
+            <a:r>
+              <a:rPr lang="he-IL" altLang="en-US" dirty="0"/>
+              <a:t>כניסה ברמה הראשונה נקראת </a:t>
+            </a:r>
+            <a:r>
+              <a:rPr lang="en-US" altLang="en-US" b="1" dirty="0">
+                <a:solidFill>
+                  <a:srgbClr val="0000FF"/>
+                </a:solidFill>
+              </a:rPr>
+              <a:t>PDE</a:t>
+            </a:r>
+            <a:r>
+              <a:rPr lang="en-US" altLang="en-US" dirty="0"/>
+              <a:t> = page directory entry</a:t>
+            </a:r>
+            <a:r>
+              <a:rPr lang="he-IL" altLang="en-US" dirty="0"/>
+              <a:t>.</a:t>
+            </a:r>
+          </a:p>
+          <a:p>
+            <a:r>
+              <a:rPr lang="he-IL" altLang="en-US" dirty="0"/>
+              <a:t>כניסה ברמה </a:t>
+            </a:r>
+            <a:r>
+              <a:rPr lang="he-IL" altLang="en-US" dirty="0" err="1"/>
+              <a:t>השניה</a:t>
+            </a:r>
+            <a:r>
+              <a:rPr lang="he-IL" altLang="en-US" dirty="0"/>
+              <a:t> נקראת </a:t>
+            </a:r>
+            <a:r>
+              <a:rPr lang="en-US" altLang="en-US" b="1" dirty="0">
+                <a:solidFill>
+                  <a:srgbClr val="0000FF"/>
+                </a:solidFill>
+              </a:rPr>
+              <a:t>PTE</a:t>
+            </a:r>
+            <a:r>
+              <a:rPr lang="en-US" altLang="en-US" dirty="0"/>
+              <a:t> = page table entry</a:t>
+            </a:r>
+            <a:r>
+              <a:rPr lang="he-IL" altLang="en-US" dirty="0"/>
+              <a:t>.</a:t>
+            </a:r>
+          </a:p>
+          <a:p>
+            <a:pPr lvl="1"/>
+            <a:r>
+              <a:rPr lang="he-IL" altLang="en-US" dirty="0"/>
+              <a:t>בפועל, קוראים לכל הכניסות בכל הרמות </a:t>
+            </a:r>
+            <a:r>
+              <a:rPr lang="en-US" altLang="en-US" dirty="0"/>
+              <a:t>PTE</a:t>
+            </a:r>
+            <a:r>
+              <a:rPr lang="he-IL" altLang="en-US" dirty="0"/>
+              <a:t>.</a:t>
+            </a:r>
+          </a:p>
+          <a:p>
+            <a:r>
+              <a:rPr lang="he-IL" altLang="en-US" dirty="0"/>
+              <a:t>כל כניסה בטבלת הדפים היא בגודל </a:t>
+            </a:r>
+            <a:r>
+              <a:rPr lang="en-US" altLang="en-US" dirty="0"/>
+              <a:t>bit</a:t>
+            </a:r>
+            <a:r>
+              <a:rPr lang="he-IL" altLang="en-US" dirty="0"/>
+              <a:t> 32.</a:t>
+            </a:r>
+          </a:p>
+          <a:p>
+            <a:endParaRPr lang="he-IL" altLang="en-US" dirty="0"/>
+          </a:p>
+          <a:p>
+            <a:r>
+              <a:rPr lang="he-IL" altLang="en-US" dirty="0"/>
+              <a:t>המידע שכניסה מכילה תלוי בביט</a:t>
+            </a:r>
+            <a:r>
+              <a:rPr lang="en-US" altLang="en-US" b="1" dirty="0">
+                <a:solidFill>
+                  <a:srgbClr val="0000FF"/>
+                </a:solidFill>
+              </a:rPr>
+              <a:t>present</a:t>
+            </a:r>
+            <a:r>
+              <a:rPr lang="en-US" altLang="en-US" dirty="0"/>
+              <a:t> </a:t>
+            </a:r>
+            <a:r>
+              <a:rPr lang="he-IL" altLang="en-US" dirty="0"/>
+              <a:t> (ביט 0 של ה-</a:t>
+            </a:r>
+            <a:r>
+              <a:rPr lang="en-US" altLang="en-US" dirty="0"/>
+              <a:t>PTE</a:t>
+            </a:r>
+            <a:r>
+              <a:rPr lang="he-IL" altLang="en-US" dirty="0"/>
+              <a:t>), המציין האם הדף נמצא בזיכרון הראשי.</a:t>
+            </a:r>
+          </a:p>
+          <a:p>
+            <a:r>
+              <a:rPr lang="en-US" altLang="en-US" dirty="0"/>
+              <a:t>present == 1</a:t>
+            </a:r>
+            <a:r>
+              <a:rPr lang="he-IL" altLang="en-US" dirty="0"/>
+              <a:t>: הדף נמצא בזיכרון הפיזי.</a:t>
+            </a:r>
+          </a:p>
+          <a:p>
+            <a:r>
+              <a:rPr lang="en-US" altLang="en-US" dirty="0"/>
+              <a:t>present == 0</a:t>
+            </a:r>
+            <a:r>
+              <a:rPr lang="he-IL" altLang="en-US" dirty="0"/>
+              <a:t>: הדף לא נמצא בזיכרון הפיזי.</a:t>
+            </a:r>
+            <a:endParaRPr lang="en-US" altLang="en-US" dirty="0"/>
+          </a:p>
+        </p:txBody>
+      </p:sp>
+      <p:sp>
+        <p:nvSpPr>
+          <p:cNvPr id="4" name="Slide Number Placeholder 3">
+            <a:extLst>
+              <a:ext uri="{FF2B5EF4-FFF2-40B4-BE49-F238E27FC236}">
+                <a16:creationId xmlns:a16="http://schemas.microsoft.com/office/drawing/2014/main" id="{C5601FA4-D28A-4FCB-AAB5-B6D2F67D3976}"/>
+              </a:ext>
+            </a:extLst>
+          </p:cNvPr>
+          <p:cNvSpPr>
+            <a:spLocks noGrp="1"/>
+          </p:cNvSpPr>
+          <p:nvPr>
+            <p:ph type="sldNum" sz="quarter" idx="12"/>
+          </p:nvPr>
+        </p:nvSpPr>
+        <p:spPr/>
+        <p:txBody>
+          <a:bodyPr/>
+          <a:lstStyle/>
+          <a:p>
+            <a:fld id="{0CFEC368-1D7A-4F81-ABF6-AE0E36BAF64C}" type="slidenum">
+              <a:rPr lang="en-US" smtClean="0"/>
+              <a:pPr/>
+              <a:t>32</a:t>
+            </a:fld>
+            <a:endParaRPr lang="en-US"/>
+          </a:p>
+        </p:txBody>
+      </p:sp>
+      <p:sp>
+        <p:nvSpPr>
+          <p:cNvPr id="3" name="Footer Placeholder 2">
+            <a:extLst>
+              <a:ext uri="{FF2B5EF4-FFF2-40B4-BE49-F238E27FC236}">
+                <a16:creationId xmlns:a16="http://schemas.microsoft.com/office/drawing/2014/main" id="{9486811A-43A3-4F81-BAE4-B4C328E6BED2}"/>
+              </a:ext>
+            </a:extLst>
+          </p:cNvPr>
+          <p:cNvSpPr>
+            <a:spLocks noGrp="1"/>
+          </p:cNvSpPr>
+          <p:nvPr>
+            <p:ph type="ftr" sz="quarter" idx="11"/>
+          </p:nvPr>
+        </p:nvSpPr>
+        <p:spPr/>
+        <p:txBody>
+          <a:bodyPr/>
+          <a:lstStyle/>
+          <a:p>
+            <a:pPr algn="r"/>
+            <a:r>
+              <a:rPr lang="he-IL"/>
+              <a:t>מערכות הפעלה - תרגול 10</a:t>
+            </a:r>
+            <a:endParaRPr lang="en-US"/>
+          </a:p>
+        </p:txBody>
+      </p:sp>
+    </p:spTree>
+    <p:extLst>
+      <p:ext uri="{BB962C8B-B14F-4D97-AF65-F5344CB8AC3E}">
+        <p14:creationId xmlns:p14="http://schemas.microsoft.com/office/powerpoint/2010/main" val="1458828494"/>
+      </p:ext>
+    </p:extLst>
+  </p:cSld>
+  <p:clrMapOvr>
+    <a:masterClrMapping/>
+  </p:clrMapOvr>
+</p:sld>
+</file>
+
+<file path=ppt/slides/slide33.xml><?xml version="1.0" encoding="utf-8"?>
+<p:sld xmlns:a="http://schemas.openxmlformats.org/drawingml/2006/main" xmlns:r="http://schemas.openxmlformats.org/officeDocument/2006/relationships" xmlns:p="http://schemas.openxmlformats.org/presentationml/2006/main">
+  <p:cSld>
+    <p:spTree>
+      <p:nvGrpSpPr>
+        <p:cNvPr id="1" name=""/>
+        <p:cNvGrpSpPr/>
+        <p:nvPr/>
+      </p:nvGrpSpPr>
+      <p:grpSpPr>
+        <a:xfrm>
+          <a:off x="0" y="0"/>
+          <a:ext cx="0" cy="0"/>
+          <a:chOff x="0" y="0"/>
+          <a:chExt cx="0" cy="0"/>
+        </a:xfrm>
+      </p:grpSpPr>
+      <p:sp>
+        <p:nvSpPr>
           <p:cNvPr id="5" name="Slide Number Placeholder 4"/>
           <p:cNvSpPr>
             <a:spLocks noGrp="1"/>
@@ -33997,7 +34514,7 @@
             <a:fld id="{0CFEC368-1D7A-4F81-ABF6-AE0E36BAF64C}" type="slidenum">
               <a:rPr lang="en-US" smtClean="0"/>
               <a:pPr/>
-              <a:t>32</a:t>
+              <a:t>33</a:t>
             </a:fld>
             <a:endParaRPr lang="en-US"/>
           </a:p>
@@ -34077,387 +34594,6 @@
 </p:sld>
 </file>
 
-<file path=ppt/slides/slide33.xml><?xml version="1.0" encoding="utf-8"?>
-<p:sld xmlns:a="http://schemas.openxmlformats.org/drawingml/2006/main" xmlns:r="http://schemas.openxmlformats.org/officeDocument/2006/relationships" xmlns:p="http://schemas.openxmlformats.org/presentationml/2006/main">
-  <p:cSld>
-    <p:spTree>
-      <p:nvGrpSpPr>
-        <p:cNvPr id="1" name=""/>
-        <p:cNvGrpSpPr/>
-        <p:nvPr/>
-      </p:nvGrpSpPr>
-      <p:grpSpPr>
-        <a:xfrm>
-          <a:off x="0" y="0"/>
-          <a:ext cx="0" cy="0"/>
-          <a:chOff x="0" y="0"/>
-          <a:chExt cx="0" cy="0"/>
-        </a:xfrm>
-      </p:grpSpPr>
-      <p:sp>
-        <p:nvSpPr>
-          <p:cNvPr id="21509" name="Rectangle 2">
-            <a:extLst>
-              <a:ext uri="{FF2B5EF4-FFF2-40B4-BE49-F238E27FC236}">
-                <a16:creationId xmlns:a16="http://schemas.microsoft.com/office/drawing/2014/main" id="{E0FD8757-BD60-4D99-8E80-0B2CBCE8ED92}"/>
-              </a:ext>
-            </a:extLst>
-          </p:cNvPr>
-          <p:cNvSpPr>
-            <a:spLocks noGrp="1" noChangeArrowheads="1"/>
-          </p:cNvSpPr>
-          <p:nvPr>
-            <p:ph type="title"/>
-          </p:nvPr>
-        </p:nvSpPr>
-        <p:spPr/>
-        <p:txBody>
-          <a:bodyPr>
-            <a:normAutofit/>
-          </a:bodyPr>
-          <a:lstStyle/>
-          <a:p>
-            <a:r>
-              <a:rPr lang="he-IL" altLang="en-US"/>
-              <a:t>כניסה בטבלת הדפים, כאשר </a:t>
-            </a:r>
-            <a:r>
-              <a:rPr lang="en-US" altLang="en-US"/>
-              <a:t>present==1</a:t>
-            </a:r>
-            <a:r>
-              <a:rPr lang="he-IL" altLang="en-US"/>
-              <a:t> </a:t>
-            </a:r>
-            <a:endParaRPr lang="en-US" altLang="en-US"/>
-          </a:p>
-        </p:txBody>
-      </p:sp>
-      <p:sp>
-        <p:nvSpPr>
-          <p:cNvPr id="21510" name="Rectangle 3">
-            <a:extLst>
-              <a:ext uri="{FF2B5EF4-FFF2-40B4-BE49-F238E27FC236}">
-                <a16:creationId xmlns:a16="http://schemas.microsoft.com/office/drawing/2014/main" id="{474AD976-1FFB-43C8-9CBE-94CC48E6CFE9}"/>
-              </a:ext>
-            </a:extLst>
-          </p:cNvPr>
-          <p:cNvSpPr>
-            <a:spLocks noGrp="1" noChangeArrowheads="1"/>
-          </p:cNvSpPr>
-          <p:nvPr>
-            <p:ph idx="1"/>
-          </p:nvPr>
-        </p:nvSpPr>
-        <p:spPr/>
-        <p:txBody>
-          <a:bodyPr>
-            <a:normAutofit/>
-          </a:bodyPr>
-          <a:lstStyle/>
-          <a:p>
-            <a:r>
-              <a:rPr lang="he-IL" altLang="en-US" b="1" dirty="0">
-                <a:solidFill>
-                  <a:schemeClr val="accent2"/>
-                </a:solidFill>
-              </a:rPr>
-              <a:t>מספר</a:t>
-            </a:r>
-            <a:r>
-              <a:rPr lang="he-IL" altLang="en-US" dirty="0">
-                <a:solidFill>
-                  <a:schemeClr val="accent2"/>
-                </a:solidFill>
-              </a:rPr>
-              <a:t> </a:t>
-            </a:r>
-            <a:r>
-              <a:rPr lang="he-IL" altLang="en-US" b="1" dirty="0">
-                <a:solidFill>
-                  <a:schemeClr val="accent2"/>
-                </a:solidFill>
-              </a:rPr>
-              <a:t>המסגרת</a:t>
-            </a:r>
-            <a:r>
-              <a:rPr lang="he-IL" altLang="en-US" dirty="0">
-                <a:solidFill>
-                  <a:schemeClr val="accent2"/>
-                </a:solidFill>
-              </a:rPr>
-              <a:t> </a:t>
-            </a:r>
-            <a:r>
-              <a:rPr lang="he-IL" altLang="en-US" dirty="0"/>
-              <a:t>בה מאוחסן הדף.</a:t>
-            </a:r>
-          </a:p>
-          <a:p>
-            <a:pPr lvl="1"/>
-            <a:r>
-              <a:rPr lang="he-IL" altLang="en-US" dirty="0"/>
-              <a:t>20 ביטים, כאשר כתובות זיכרון פיזי באורך 32 ביט.</a:t>
-            </a:r>
-          </a:p>
-          <a:p>
-            <a:r>
-              <a:rPr lang="he-IL" altLang="en-US" b="1" dirty="0">
-                <a:solidFill>
-                  <a:schemeClr val="accent2"/>
-                </a:solidFill>
-              </a:rPr>
-              <a:t>ביט</a:t>
-            </a:r>
-            <a:r>
-              <a:rPr lang="he-IL" altLang="en-US" dirty="0">
-                <a:solidFill>
-                  <a:schemeClr val="accent2"/>
-                </a:solidFill>
-              </a:rPr>
-              <a:t> </a:t>
-            </a:r>
-            <a:r>
-              <a:rPr lang="en-US" altLang="en-US" b="1" dirty="0">
-                <a:solidFill>
-                  <a:schemeClr val="accent2"/>
-                </a:solidFill>
-              </a:rPr>
-              <a:t>accessed</a:t>
-            </a:r>
-            <a:r>
-              <a:rPr lang="he-IL" altLang="en-US" dirty="0">
-                <a:solidFill>
-                  <a:schemeClr val="accent2"/>
-                </a:solidFill>
-              </a:rPr>
-              <a:t> </a:t>
-            </a:r>
-            <a:r>
-              <a:rPr lang="he-IL" altLang="en-US" dirty="0"/>
-              <a:t>(נקרא גם ביט </a:t>
-            </a:r>
-            <a:r>
-              <a:rPr lang="en-US" altLang="en-US" dirty="0"/>
-              <a:t>referenced</a:t>
-            </a:r>
-            <a:r>
-              <a:rPr lang="he-IL" altLang="en-US" dirty="0"/>
-              <a:t>): מודלק ע"י החומרה בכל פעם שמתבצעת גישה לכתובת בדף. ביט זה מכובה באופן מחזורי ומשמש למדיניות פינוי הדפים לדיסק. </a:t>
-            </a:r>
-          </a:p>
-          <a:p>
-            <a:r>
-              <a:rPr lang="he-IL" altLang="en-US" b="1" dirty="0">
-                <a:solidFill>
-                  <a:schemeClr val="accent2"/>
-                </a:solidFill>
-              </a:rPr>
-              <a:t>ביט</a:t>
-            </a:r>
-            <a:r>
-              <a:rPr lang="he-IL" altLang="en-US" dirty="0">
-                <a:solidFill>
-                  <a:schemeClr val="accent2"/>
-                </a:solidFill>
-              </a:rPr>
-              <a:t> </a:t>
-            </a:r>
-            <a:r>
-              <a:rPr lang="en-US" altLang="en-US" b="1" dirty="0">
-                <a:solidFill>
-                  <a:schemeClr val="accent2"/>
-                </a:solidFill>
-              </a:rPr>
-              <a:t>dirty</a:t>
-            </a:r>
-            <a:r>
-              <a:rPr lang="he-IL" altLang="en-US" dirty="0">
-                <a:solidFill>
-                  <a:schemeClr val="accent2"/>
-                </a:solidFill>
-              </a:rPr>
-              <a:t> </a:t>
-            </a:r>
-            <a:r>
-              <a:rPr lang="he-IL" altLang="en-US" dirty="0"/>
-              <a:t>(נקרא גם ביט </a:t>
-            </a:r>
-            <a:r>
-              <a:rPr lang="en-US" altLang="en-US" dirty="0"/>
-              <a:t>modified</a:t>
-            </a:r>
-            <a:r>
-              <a:rPr lang="he-IL" altLang="en-US" dirty="0"/>
-              <a:t>): מודלק ע"י החומרה בכל פעם שמתבצעת כתיבה לנתון בדף. במידה והדף שייך לקובץ (לדוגמה) </a:t>
-            </a:r>
-            <a:r>
-              <a:rPr lang="he-IL" altLang="en-US" dirty="0" err="1"/>
-              <a:t>נידע</a:t>
-            </a:r>
-            <a:r>
-              <a:rPr lang="he-IL" altLang="en-US" dirty="0"/>
-              <a:t> שיש לכתוב אותו </a:t>
-            </a:r>
-            <a:r>
-              <a:rPr lang="he-IL" altLang="en-US" b="1" dirty="0"/>
-              <a:t>חזרה לדיסק </a:t>
-            </a:r>
-            <a:r>
-              <a:rPr lang="he-IL" altLang="en-US" dirty="0"/>
-              <a:t>מתישהו. </a:t>
-            </a:r>
-          </a:p>
-          <a:p>
-            <a:r>
-              <a:rPr lang="he-IL" altLang="en-US" b="1" dirty="0">
-                <a:solidFill>
-                  <a:schemeClr val="accent2"/>
-                </a:solidFill>
-              </a:rPr>
-              <a:t>ביט</a:t>
-            </a:r>
-            <a:r>
-              <a:rPr lang="he-IL" altLang="en-US" dirty="0">
-                <a:solidFill>
-                  <a:schemeClr val="accent2"/>
-                </a:solidFill>
-              </a:rPr>
-              <a:t> </a:t>
-            </a:r>
-            <a:r>
-              <a:rPr lang="en-US" altLang="en-US" b="1" dirty="0">
-                <a:solidFill>
-                  <a:schemeClr val="accent2"/>
-                </a:solidFill>
-              </a:rPr>
-              <a:t>read/write</a:t>
-            </a:r>
-            <a:r>
-              <a:rPr lang="he-IL" altLang="en-US" dirty="0"/>
-              <a:t>: הרשאת גישה.</a:t>
-            </a:r>
-          </a:p>
-          <a:p>
-            <a:pPr lvl="1"/>
-            <a:r>
-              <a:rPr lang="he-IL" altLang="en-US" dirty="0"/>
-              <a:t>0 = קריאה בלבד. 1 = קריאה וכתיבה.</a:t>
-            </a:r>
-          </a:p>
-          <a:p>
-            <a:r>
-              <a:rPr lang="he-IL" altLang="en-US" b="1" dirty="0">
-                <a:solidFill>
-                  <a:schemeClr val="accent2"/>
-                </a:solidFill>
-              </a:rPr>
-              <a:t>ביט</a:t>
-            </a:r>
-            <a:r>
-              <a:rPr lang="he-IL" altLang="en-US" dirty="0">
-                <a:solidFill>
-                  <a:schemeClr val="accent2"/>
-                </a:solidFill>
-              </a:rPr>
-              <a:t> </a:t>
-            </a:r>
-            <a:r>
-              <a:rPr lang="en-US" altLang="en-US" b="1" dirty="0">
-                <a:solidFill>
-                  <a:schemeClr val="accent2"/>
-                </a:solidFill>
-              </a:rPr>
-              <a:t>user/supervisor</a:t>
-            </a:r>
-            <a:r>
-              <a:rPr lang="he-IL" altLang="en-US" dirty="0"/>
-              <a:t>: גישה מיוחסת.</a:t>
-            </a:r>
-          </a:p>
-          <a:p>
-            <a:pPr lvl="1"/>
-            <a:r>
-              <a:rPr lang="he-IL" altLang="en-US" dirty="0"/>
-              <a:t>0 =  גישה לקוד הגרעין בלבד. 1 = גישה לכל תהליך.</a:t>
-            </a:r>
-            <a:endParaRPr lang="en-US" altLang="en-US" dirty="0"/>
-          </a:p>
-        </p:txBody>
-      </p:sp>
-      <p:sp>
-        <p:nvSpPr>
-          <p:cNvPr id="4" name="Slide Number Placeholder 3">
-            <a:extLst>
-              <a:ext uri="{FF2B5EF4-FFF2-40B4-BE49-F238E27FC236}">
-                <a16:creationId xmlns:a16="http://schemas.microsoft.com/office/drawing/2014/main" id="{8157ED2F-9E8D-4E7E-87BF-87423E3C7EEC}"/>
-              </a:ext>
-            </a:extLst>
-          </p:cNvPr>
-          <p:cNvSpPr>
-            <a:spLocks noGrp="1"/>
-          </p:cNvSpPr>
-          <p:nvPr>
-            <p:ph type="sldNum" sz="quarter" idx="12"/>
-          </p:nvPr>
-        </p:nvSpPr>
-        <p:spPr/>
-        <p:txBody>
-          <a:bodyPr/>
-          <a:lstStyle/>
-          <a:p>
-            <a:fld id="{0CFEC368-1D7A-4F81-ABF6-AE0E36BAF64C}" type="slidenum">
-              <a:rPr lang="en-US" smtClean="0"/>
-              <a:pPr/>
-              <a:t>33</a:t>
-            </a:fld>
-            <a:endParaRPr lang="en-US"/>
-          </a:p>
-        </p:txBody>
-      </p:sp>
-      <p:sp>
-        <p:nvSpPr>
-          <p:cNvPr id="3" name="Footer Placeholder 2">
-            <a:extLst>
-              <a:ext uri="{FF2B5EF4-FFF2-40B4-BE49-F238E27FC236}">
-                <a16:creationId xmlns:a16="http://schemas.microsoft.com/office/drawing/2014/main" id="{DA68993C-690F-454F-9CEC-42F44506FC3A}"/>
-              </a:ext>
-            </a:extLst>
-          </p:cNvPr>
-          <p:cNvSpPr>
-            <a:spLocks noGrp="1"/>
-          </p:cNvSpPr>
-          <p:nvPr>
-            <p:ph type="ftr" sz="quarter" idx="11"/>
-          </p:nvPr>
-        </p:nvSpPr>
-        <p:spPr/>
-        <p:txBody>
-          <a:bodyPr/>
-          <a:lstStyle/>
-          <a:p>
-            <a:pPr algn="r"/>
-            <a:r>
-              <a:rPr lang="he-IL"/>
-              <a:t>מערכות הפעלה - תרגול 10</a:t>
-            </a:r>
-            <a:endParaRPr lang="en-US"/>
-          </a:p>
-        </p:txBody>
-      </p:sp>
-    </p:spTree>
-    <p:extLst>
-      <p:ext uri="{BB962C8B-B14F-4D97-AF65-F5344CB8AC3E}">
-        <p14:creationId xmlns:p14="http://schemas.microsoft.com/office/powerpoint/2010/main" val="4245281624"/>
-      </p:ext>
-    </p:extLst>
-  </p:cSld>
-  <p:clrMapOvr>
-    <a:masterClrMapping/>
-  </p:clrMapOvr>
-</p:sld>
-</file>
-
 <file path=ppt/slides/slide34.xml><?xml version="1.0" encoding="utf-8"?>
 <p:sld xmlns:a="http://schemas.openxmlformats.org/drawingml/2006/main" xmlns:r="http://schemas.openxmlformats.org/officeDocument/2006/relationships" xmlns:p="http://schemas.openxmlformats.org/presentationml/2006/main">
   <p:cSld>
@@ -34477,10 +34613,10 @@
       </p:grpSpPr>
       <p:sp>
         <p:nvSpPr>
-          <p:cNvPr id="22533" name="Rectangle 2">
+          <p:cNvPr id="21509" name="Rectangle 2">
             <a:extLst>
               <a:ext uri="{FF2B5EF4-FFF2-40B4-BE49-F238E27FC236}">
-                <a16:creationId xmlns:a16="http://schemas.microsoft.com/office/drawing/2014/main" id="{BC9F615E-F91F-43AA-97C3-5B3123CAD6B1}"/>
+                <a16:creationId xmlns:a16="http://schemas.microsoft.com/office/drawing/2014/main" id="{E0FD8757-BD60-4D99-8E80-0B2CBCE8ED92}"/>
               </a:ext>
             </a:extLst>
           </p:cNvPr>
@@ -34493,7 +34629,9 @@
         </p:nvSpPr>
         <p:spPr/>
         <p:txBody>
-          <a:bodyPr/>
+          <a:bodyPr>
+            <a:normAutofit fontScale="90000"/>
+          </a:bodyPr>
           <a:lstStyle/>
           <a:p>
             <a:r>
@@ -34502,17 +34640,22 @@
             </a:r>
             <a:r>
               <a:rPr lang="en-US" altLang="en-US"/>
-              <a:t>present==0</a:t>
-            </a:r>
-          </a:p>
-        </p:txBody>
-      </p:sp>
-      <p:sp>
-        <p:nvSpPr>
-          <p:cNvPr id="22534" name="Rectangle 3">
+              <a:t>present==1</a:t>
+            </a:r>
+            <a:r>
+              <a:rPr lang="he-IL" altLang="en-US"/>
+              <a:t> </a:t>
+            </a:r>
+            <a:endParaRPr lang="en-US" altLang="en-US"/>
+          </a:p>
+        </p:txBody>
+      </p:sp>
+      <p:sp>
+        <p:nvSpPr>
+          <p:cNvPr id="21510" name="Rectangle 3">
             <a:extLst>
               <a:ext uri="{FF2B5EF4-FFF2-40B4-BE49-F238E27FC236}">
-                <a16:creationId xmlns:a16="http://schemas.microsoft.com/office/drawing/2014/main" id="{C0EE1412-FA65-4870-A397-A6D69569926C}"/>
+                <a16:creationId xmlns:a16="http://schemas.microsoft.com/office/drawing/2014/main" id="{474AD976-1FFB-43C8-9CBE-94CC48E6CFE9}"/>
               </a:ext>
             </a:extLst>
           </p:cNvPr>
@@ -34525,74 +34668,246 @@
         </p:nvSpPr>
         <p:spPr/>
         <p:txBody>
-          <a:bodyPr/>
+          <a:bodyPr>
+            <a:normAutofit lnSpcReduction="10000"/>
+          </a:bodyPr>
           <a:lstStyle/>
           <a:p>
             <a:r>
+              <a:rPr lang="he-IL" altLang="en-US" b="1" dirty="0">
+                <a:solidFill>
+                  <a:schemeClr val="accent2"/>
+                </a:solidFill>
+              </a:rPr>
+              <a:t>מספר</a:t>
+            </a:r>
+            <a:r>
+              <a:rPr lang="he-IL" altLang="en-US" dirty="0">
+                <a:solidFill>
+                  <a:schemeClr val="accent2"/>
+                </a:solidFill>
+              </a:rPr>
+              <a:t> </a:t>
+            </a:r>
+            <a:r>
+              <a:rPr lang="he-IL" altLang="en-US" b="1" dirty="0">
+                <a:solidFill>
+                  <a:schemeClr val="accent2"/>
+                </a:solidFill>
+              </a:rPr>
+              <a:t>המסגרת</a:t>
+            </a:r>
+            <a:r>
+              <a:rPr lang="he-IL" altLang="en-US" dirty="0">
+                <a:solidFill>
+                  <a:schemeClr val="accent2"/>
+                </a:solidFill>
+              </a:rPr>
+              <a:t> </a:t>
+            </a:r>
+            <a:r>
               <a:rPr lang="he-IL" altLang="en-US" dirty="0"/>
-              <a:t>יש שתי אפשרויות:</a:t>
-            </a:r>
-          </a:p>
-          <a:p>
-            <a:pPr marL="457200" indent="-457200">
-              <a:buFont typeface="+mj-lt"/>
-              <a:buAutoNum type="arabicPeriod"/>
-            </a:pPr>
+              <a:t>בה מאוחסן הדף.</a:t>
+            </a:r>
+          </a:p>
+          <a:p>
+            <a:pPr lvl="1"/>
             <a:r>
               <a:rPr lang="he-IL" altLang="en-US" dirty="0"/>
-              <a:t>אם כל הביטים ב-</a:t>
+              <a:t>20 ביטים, כאשר כתובות זיכרון פיזי באורך 32 ביט.</a:t>
+            </a:r>
+          </a:p>
+          <a:p>
+            <a:r>
+              <a:rPr lang="he-IL" altLang="en-US" b="1" dirty="0">
+                <a:solidFill>
+                  <a:schemeClr val="accent2"/>
+                </a:solidFill>
+              </a:rPr>
+              <a:t>ביט</a:t>
+            </a:r>
+            <a:r>
+              <a:rPr lang="he-IL" altLang="en-US" dirty="0">
+                <a:solidFill>
+                  <a:schemeClr val="accent2"/>
+                </a:solidFill>
+              </a:rPr>
+              <a:t> </a:t>
+            </a:r>
+            <a:r>
+              <a:rPr lang="en-US" altLang="en-US" b="1" dirty="0">
+                <a:solidFill>
+                  <a:schemeClr val="accent2"/>
+                </a:solidFill>
+              </a:rPr>
+              <a:t>accessed</a:t>
+            </a:r>
+            <a:r>
+              <a:rPr lang="he-IL" altLang="en-US" dirty="0">
+                <a:solidFill>
+                  <a:schemeClr val="accent2"/>
+                </a:solidFill>
+              </a:rPr>
+              <a:t> </a:t>
+            </a:r>
+            <a:r>
+              <a:rPr lang="he-IL" altLang="en-US" dirty="0"/>
+              <a:t>(נקרא גם ביט </a:t>
             </a:r>
             <a:r>
               <a:rPr lang="en-US" altLang="en-US" dirty="0"/>
-              <a:t>PTE</a:t>
+              <a:t>referenced</a:t>
             </a:r>
             <a:r>
               <a:rPr lang="he-IL" altLang="en-US" dirty="0"/>
-              <a:t> הם אפס, אז הדף לא ממופה כלל במרחב הזיכרון של התהליך.</a:t>
-            </a:r>
-          </a:p>
-          <a:p>
-            <a:pPr marL="457200" indent="-457200">
-              <a:buFont typeface="+mj-lt"/>
-              <a:buAutoNum type="arabicPeriod"/>
-            </a:pPr>
+              <a:t>): מודלק ע"י החומרה בכל פעם שמתבצעת גישה לכתובת בדף. ביט זה מכובה באופן מחזורי ומשמש למדיניות פינוי הדפים לדיסק. </a:t>
+            </a:r>
+          </a:p>
+          <a:p>
+            <a:r>
+              <a:rPr lang="he-IL" altLang="en-US" b="1" dirty="0">
+                <a:solidFill>
+                  <a:schemeClr val="accent2"/>
+                </a:solidFill>
+              </a:rPr>
+              <a:t>ביט</a:t>
+            </a:r>
+            <a:r>
+              <a:rPr lang="he-IL" altLang="en-US" dirty="0">
+                <a:solidFill>
+                  <a:schemeClr val="accent2"/>
+                </a:solidFill>
+              </a:rPr>
+              <a:t> </a:t>
+            </a:r>
+            <a:r>
+              <a:rPr lang="en-US" altLang="en-US" b="1" dirty="0">
+                <a:solidFill>
+                  <a:schemeClr val="accent2"/>
+                </a:solidFill>
+              </a:rPr>
+              <a:t>dirty</a:t>
+            </a:r>
+            <a:r>
+              <a:rPr lang="he-IL" altLang="en-US" dirty="0">
+                <a:solidFill>
+                  <a:schemeClr val="accent2"/>
+                </a:solidFill>
+              </a:rPr>
+              <a:t> </a:t>
+            </a:r>
             <a:r>
               <a:rPr lang="he-IL" altLang="en-US" dirty="0"/>
-              <a:t>אחרת, אם לפחות אחד מ-31 הביטים העליונים שונה מאפס, אז הדף נמצא במאגר דפדוף </a:t>
+              <a:t>(נקרא גם ביט </a:t>
             </a:r>
             <a:r>
               <a:rPr lang="en-US" altLang="en-US" dirty="0"/>
-              <a:t>(swap area)</a:t>
+              <a:t>modified</a:t>
             </a:r>
             <a:r>
               <a:rPr lang="he-IL" altLang="en-US" dirty="0"/>
-              <a:t> בדיסק, וב-</a:t>
-            </a:r>
-            <a:r>
-              <a:rPr lang="en-US" altLang="en-US" dirty="0"/>
-              <a:t>PTE</a:t>
+              <a:t>): מודלק ע"י החומרה בכל פעם שמתבצעת כתיבה לנתון בדף. במידה והדף שייך לקובץ (לדוגמה) </a:t>
+            </a:r>
+            <a:r>
+              <a:rPr lang="he-IL" altLang="en-US" dirty="0" err="1"/>
+              <a:t>נידע</a:t>
             </a:r>
             <a:r>
               <a:rPr lang="he-IL" altLang="en-US" dirty="0"/>
-              <a:t> נשמור את כתובתו ב-</a:t>
-            </a:r>
-            <a:r>
-              <a:rPr lang="en-US" altLang="en-US" dirty="0"/>
-              <a:t>swap area</a:t>
+              <a:t> שיש לכתוב אותו </a:t>
+            </a:r>
+            <a:r>
+              <a:rPr lang="he-IL" altLang="en-US" b="1" dirty="0"/>
+              <a:t>חזרה לדיסק </a:t>
             </a:r>
             <a:r>
               <a:rPr lang="he-IL" altLang="en-US" dirty="0"/>
-              <a:t>.</a:t>
-            </a:r>
-          </a:p>
-        </p:txBody>
-      </p:sp>
-      <p:sp>
-        <p:nvSpPr>
-          <p:cNvPr id="5" name="Slide Number Placeholder 4">
+              <a:t>מתישהו. </a:t>
+            </a:r>
+          </a:p>
+          <a:p>
+            <a:r>
+              <a:rPr lang="he-IL" altLang="en-US" b="1" dirty="0">
+                <a:solidFill>
+                  <a:schemeClr val="accent2"/>
+                </a:solidFill>
+              </a:rPr>
+              <a:t>ביט</a:t>
+            </a:r>
+            <a:r>
+              <a:rPr lang="he-IL" altLang="en-US" dirty="0">
+                <a:solidFill>
+                  <a:schemeClr val="accent2"/>
+                </a:solidFill>
+              </a:rPr>
+              <a:t> </a:t>
+            </a:r>
+            <a:r>
+              <a:rPr lang="en-US" altLang="en-US" b="1" dirty="0">
+                <a:solidFill>
+                  <a:schemeClr val="accent2"/>
+                </a:solidFill>
+              </a:rPr>
+              <a:t>read/write</a:t>
+            </a:r>
+            <a:r>
+              <a:rPr lang="he-IL" altLang="en-US" dirty="0"/>
+              <a:t>: הרשאת גישה.</a:t>
+            </a:r>
+          </a:p>
+          <a:p>
+            <a:pPr lvl="1"/>
+            <a:r>
+              <a:rPr lang="he-IL" altLang="en-US" dirty="0"/>
+              <a:t>0 = קריאה בלבד. 1 = קריאה וכתיבה.</a:t>
+            </a:r>
+          </a:p>
+          <a:p>
+            <a:r>
+              <a:rPr lang="he-IL" altLang="en-US" b="1" dirty="0">
+                <a:solidFill>
+                  <a:schemeClr val="accent2"/>
+                </a:solidFill>
+              </a:rPr>
+              <a:t>ביט</a:t>
+            </a:r>
+            <a:r>
+              <a:rPr lang="he-IL" altLang="en-US" dirty="0">
+                <a:solidFill>
+                  <a:schemeClr val="accent2"/>
+                </a:solidFill>
+              </a:rPr>
+              <a:t> </a:t>
+            </a:r>
+            <a:r>
+              <a:rPr lang="en-US" altLang="en-US" b="1" dirty="0">
+                <a:solidFill>
+                  <a:schemeClr val="accent2"/>
+                </a:solidFill>
+              </a:rPr>
+              <a:t>user/supervisor</a:t>
+            </a:r>
+            <a:r>
+              <a:rPr lang="he-IL" altLang="en-US" dirty="0"/>
+              <a:t>: גישה מיוחסת.</a:t>
+            </a:r>
+          </a:p>
+          <a:p>
+            <a:pPr lvl="1"/>
+            <a:r>
+              <a:rPr lang="he-IL" altLang="en-US" dirty="0"/>
+              <a:t>0 =  גישה לקוד הגרעין בלבד. 1 = גישה לכל תהליך.</a:t>
+            </a:r>
+            <a:endParaRPr lang="en-US" altLang="en-US" dirty="0"/>
+          </a:p>
+        </p:txBody>
+      </p:sp>
+      <p:sp>
+        <p:nvSpPr>
+          <p:cNvPr id="4" name="Slide Number Placeholder 3">
             <a:extLst>
               <a:ext uri="{FF2B5EF4-FFF2-40B4-BE49-F238E27FC236}">
-                <a16:creationId xmlns:a16="http://schemas.microsoft.com/office/drawing/2014/main" id="{4360EC80-156A-443D-A858-A66E5E5BB3E1}"/>
+                <a16:creationId xmlns:a16="http://schemas.microsoft.com/office/drawing/2014/main" id="{8157ED2F-9E8D-4E7E-87BF-87423E3C7EEC}"/>
               </a:ext>
             </a:extLst>
           </p:cNvPr>
@@ -34622,7 +34937,7 @@
           <p:cNvPr id="3" name="Footer Placeholder 2">
             <a:extLst>
               <a:ext uri="{FF2B5EF4-FFF2-40B4-BE49-F238E27FC236}">
-                <a16:creationId xmlns:a16="http://schemas.microsoft.com/office/drawing/2014/main" id="{CF03B682-4DDA-4EC0-937E-45C8F219471F}"/>
+                <a16:creationId xmlns:a16="http://schemas.microsoft.com/office/drawing/2014/main" id="{DA68993C-690F-454F-9CEC-42F44506FC3A}"/>
               </a:ext>
             </a:extLst>
           </p:cNvPr>
@@ -34650,7 +34965,7 @@
     </p:spTree>
     <p:extLst>
       <p:ext uri="{BB962C8B-B14F-4D97-AF65-F5344CB8AC3E}">
-        <p14:creationId xmlns:p14="http://schemas.microsoft.com/office/powerpoint/2010/main" val="4070617961"/>
+        <p14:creationId xmlns:p14="http://schemas.microsoft.com/office/powerpoint/2010/main" val="4245281624"/>
       </p:ext>
     </p:extLst>
   </p:cSld>
@@ -34679,6 +34994,210 @@
       </p:grpSpPr>
       <p:sp>
         <p:nvSpPr>
+          <p:cNvPr id="22533" name="Rectangle 2">
+            <a:extLst>
+              <a:ext uri="{FF2B5EF4-FFF2-40B4-BE49-F238E27FC236}">
+                <a16:creationId xmlns:a16="http://schemas.microsoft.com/office/drawing/2014/main" id="{BC9F615E-F91F-43AA-97C3-5B3123CAD6B1}"/>
+              </a:ext>
+            </a:extLst>
+          </p:cNvPr>
+          <p:cNvSpPr>
+            <a:spLocks noGrp="1" noChangeArrowheads="1"/>
+          </p:cNvSpPr>
+          <p:nvPr>
+            <p:ph type="title"/>
+          </p:nvPr>
+        </p:nvSpPr>
+        <p:spPr/>
+        <p:txBody>
+          <a:bodyPr>
+            <a:normAutofit fontScale="90000"/>
+          </a:bodyPr>
+          <a:lstStyle/>
+          <a:p>
+            <a:r>
+              <a:rPr lang="he-IL" altLang="en-US"/>
+              <a:t>כניסה בטבלת הדפים, כאשר </a:t>
+            </a:r>
+            <a:r>
+              <a:rPr lang="en-US" altLang="en-US"/>
+              <a:t>present==0</a:t>
+            </a:r>
+          </a:p>
+        </p:txBody>
+      </p:sp>
+      <p:sp>
+        <p:nvSpPr>
+          <p:cNvPr id="22534" name="Rectangle 3">
+            <a:extLst>
+              <a:ext uri="{FF2B5EF4-FFF2-40B4-BE49-F238E27FC236}">
+                <a16:creationId xmlns:a16="http://schemas.microsoft.com/office/drawing/2014/main" id="{C0EE1412-FA65-4870-A397-A6D69569926C}"/>
+              </a:ext>
+            </a:extLst>
+          </p:cNvPr>
+          <p:cNvSpPr>
+            <a:spLocks noGrp="1" noChangeArrowheads="1"/>
+          </p:cNvSpPr>
+          <p:nvPr>
+            <p:ph idx="1"/>
+          </p:nvPr>
+        </p:nvSpPr>
+        <p:spPr/>
+        <p:txBody>
+          <a:bodyPr/>
+          <a:lstStyle/>
+          <a:p>
+            <a:r>
+              <a:rPr lang="he-IL" altLang="en-US" dirty="0"/>
+              <a:t>יש שתי אפשרויות:</a:t>
+            </a:r>
+          </a:p>
+          <a:p>
+            <a:pPr marL="457200" indent="-457200">
+              <a:buFont typeface="+mj-lt"/>
+              <a:buAutoNum type="arabicPeriod"/>
+            </a:pPr>
+            <a:r>
+              <a:rPr lang="he-IL" altLang="en-US" dirty="0"/>
+              <a:t>אם כל הביטים ב-</a:t>
+            </a:r>
+            <a:r>
+              <a:rPr lang="en-US" altLang="en-US" dirty="0"/>
+              <a:t>PTE</a:t>
+            </a:r>
+            <a:r>
+              <a:rPr lang="he-IL" altLang="en-US" dirty="0"/>
+              <a:t> הם אפס, אז הדף לא ממופה כלל במרחב הזיכרון של התהליך.</a:t>
+            </a:r>
+          </a:p>
+          <a:p>
+            <a:pPr marL="457200" indent="-457200">
+              <a:buFont typeface="+mj-lt"/>
+              <a:buAutoNum type="arabicPeriod"/>
+            </a:pPr>
+            <a:r>
+              <a:rPr lang="he-IL" altLang="en-US" dirty="0"/>
+              <a:t>אחרת, אם לפחות אחד מ-31 הביטים העליונים שונה מאפס, אז הדף נמצא במאגר דפדוף </a:t>
+            </a:r>
+            <a:r>
+              <a:rPr lang="en-US" altLang="en-US" dirty="0"/>
+              <a:t>(swap area)</a:t>
+            </a:r>
+            <a:r>
+              <a:rPr lang="he-IL" altLang="en-US" dirty="0"/>
+              <a:t> בדיסק, וב-</a:t>
+            </a:r>
+            <a:r>
+              <a:rPr lang="en-US" altLang="en-US" dirty="0"/>
+              <a:t>PTE</a:t>
+            </a:r>
+            <a:r>
+              <a:rPr lang="he-IL" altLang="en-US" dirty="0"/>
+              <a:t> נשמור את כתובתו ב-</a:t>
+            </a:r>
+            <a:r>
+              <a:rPr lang="en-US" altLang="en-US" dirty="0"/>
+              <a:t>swap area</a:t>
+            </a:r>
+            <a:r>
+              <a:rPr lang="he-IL" altLang="en-US" dirty="0"/>
+              <a:t>.</a:t>
+            </a:r>
+          </a:p>
+        </p:txBody>
+      </p:sp>
+      <p:sp>
+        <p:nvSpPr>
+          <p:cNvPr id="5" name="Slide Number Placeholder 4">
+            <a:extLst>
+              <a:ext uri="{FF2B5EF4-FFF2-40B4-BE49-F238E27FC236}">
+                <a16:creationId xmlns:a16="http://schemas.microsoft.com/office/drawing/2014/main" id="{4360EC80-156A-443D-A858-A66E5E5BB3E1}"/>
+              </a:ext>
+            </a:extLst>
+          </p:cNvPr>
+          <p:cNvSpPr>
+            <a:spLocks noGrp="1"/>
+          </p:cNvSpPr>
+          <p:nvPr>
+            <p:ph type="sldNum" sz="quarter" idx="12"/>
+          </p:nvPr>
+        </p:nvSpPr>
+        <p:spPr/>
+        <p:txBody>
+          <a:bodyPr/>
+          <a:lstStyle/>
+          <a:p>
+            <a:fld id="{0CFEC368-1D7A-4F81-ABF6-AE0E36BAF64C}" type="slidenum">
+              <a:rPr lang="en-US" smtClean="0"/>
+              <a:pPr/>
+              <a:t>35</a:t>
+            </a:fld>
+            <a:endParaRPr lang="en-US"/>
+          </a:p>
+        </p:txBody>
+      </p:sp>
+      <p:sp>
+        <p:nvSpPr>
+          <p:cNvPr id="3" name="Footer Placeholder 2">
+            <a:extLst>
+              <a:ext uri="{FF2B5EF4-FFF2-40B4-BE49-F238E27FC236}">
+                <a16:creationId xmlns:a16="http://schemas.microsoft.com/office/drawing/2014/main" id="{CF03B682-4DDA-4EC0-937E-45C8F219471F}"/>
+              </a:ext>
+            </a:extLst>
+          </p:cNvPr>
+          <p:cNvSpPr>
+            <a:spLocks noGrp="1"/>
+          </p:cNvSpPr>
+          <p:nvPr>
+            <p:ph type="ftr" sz="quarter" idx="11"/>
+          </p:nvPr>
+        </p:nvSpPr>
+        <p:spPr/>
+        <p:txBody>
+          <a:bodyPr/>
+          <a:lstStyle/>
+          <a:p>
+            <a:pPr algn="r"/>
+            <a:r>
+              <a:rPr lang="he-IL"/>
+              <a:t>מערכות הפעלה - תרגול 10</a:t>
+            </a:r>
+            <a:endParaRPr lang="en-US"/>
+          </a:p>
+        </p:txBody>
+      </p:sp>
+    </p:spTree>
+    <p:extLst>
+      <p:ext uri="{BB962C8B-B14F-4D97-AF65-F5344CB8AC3E}">
+        <p14:creationId xmlns:p14="http://schemas.microsoft.com/office/powerpoint/2010/main" val="4070617961"/>
+      </p:ext>
+    </p:extLst>
+  </p:cSld>
+  <p:clrMapOvr>
+    <a:masterClrMapping/>
+  </p:clrMapOvr>
+</p:sld>
+</file>
+
+<file path=ppt/slides/slide36.xml><?xml version="1.0" encoding="utf-8"?>
+<p:sld xmlns:a="http://schemas.openxmlformats.org/drawingml/2006/main" xmlns:r="http://schemas.openxmlformats.org/officeDocument/2006/relationships" xmlns:p="http://schemas.openxmlformats.org/presentationml/2006/main">
+  <p:cSld>
+    <p:spTree>
+      <p:nvGrpSpPr>
+        <p:cNvPr id="1" name=""/>
+        <p:cNvGrpSpPr/>
+        <p:nvPr/>
+      </p:nvGrpSpPr>
+      <p:grpSpPr>
+        <a:xfrm>
+          <a:off x="0" y="0"/>
+          <a:ext cx="0" cy="0"/>
+          <a:chOff x="0" y="0"/>
+          <a:chExt cx="0" cy="0"/>
+        </a:xfrm>
+      </p:grpSpPr>
+      <p:sp>
+        <p:nvSpPr>
           <p:cNvPr id="28677" name="Rectangle 4">
             <a:extLst>
               <a:ext uri="{FF2B5EF4-FFF2-40B4-BE49-F238E27FC236}">
@@ -34695,7 +35214,9 @@
         </p:nvSpPr>
         <p:spPr/>
         <p:txBody>
-          <a:bodyPr/>
+          <a:bodyPr>
+            <a:normAutofit fontScale="90000"/>
+          </a:bodyPr>
           <a:lstStyle/>
           <a:p>
             <a:r>
@@ -34721,7 +35242,12 @@
             <p:ph idx="1"/>
           </p:nvPr>
         </p:nvSpPr>
-        <p:spPr/>
+        <p:spPr>
+          <a:xfrm>
+            <a:off x="457200" y="1536402"/>
+            <a:ext cx="8229600" cy="4876800"/>
+          </a:xfrm>
+        </p:spPr>
         <p:txBody>
           <a:bodyPr>
             <a:normAutofit/>
@@ -34790,46 +35316,46 @@
           <a:p>
             <a:pPr lvl="1"/>
             <a:r>
-              <a:rPr lang="he-IL" altLang="en-US" dirty="0"/>
+              <a:rPr lang="he-IL" altLang="en-US" sz="1600" dirty="0"/>
               <a:t>המעבד מחפש ב-</a:t>
             </a:r>
             <a:r>
-              <a:rPr lang="en-US" altLang="en-US" dirty="0"/>
+              <a:rPr lang="en-US" altLang="en-US" sz="1600" dirty="0"/>
               <a:t>TLB</a:t>
             </a:r>
             <a:r>
-              <a:rPr lang="he-IL" altLang="en-US" dirty="0"/>
+              <a:rPr lang="he-IL" altLang="en-US" sz="1600" dirty="0"/>
               <a:t> לפני החיפוש בטבלת הדפים. אם התרגום המבוקש נמצא ב-</a:t>
             </a:r>
             <a:r>
-              <a:rPr lang="en-US" altLang="en-US" dirty="0"/>
+              <a:rPr lang="en-US" altLang="en-US" sz="1600" dirty="0"/>
               <a:t>TLB</a:t>
             </a:r>
             <a:r>
-              <a:rPr lang="he-IL" altLang="en-US" dirty="0"/>
+              <a:rPr lang="he-IL" altLang="en-US" sz="1600" dirty="0"/>
               <a:t>, נחסכו גישות יקרות לזיכרון (כמספר הרמות בהיררכיה).</a:t>
             </a:r>
           </a:p>
           <a:p>
             <a:pPr lvl="1"/>
             <a:r>
-              <a:rPr lang="he-IL" altLang="en-US" dirty="0"/>
+              <a:rPr lang="he-IL" altLang="en-US" sz="1600" dirty="0"/>
               <a:t>אם התרגום המבוקש לא נמצא ב-</a:t>
             </a:r>
             <a:r>
-              <a:rPr lang="en-US" altLang="en-US" dirty="0"/>
+              <a:rPr lang="en-US" altLang="en-US" sz="1600" dirty="0"/>
               <a:t>TLB</a:t>
             </a:r>
             <a:r>
-              <a:rPr lang="he-IL" altLang="en-US" dirty="0"/>
+              <a:rPr lang="he-IL" altLang="en-US" sz="1600" dirty="0"/>
               <a:t>, המעבד פונה לחפש בטבלת הדפים ואז מוסיף ל-</a:t>
             </a:r>
             <a:r>
-              <a:rPr lang="en-US" altLang="en-US" dirty="0"/>
+              <a:rPr lang="en-US" altLang="en-US" sz="1600" dirty="0"/>
               <a:t>TLB</a:t>
             </a:r>
             <a:r>
-              <a:rPr lang="he-IL" altLang="en-US" dirty="0"/>
+              <a:rPr lang="he-IL" altLang="en-US" sz="1600" dirty="0"/>
               <a:t> את התרגום החדש (לטובת הגישות הבאות לזיכרון).</a:t>
             </a:r>
           </a:p>
@@ -34859,7 +35385,7 @@
             <a:fld id="{0CFEC368-1D7A-4F81-ABF6-AE0E36BAF64C}" type="slidenum">
               <a:rPr lang="en-US" smtClean="0"/>
               <a:pPr/>
-              <a:t>35</a:t>
+              <a:t>36</a:t>
             </a:fld>
             <a:endParaRPr lang="en-US"/>
           </a:p>
@@ -35602,259 +36128,6 @@
 </p:sld>
 </file>
 
-<file path=ppt/slides/slide36.xml><?xml version="1.0" encoding="utf-8"?>
-<p:sld xmlns:a="http://schemas.openxmlformats.org/drawingml/2006/main" xmlns:r="http://schemas.openxmlformats.org/officeDocument/2006/relationships" xmlns:p="http://schemas.openxmlformats.org/presentationml/2006/main">
-  <p:cSld>
-    <p:spTree>
-      <p:nvGrpSpPr>
-        <p:cNvPr id="1" name=""/>
-        <p:cNvGrpSpPr/>
-        <p:nvPr/>
-      </p:nvGrpSpPr>
-      <p:grpSpPr>
-        <a:xfrm>
-          <a:off x="0" y="0"/>
-          <a:ext cx="0" cy="0"/>
-          <a:chOff x="0" y="0"/>
-          <a:chExt cx="0" cy="0"/>
-        </a:xfrm>
-      </p:grpSpPr>
-      <p:sp>
-        <p:nvSpPr>
-          <p:cNvPr id="29701" name="Rectangle 4">
-            <a:extLst>
-              <a:ext uri="{FF2B5EF4-FFF2-40B4-BE49-F238E27FC236}">
-                <a16:creationId xmlns:a16="http://schemas.microsoft.com/office/drawing/2014/main" id="{B77F6C1A-9144-44F1-B58E-2F40BCE15EEE}"/>
-              </a:ext>
-            </a:extLst>
-          </p:cNvPr>
-          <p:cNvSpPr>
-            <a:spLocks noGrp="1" noChangeArrowheads="1"/>
-          </p:cNvSpPr>
-          <p:nvPr>
-            <p:ph type="title"/>
-          </p:nvPr>
-        </p:nvSpPr>
-        <p:spPr/>
-        <p:txBody>
-          <a:bodyPr/>
-          <a:lstStyle/>
-          <a:p>
-            <a:r>
-              <a:rPr lang="he-IL" altLang="en-US" dirty="0"/>
-              <a:t>פסילת תוכן ה-</a:t>
-            </a:r>
-            <a:r>
-              <a:rPr lang="en-US" altLang="en-US" dirty="0"/>
-              <a:t>TLB</a:t>
-            </a:r>
-          </a:p>
-        </p:txBody>
-      </p:sp>
-      <p:sp>
-        <p:nvSpPr>
-          <p:cNvPr id="29702" name="Rectangle 5">
-            <a:extLst>
-              <a:ext uri="{FF2B5EF4-FFF2-40B4-BE49-F238E27FC236}">
-                <a16:creationId xmlns:a16="http://schemas.microsoft.com/office/drawing/2014/main" id="{AA940270-2998-487E-AF54-FE920B12B39F}"/>
-              </a:ext>
-            </a:extLst>
-          </p:cNvPr>
-          <p:cNvSpPr>
-            <a:spLocks noGrp="1" noChangeArrowheads="1"/>
-          </p:cNvSpPr>
-          <p:nvPr>
-            <p:ph idx="1"/>
-          </p:nvPr>
-        </p:nvSpPr>
-        <p:spPr/>
-        <p:txBody>
-          <a:bodyPr>
-            <a:normAutofit/>
-          </a:bodyPr>
-          <a:lstStyle/>
-          <a:p>
-            <a:r>
-              <a:rPr lang="he-IL" altLang="en-US" dirty="0"/>
-              <a:t>ה-</a:t>
-            </a:r>
-            <a:r>
-              <a:rPr lang="en-US" altLang="en-US" dirty="0"/>
-              <a:t>TLB</a:t>
-            </a:r>
-            <a:r>
-              <a:rPr lang="he-IL" altLang="en-US" dirty="0"/>
-              <a:t> מכיל עותק חלקי של המידע הקיים בטבלת הדפים, ולכן מערכת ההפעלה אחראית לשמור על קוהרנטיות המידע ב-</a:t>
-            </a:r>
-            <a:r>
-              <a:rPr lang="en-US" altLang="en-US" dirty="0"/>
-              <a:t>TLB</a:t>
-            </a:r>
-            <a:r>
-              <a:rPr lang="he-IL" altLang="en-US" dirty="0"/>
-              <a:t>.</a:t>
-            </a:r>
-          </a:p>
-          <a:p>
-            <a:r>
-              <a:rPr lang="he-IL" altLang="en-US" dirty="0"/>
-              <a:t>הגרעין חייב לפסול (</a:t>
-            </a:r>
-            <a:r>
-              <a:rPr lang="en-US" altLang="en-US" dirty="0"/>
-              <a:t>invalidate</a:t>
-            </a:r>
-            <a:r>
-              <a:rPr lang="he-IL" altLang="en-US" dirty="0"/>
-              <a:t>) את תוכן ה-</a:t>
-            </a:r>
-            <a:r>
-              <a:rPr lang="en-US" altLang="en-US" dirty="0"/>
-              <a:t>TLB</a:t>
-            </a:r>
-            <a:r>
-              <a:rPr lang="he-IL" altLang="en-US" dirty="0"/>
-              <a:t> במקרים מסוימים, לדוגמה:</a:t>
-            </a:r>
-          </a:p>
-          <a:p>
-            <a:pPr marL="457200" indent="-457200">
-              <a:buFont typeface="+mj-lt"/>
-              <a:buAutoNum type="arabicPeriod"/>
-            </a:pPr>
-            <a:r>
-              <a:rPr lang="he-IL" altLang="en-US" dirty="0"/>
-              <a:t>כאשר הגרעין מוחק כניסה בטבלת הדפים (כדי לפנות מסגרת מהזיכרון לדיסק), הוא מוחק גם את הכניסה המתאימה ב-</a:t>
-            </a:r>
-            <a:r>
-              <a:rPr lang="en-US" altLang="en-US" dirty="0"/>
-              <a:t>TLB</a:t>
-            </a:r>
-            <a:r>
-              <a:rPr lang="he-IL" altLang="en-US" dirty="0"/>
-              <a:t>.</a:t>
-            </a:r>
-          </a:p>
-          <a:p>
-            <a:pPr lvl="1"/>
-            <a:r>
-              <a:rPr lang="he-IL" dirty="0"/>
-              <a:t>אחרת, התהליך עלול לגשת למידע לא מעודכן, בגלל שה-</a:t>
-            </a:r>
-            <a:r>
-              <a:rPr lang="en-US" dirty="0"/>
-              <a:t>TLB</a:t>
-            </a:r>
-            <a:r>
-              <a:rPr lang="he-IL" dirty="0"/>
-              <a:t> עדיין מצביע למסגרת שכבר פונתה מהזיכרון.</a:t>
-            </a:r>
-            <a:endParaRPr lang="he-IL" altLang="en-US" dirty="0"/>
-          </a:p>
-          <a:p>
-            <a:pPr marL="457200" indent="-457200">
-              <a:buFont typeface="+mj-lt"/>
-              <a:buAutoNum type="arabicPeriod"/>
-            </a:pPr>
-            <a:r>
-              <a:rPr lang="he-IL" altLang="en-US" dirty="0"/>
-              <a:t>בעת החלפת הקשר, הגרעין מוחק את תוכן ה-</a:t>
-            </a:r>
-            <a:r>
-              <a:rPr lang="en-US" altLang="en-US" dirty="0"/>
-              <a:t>TLB</a:t>
-            </a:r>
-            <a:r>
-              <a:rPr lang="he-IL" altLang="en-US" dirty="0"/>
-              <a:t> כולו.</a:t>
-            </a:r>
-          </a:p>
-          <a:p>
-            <a:pPr lvl="1"/>
-            <a:r>
-              <a:rPr lang="he-IL" altLang="en-US"/>
-              <a:t>אחרת, התהליך </a:t>
-            </a:r>
-            <a:r>
-              <a:rPr lang="he-IL" altLang="en-US" dirty="0"/>
-              <a:t>הבא לביצוע ייגש למסגרות של התהליך שרץ לפניו.</a:t>
-            </a:r>
-          </a:p>
-        </p:txBody>
-      </p:sp>
-      <p:sp>
-        <p:nvSpPr>
-          <p:cNvPr id="4" name="Slide Number Placeholder 3">
-            <a:extLst>
-              <a:ext uri="{FF2B5EF4-FFF2-40B4-BE49-F238E27FC236}">
-                <a16:creationId xmlns:a16="http://schemas.microsoft.com/office/drawing/2014/main" id="{5C0F5365-6782-4E3D-AFDD-CE0E780DE6AD}"/>
-              </a:ext>
-            </a:extLst>
-          </p:cNvPr>
-          <p:cNvSpPr>
-            <a:spLocks noGrp="1"/>
-          </p:cNvSpPr>
-          <p:nvPr>
-            <p:ph type="sldNum" sz="quarter" idx="12"/>
-          </p:nvPr>
-        </p:nvSpPr>
-        <p:spPr/>
-        <p:txBody>
-          <a:bodyPr/>
-          <a:lstStyle/>
-          <a:p>
-            <a:fld id="{0CFEC368-1D7A-4F81-ABF6-AE0E36BAF64C}" type="slidenum">
-              <a:rPr lang="en-US" smtClean="0"/>
-              <a:pPr/>
-              <a:t>36</a:t>
-            </a:fld>
-            <a:endParaRPr lang="en-US"/>
-          </a:p>
-        </p:txBody>
-      </p:sp>
-      <p:sp>
-        <p:nvSpPr>
-          <p:cNvPr id="3" name="Footer Placeholder 2">
-            <a:extLst>
-              <a:ext uri="{FF2B5EF4-FFF2-40B4-BE49-F238E27FC236}">
-                <a16:creationId xmlns:a16="http://schemas.microsoft.com/office/drawing/2014/main" id="{22F81514-4B33-4D21-9D56-B001377E63FA}"/>
-              </a:ext>
-            </a:extLst>
-          </p:cNvPr>
-          <p:cNvSpPr>
-            <a:spLocks noGrp="1"/>
-          </p:cNvSpPr>
-          <p:nvPr>
-            <p:ph type="ftr" sz="quarter" idx="11"/>
-          </p:nvPr>
-        </p:nvSpPr>
-        <p:spPr/>
-        <p:txBody>
-          <a:bodyPr/>
-          <a:lstStyle/>
-          <a:p>
-            <a:pPr algn="r"/>
-            <a:r>
-              <a:rPr lang="he-IL"/>
-              <a:t>מערכות הפעלה - תרגול 10</a:t>
-            </a:r>
-            <a:endParaRPr lang="en-US"/>
-          </a:p>
-        </p:txBody>
-      </p:sp>
-    </p:spTree>
-    <p:extLst>
-      <p:ext uri="{BB962C8B-B14F-4D97-AF65-F5344CB8AC3E}">
-        <p14:creationId xmlns:p14="http://schemas.microsoft.com/office/powerpoint/2010/main" val="72881640"/>
-      </p:ext>
-    </p:extLst>
-  </p:cSld>
-  <p:clrMapOvr>
-    <a:masterClrMapping/>
-  </p:clrMapOvr>
-</p:sld>
-</file>
-
 <file path=ppt/slides/slide37.xml><?xml version="1.0" encoding="utf-8"?>
 <p:sld xmlns:a="http://schemas.openxmlformats.org/drawingml/2006/main" xmlns:r="http://schemas.openxmlformats.org/officeDocument/2006/relationships" xmlns:p="http://schemas.openxmlformats.org/presentationml/2006/main">
   <p:cSld>
@@ -35894,11 +36167,11 @@
           <a:lstStyle/>
           <a:p>
             <a:r>
-              <a:rPr lang="he-IL" altLang="en-US"/>
-              <a:t>הימנעות מפסילת תוכן ה-</a:t>
-            </a:r>
-            <a:r>
-              <a:rPr lang="en-US" altLang="en-US"/>
+              <a:rPr lang="he-IL" altLang="en-US" dirty="0"/>
+              <a:t>פסילת תוכן ה-</a:t>
+            </a:r>
+            <a:r>
+              <a:rPr lang="en-US" altLang="en-US" dirty="0"/>
               <a:t>TLB</a:t>
             </a:r>
           </a:p>
@@ -35928,16 +36201,8 @@
           <a:lstStyle/>
           <a:p>
             <a:r>
-              <a:rPr lang="he-IL" altLang="en-US" b="1" u="sng" dirty="0"/>
-              <a:t>שאלה:</a:t>
-            </a:r>
-            <a:r>
-              <a:rPr lang="he-IL" altLang="en-US" b="1" dirty="0"/>
-              <a:t> </a:t>
-            </a:r>
-            <a:r>
               <a:rPr lang="he-IL" altLang="en-US" dirty="0"/>
-              <a:t>למה כדאי להימנע מפסילת תוכן ה-</a:t>
+              <a:t>ה-</a:t>
             </a:r>
             <a:r>
               <a:rPr lang="en-US" altLang="en-US" dirty="0"/>
@@ -35945,19 +36210,7 @@
             </a:r>
             <a:r>
               <a:rPr lang="he-IL" altLang="en-US" dirty="0"/>
-              <a:t>?</a:t>
-            </a:r>
-          </a:p>
-          <a:p>
-            <a:pPr marL="0" indent="0">
-              <a:buNone/>
-            </a:pPr>
-            <a:endParaRPr lang="he-IL" altLang="en-US" dirty="0"/>
-          </a:p>
-          <a:p>
-            <a:r>
-              <a:rPr lang="he-IL" altLang="en-US" dirty="0"/>
-              <a:t>לינוקס נמנעת מפסילת תוכן ה-</a:t>
+              <a:t> מכיל עותק חלקי של המידע הקיים בטבלת הדפים, ולכן מערכת ההפעלה אחראית לשמור על קוהרנטיות המידע ב-</a:t>
             </a:r>
             <a:r>
               <a:rPr lang="en-US" altLang="en-US" dirty="0"/>
@@ -35965,7 +36218,29 @@
             </a:r>
             <a:r>
               <a:rPr lang="he-IL" altLang="en-US" dirty="0"/>
-              <a:t> בהחלפת הקשר אם:</a:t>
+              <a:t>.</a:t>
+            </a:r>
+          </a:p>
+          <a:p>
+            <a:r>
+              <a:rPr lang="he-IL" altLang="en-US" dirty="0"/>
+              <a:t>הגרעין חייב לפסול (</a:t>
+            </a:r>
+            <a:r>
+              <a:rPr lang="en-US" altLang="en-US" dirty="0"/>
+              <a:t>invalidate</a:t>
+            </a:r>
+            <a:r>
+              <a:rPr lang="he-IL" altLang="en-US" dirty="0"/>
+              <a:t>) את תוכן ה-</a:t>
+            </a:r>
+            <a:r>
+              <a:rPr lang="en-US" altLang="en-US" dirty="0"/>
+              <a:t>TLB</a:t>
+            </a:r>
+            <a:r>
+              <a:rPr lang="he-IL" altLang="en-US" dirty="0"/>
+              <a:t> במקרים מסוימים, לדוגמה:</a:t>
             </a:r>
           </a:p>
           <a:p>
@@ -35975,8 +36250,32 @@
             </a:pPr>
             <a:r>
               <a:rPr lang="he-IL" altLang="en-US" dirty="0"/>
-              <a:t>התהליך הבא לביצוע חולק את אותו מרחב זיכרון (אותן טבלאות דפים) יחד עם התהליך הקודם (שני חוטים של אותו תהליך).</a:t>
-            </a:r>
+              <a:t>כאשר הגרעין מוחק כניסה בטבלת הדפים (כדי לפנות מסגרת מהזיכרון לדיסק), הוא מוחק גם את הכניסה המתאימה ב-</a:t>
+            </a:r>
+            <a:r>
+              <a:rPr lang="en-US" altLang="en-US" dirty="0"/>
+              <a:t>TLB</a:t>
+            </a:r>
+            <a:r>
+              <a:rPr lang="he-IL" altLang="en-US" dirty="0"/>
+              <a:t>.</a:t>
+            </a:r>
+          </a:p>
+          <a:p>
+            <a:pPr lvl="1"/>
+            <a:r>
+              <a:rPr lang="he-IL" dirty="0"/>
+              <a:t>אחרת, התהליך עלול לגשת למידע לא מעודכן, בגלל שה-</a:t>
+            </a:r>
+            <a:r>
+              <a:rPr lang="en-US" dirty="0"/>
+              <a:t>TLB</a:t>
+            </a:r>
+            <a:r>
+              <a:rPr lang="he-IL" dirty="0"/>
+              <a:t> עדיין מצביע למסגרת שכבר פונתה מהזיכרון.</a:t>
+            </a:r>
+            <a:endParaRPr lang="he-IL" altLang="en-US" dirty="0"/>
           </a:p>
           <a:p>
             <a:pPr marL="457200" indent="-457200">
@@ -35985,55 +36284,23 @@
             </a:pPr>
             <a:r>
               <a:rPr lang="he-IL" altLang="en-US" dirty="0"/>
-              <a:t>התהליך הבא לביצוע הוא תהליך גרעין (</a:t>
-            </a:r>
-            <a:r>
-              <a:rPr lang="en-US" altLang="en-US" b="1" dirty="0">
-                <a:solidFill>
-                  <a:srgbClr val="0000FF"/>
-                </a:solidFill>
-              </a:rPr>
-              <a:t>kernel thread</a:t>
+              <a:t>בעת החלפת הקשר, הגרעין מוחק את תוכן ה-</a:t>
+            </a:r>
+            <a:r>
+              <a:rPr lang="en-US" altLang="en-US" dirty="0"/>
+              <a:t>TLB</a:t>
             </a:r>
             <a:r>
               <a:rPr lang="he-IL" altLang="en-US" dirty="0"/>
-              <a:t>).</a:t>
+              <a:t> כולו.</a:t>
             </a:r>
           </a:p>
           <a:p>
             <a:pPr lvl="1"/>
             <a:r>
               <a:rPr lang="he-IL" altLang="en-US" dirty="0"/>
-              <a:t>לתהליכי גרעין אין מרחב זיכרון משלהם, והם פועלים על מרחב הזיכרון של הגרעין. </a:t>
-            </a:r>
-          </a:p>
-          <a:p>
-            <a:pPr lvl="1"/>
-            <a:r>
-              <a:rPr lang="he-IL" altLang="en-US" dirty="0"/>
-              <a:t>תהליך גרעין מנצל את טבלאות הדפים של תהליך המשתמש שרץ לפניו, מפני שאין לו טבלאות דפים משלו.</a:t>
-            </a:r>
-          </a:p>
-          <a:p>
-            <a:pPr lvl="1"/>
-            <a:r>
-              <a:rPr lang="he-IL" altLang="en-US" b="1" u="sng" dirty="0"/>
-              <a:t>שאלה:</a:t>
-            </a:r>
-            <a:r>
-              <a:rPr lang="he-IL" altLang="en-US" b="1" dirty="0"/>
-              <a:t> </a:t>
-            </a:r>
-            <a:r>
-              <a:rPr lang="he-IL" altLang="en-US" dirty="0"/>
-              <a:t>האם הגרעין יכול לגשת למרחב הזיכרון של התהליך הקודם?</a:t>
-            </a:r>
-          </a:p>
-          <a:p>
-            <a:endParaRPr lang="he-IL" altLang="en-US" b="1" u="sng" dirty="0"/>
-          </a:p>
-          <a:p>
-            <a:endParaRPr lang="he-IL" altLang="en-US" dirty="0"/>
+              <a:t>התהליך הבא לביצוע ייגש למסגרות של התהליך שרץ לפניו.</a:t>
+            </a:r>
           </a:p>
         </p:txBody>
       </p:sp>
@@ -36072,7 +36339,7 @@
           <p:cNvPr id="3" name="Footer Placeholder 2">
             <a:extLst>
               <a:ext uri="{FF2B5EF4-FFF2-40B4-BE49-F238E27FC236}">
-                <a16:creationId xmlns:a16="http://schemas.microsoft.com/office/drawing/2014/main" id="{7C03BDE7-3515-4625-88BD-9B79C2994E9C}"/>
+                <a16:creationId xmlns:a16="http://schemas.microsoft.com/office/drawing/2014/main" id="{22F81514-4B33-4D21-9D56-B001377E63FA}"/>
               </a:ext>
             </a:extLst>
           </p:cNvPr>
@@ -36100,7 +36367,7 @@
     </p:spTree>
     <p:extLst>
       <p:ext uri="{BB962C8B-B14F-4D97-AF65-F5344CB8AC3E}">
-        <p14:creationId xmlns:p14="http://schemas.microsoft.com/office/powerpoint/2010/main" val="1479955755"/>
+        <p14:creationId xmlns:p14="http://schemas.microsoft.com/office/powerpoint/2010/main" val="72881640"/>
       </p:ext>
     </p:extLst>
   </p:cSld>
@@ -36129,6 +36396,261 @@
       </p:grpSpPr>
       <p:sp>
         <p:nvSpPr>
+          <p:cNvPr id="29701" name="Rectangle 4">
+            <a:extLst>
+              <a:ext uri="{FF2B5EF4-FFF2-40B4-BE49-F238E27FC236}">
+                <a16:creationId xmlns:a16="http://schemas.microsoft.com/office/drawing/2014/main" id="{B77F6C1A-9144-44F1-B58E-2F40BCE15EEE}"/>
+              </a:ext>
+            </a:extLst>
+          </p:cNvPr>
+          <p:cNvSpPr>
+            <a:spLocks noGrp="1" noChangeArrowheads="1"/>
+          </p:cNvSpPr>
+          <p:nvPr>
+            <p:ph type="title"/>
+          </p:nvPr>
+        </p:nvSpPr>
+        <p:spPr/>
+        <p:txBody>
+          <a:bodyPr/>
+          <a:lstStyle/>
+          <a:p>
+            <a:r>
+              <a:rPr lang="he-IL" altLang="en-US"/>
+              <a:t>הימנעות מפסילת תוכן ה-</a:t>
+            </a:r>
+            <a:r>
+              <a:rPr lang="en-US" altLang="en-US"/>
+              <a:t>TLB</a:t>
+            </a:r>
+          </a:p>
+        </p:txBody>
+      </p:sp>
+      <p:sp>
+        <p:nvSpPr>
+          <p:cNvPr id="29702" name="Rectangle 5">
+            <a:extLst>
+              <a:ext uri="{FF2B5EF4-FFF2-40B4-BE49-F238E27FC236}">
+                <a16:creationId xmlns:a16="http://schemas.microsoft.com/office/drawing/2014/main" id="{AA940270-2998-487E-AF54-FE920B12B39F}"/>
+              </a:ext>
+            </a:extLst>
+          </p:cNvPr>
+          <p:cNvSpPr>
+            <a:spLocks noGrp="1" noChangeArrowheads="1"/>
+          </p:cNvSpPr>
+          <p:nvPr>
+            <p:ph idx="1"/>
+          </p:nvPr>
+        </p:nvSpPr>
+        <p:spPr/>
+        <p:txBody>
+          <a:bodyPr>
+            <a:normAutofit/>
+          </a:bodyPr>
+          <a:lstStyle/>
+          <a:p>
+            <a:r>
+              <a:rPr lang="he-IL" altLang="en-US" b="1" u="sng" dirty="0"/>
+              <a:t>שאלה:</a:t>
+            </a:r>
+            <a:r>
+              <a:rPr lang="he-IL" altLang="en-US" b="1" dirty="0"/>
+              <a:t> </a:t>
+            </a:r>
+            <a:r>
+              <a:rPr lang="he-IL" altLang="en-US" dirty="0"/>
+              <a:t>למה כדאי להימנע מפסילת תוכן ה-</a:t>
+            </a:r>
+            <a:r>
+              <a:rPr lang="en-US" altLang="en-US" dirty="0"/>
+              <a:t>TLB</a:t>
+            </a:r>
+            <a:r>
+              <a:rPr lang="he-IL" altLang="en-US" dirty="0"/>
+              <a:t>?</a:t>
+            </a:r>
+          </a:p>
+          <a:p>
+            <a:pPr marL="0" indent="0">
+              <a:buNone/>
+            </a:pPr>
+            <a:endParaRPr lang="he-IL" altLang="en-US" dirty="0"/>
+          </a:p>
+          <a:p>
+            <a:r>
+              <a:rPr lang="he-IL" altLang="en-US" dirty="0"/>
+              <a:t>לינוקס נמנעת מפסילת תוכן ה-</a:t>
+            </a:r>
+            <a:r>
+              <a:rPr lang="en-US" altLang="en-US" dirty="0"/>
+              <a:t>TLB</a:t>
+            </a:r>
+            <a:r>
+              <a:rPr lang="he-IL" altLang="en-US" dirty="0"/>
+              <a:t> בהחלפת הקשר אם:</a:t>
+            </a:r>
+          </a:p>
+          <a:p>
+            <a:pPr marL="457200" indent="-457200">
+              <a:buFont typeface="+mj-lt"/>
+              <a:buAutoNum type="arabicPeriod"/>
+            </a:pPr>
+            <a:r>
+              <a:rPr lang="he-IL" altLang="en-US" dirty="0"/>
+              <a:t>התהליך הבא לביצוע חולק את אותו מרחב זיכרון (אותן טבלאות דפים) יחד עם התהליך הקודם (שני חוטים של אותו תהליך).</a:t>
+            </a:r>
+          </a:p>
+          <a:p>
+            <a:pPr marL="457200" indent="-457200">
+              <a:buFont typeface="+mj-lt"/>
+              <a:buAutoNum type="arabicPeriod"/>
+            </a:pPr>
+            <a:r>
+              <a:rPr lang="he-IL" altLang="en-US" dirty="0"/>
+              <a:t>התהליך הבא לביצוע הוא תהליך גרעין (</a:t>
+            </a:r>
+            <a:r>
+              <a:rPr lang="en-US" altLang="en-US" b="1" dirty="0">
+                <a:solidFill>
+                  <a:srgbClr val="0000FF"/>
+                </a:solidFill>
+              </a:rPr>
+              <a:t>kernel thread</a:t>
+            </a:r>
+            <a:r>
+              <a:rPr lang="he-IL" altLang="en-US" dirty="0"/>
+              <a:t>).</a:t>
+            </a:r>
+          </a:p>
+          <a:p>
+            <a:pPr lvl="1"/>
+            <a:r>
+              <a:rPr lang="he-IL" altLang="en-US" dirty="0"/>
+              <a:t>לתהליכי גרעין אין מרחב זיכרון משלהם, והם פועלים על מרחב הזיכרון של הגרעין. </a:t>
+            </a:r>
+          </a:p>
+          <a:p>
+            <a:pPr lvl="1"/>
+            <a:r>
+              <a:rPr lang="he-IL" altLang="en-US" dirty="0"/>
+              <a:t>תהליך גרעין מנצל את טבלאות הדפים של תהליך המשתמש שרץ לפניו, מפני שאין לו טבלאות דפים משלו.</a:t>
+            </a:r>
+          </a:p>
+          <a:p>
+            <a:pPr lvl="1"/>
+            <a:r>
+              <a:rPr lang="he-IL" altLang="en-US" b="1" u="sng" dirty="0"/>
+              <a:t>שאלה:</a:t>
+            </a:r>
+            <a:r>
+              <a:rPr lang="he-IL" altLang="en-US" b="1" dirty="0"/>
+              <a:t> </a:t>
+            </a:r>
+            <a:r>
+              <a:rPr lang="he-IL" altLang="en-US" dirty="0"/>
+              <a:t>האם הגרעין יכול לגשת למרחב הזיכרון של התהליך הקודם?</a:t>
+            </a:r>
+          </a:p>
+          <a:p>
+            <a:endParaRPr lang="he-IL" altLang="en-US" b="1" u="sng" dirty="0"/>
+          </a:p>
+          <a:p>
+            <a:endParaRPr lang="he-IL" altLang="en-US" dirty="0"/>
+          </a:p>
+        </p:txBody>
+      </p:sp>
+      <p:sp>
+        <p:nvSpPr>
+          <p:cNvPr id="4" name="Slide Number Placeholder 3">
+            <a:extLst>
+              <a:ext uri="{FF2B5EF4-FFF2-40B4-BE49-F238E27FC236}">
+                <a16:creationId xmlns:a16="http://schemas.microsoft.com/office/drawing/2014/main" id="{5C0F5365-6782-4E3D-AFDD-CE0E780DE6AD}"/>
+              </a:ext>
+            </a:extLst>
+          </p:cNvPr>
+          <p:cNvSpPr>
+            <a:spLocks noGrp="1"/>
+          </p:cNvSpPr>
+          <p:nvPr>
+            <p:ph type="sldNum" sz="quarter" idx="12"/>
+          </p:nvPr>
+        </p:nvSpPr>
+        <p:spPr/>
+        <p:txBody>
+          <a:bodyPr/>
+          <a:lstStyle/>
+          <a:p>
+            <a:fld id="{0CFEC368-1D7A-4F81-ABF6-AE0E36BAF64C}" type="slidenum">
+              <a:rPr lang="en-US" smtClean="0"/>
+              <a:pPr/>
+              <a:t>38</a:t>
+            </a:fld>
+            <a:endParaRPr lang="en-US"/>
+          </a:p>
+        </p:txBody>
+      </p:sp>
+      <p:sp>
+        <p:nvSpPr>
+          <p:cNvPr id="3" name="Footer Placeholder 2">
+            <a:extLst>
+              <a:ext uri="{FF2B5EF4-FFF2-40B4-BE49-F238E27FC236}">
+                <a16:creationId xmlns:a16="http://schemas.microsoft.com/office/drawing/2014/main" id="{7C03BDE7-3515-4625-88BD-9B79C2994E9C}"/>
+              </a:ext>
+            </a:extLst>
+          </p:cNvPr>
+          <p:cNvSpPr>
+            <a:spLocks noGrp="1"/>
+          </p:cNvSpPr>
+          <p:nvPr>
+            <p:ph type="ftr" sz="quarter" idx="11"/>
+          </p:nvPr>
+        </p:nvSpPr>
+        <p:spPr/>
+        <p:txBody>
+          <a:bodyPr/>
+          <a:lstStyle/>
+          <a:p>
+            <a:pPr algn="r"/>
+            <a:r>
+              <a:rPr lang="he-IL"/>
+              <a:t>מערכות הפעלה - תרגול 10</a:t>
+            </a:r>
+            <a:endParaRPr lang="en-US"/>
+          </a:p>
+        </p:txBody>
+      </p:sp>
+    </p:spTree>
+    <p:extLst>
+      <p:ext uri="{BB962C8B-B14F-4D97-AF65-F5344CB8AC3E}">
+        <p14:creationId xmlns:p14="http://schemas.microsoft.com/office/powerpoint/2010/main" val="1479955755"/>
+      </p:ext>
+    </p:extLst>
+  </p:cSld>
+  <p:clrMapOvr>
+    <a:masterClrMapping/>
+  </p:clrMapOvr>
+</p:sld>
+</file>
+
+<file path=ppt/slides/slide39.xml><?xml version="1.0" encoding="utf-8"?>
+<p:sld xmlns:a="http://schemas.openxmlformats.org/drawingml/2006/main" xmlns:r="http://schemas.openxmlformats.org/officeDocument/2006/relationships" xmlns:p="http://schemas.openxmlformats.org/presentationml/2006/main">
+  <p:cSld>
+    <p:spTree>
+      <p:nvGrpSpPr>
+        <p:cNvPr id="1" name=""/>
+        <p:cNvGrpSpPr/>
+        <p:nvPr/>
+      </p:nvGrpSpPr>
+      <p:grpSpPr>
+        <a:xfrm>
+          <a:off x="0" y="0"/>
+          <a:ext cx="0" cy="0"/>
+          <a:chOff x="0" y="0"/>
+          <a:chExt cx="0" cy="0"/>
+        </a:xfrm>
+      </p:grpSpPr>
+      <p:sp>
+        <p:nvSpPr>
           <p:cNvPr id="2" name="Title 1">
             <a:extLst>
               <a:ext uri="{FF2B5EF4-FFF2-40B4-BE49-F238E27FC236}">
@@ -36183,7 +36705,7 @@
             <a:fld id="{0CFEC368-1D7A-4F81-ABF6-AE0E36BAF64C}" type="slidenum">
               <a:rPr lang="en-US" noProof="0" smtClean="0"/>
               <a:pPr lvl="0"/>
-              <a:t>38</a:t>
+              <a:t>39</a:t>
             </a:fld>
             <a:endParaRPr lang="en-US" noProof="0"/>
           </a:p>
@@ -37166,154 +37688,6 @@
 </p:sld>
 </file>
 
-<file path=ppt/slides/slide39.xml><?xml version="1.0" encoding="utf-8"?>
-<p:sld xmlns:a="http://schemas.openxmlformats.org/drawingml/2006/main" xmlns:r="http://schemas.openxmlformats.org/officeDocument/2006/relationships" xmlns:p="http://schemas.openxmlformats.org/presentationml/2006/main">
-  <p:cSld>
-    <p:spTree>
-      <p:nvGrpSpPr>
-        <p:cNvPr id="1" name=""/>
-        <p:cNvGrpSpPr/>
-        <p:nvPr/>
-      </p:nvGrpSpPr>
-      <p:grpSpPr>
-        <a:xfrm>
-          <a:off x="0" y="0"/>
-          <a:ext cx="0" cy="0"/>
-          <a:chOff x="0" y="0"/>
-          <a:chExt cx="0" cy="0"/>
-        </a:xfrm>
-      </p:grpSpPr>
-      <p:sp>
-        <p:nvSpPr>
-          <p:cNvPr id="2" name="Title 1">
-            <a:extLst>
-              <a:ext uri="{FF2B5EF4-FFF2-40B4-BE49-F238E27FC236}">
-                <a16:creationId xmlns:a16="http://schemas.microsoft.com/office/drawing/2014/main" id="{32EAEEA8-B6DD-4E97-8B91-95E57B9B7099}"/>
-              </a:ext>
-            </a:extLst>
-          </p:cNvPr>
-          <p:cNvSpPr>
-            <a:spLocks noGrp="1"/>
-          </p:cNvSpPr>
-          <p:nvPr>
-            <p:ph type="title"/>
-          </p:nvPr>
-        </p:nvSpPr>
-        <p:spPr/>
-        <p:txBody>
-          <a:bodyPr/>
-          <a:lstStyle/>
-          <a:p>
-            <a:r>
-              <a:rPr lang="en-US" dirty="0"/>
-              <a:t>Paging</a:t>
-            </a:r>
-            <a:r>
-              <a:rPr lang="he-IL" dirty="0"/>
-              <a:t> במעבדי אינטל 64-ביט</a:t>
-            </a:r>
-            <a:endParaRPr lang="en-US" dirty="0"/>
-          </a:p>
-        </p:txBody>
-      </p:sp>
-      <p:sp>
-        <p:nvSpPr>
-          <p:cNvPr id="3" name="Text Placeholder 2">
-            <a:extLst>
-              <a:ext uri="{FF2B5EF4-FFF2-40B4-BE49-F238E27FC236}">
-                <a16:creationId xmlns:a16="http://schemas.microsoft.com/office/drawing/2014/main" id="{0C513094-EDF0-43FE-8572-F30DEE4BD879}"/>
-              </a:ext>
-            </a:extLst>
-          </p:cNvPr>
-          <p:cNvSpPr>
-            <a:spLocks noGrp="1"/>
-          </p:cNvSpPr>
-          <p:nvPr>
-            <p:ph type="body" idx="1"/>
-          </p:nvPr>
-        </p:nvSpPr>
-        <p:spPr/>
-        <p:txBody>
-          <a:bodyPr/>
-          <a:lstStyle/>
-          <a:p>
-            <a:endParaRPr lang="en-US" dirty="0"/>
-          </a:p>
-        </p:txBody>
-      </p:sp>
-      <p:sp>
-        <p:nvSpPr>
-          <p:cNvPr id="4" name="Footer Placeholder 3">
-            <a:extLst>
-              <a:ext uri="{FF2B5EF4-FFF2-40B4-BE49-F238E27FC236}">
-                <a16:creationId xmlns:a16="http://schemas.microsoft.com/office/drawing/2014/main" id="{0205FCD8-980D-479E-9AB2-3A19F3697CB8}"/>
-              </a:ext>
-            </a:extLst>
-          </p:cNvPr>
-          <p:cNvSpPr>
-            <a:spLocks noGrp="1"/>
-          </p:cNvSpPr>
-          <p:nvPr>
-            <p:ph type="ftr" sz="quarter" idx="11"/>
-          </p:nvPr>
-        </p:nvSpPr>
-        <p:spPr/>
-        <p:txBody>
-          <a:bodyPr/>
-          <a:lstStyle/>
-          <a:p>
-            <a:pPr algn="r"/>
-            <a:r>
-              <a:rPr lang="he-IL"/>
-              <a:t>מערכות הפעלה - תרגול 10</a:t>
-            </a:r>
-            <a:endParaRPr lang="en-US" dirty="0"/>
-          </a:p>
-        </p:txBody>
-      </p:sp>
-      <p:sp>
-        <p:nvSpPr>
-          <p:cNvPr id="5" name="Slide Number Placeholder 4">
-            <a:extLst>
-              <a:ext uri="{FF2B5EF4-FFF2-40B4-BE49-F238E27FC236}">
-                <a16:creationId xmlns:a16="http://schemas.microsoft.com/office/drawing/2014/main" id="{D6AFFFC7-5D17-4DEF-92C0-6C2266F63A81}"/>
-              </a:ext>
-            </a:extLst>
-          </p:cNvPr>
-          <p:cNvSpPr>
-            <a:spLocks noGrp="1"/>
-          </p:cNvSpPr>
-          <p:nvPr>
-            <p:ph type="sldNum" sz="quarter" idx="12"/>
-          </p:nvPr>
-        </p:nvSpPr>
-        <p:spPr/>
-        <p:txBody>
-          <a:bodyPr/>
-          <a:lstStyle/>
-          <a:p>
-            <a:fld id="{0CFEC368-1D7A-4F81-ABF6-AE0E36BAF64C}" type="slidenum">
-              <a:rPr lang="en-US" smtClean="0"/>
-              <a:pPr/>
-              <a:t>39</a:t>
-            </a:fld>
-            <a:endParaRPr lang="en-US"/>
-          </a:p>
-        </p:txBody>
-      </p:sp>
-    </p:spTree>
-    <p:extLst>
-      <p:ext uri="{BB962C8B-B14F-4D97-AF65-F5344CB8AC3E}">
-        <p14:creationId xmlns:p14="http://schemas.microsoft.com/office/powerpoint/2010/main" val="1184430709"/>
-      </p:ext>
-    </p:extLst>
-  </p:cSld>
-  <p:clrMapOvr>
-    <a:masterClrMapping/>
-  </p:clrMapOvr>
-</p:sld>
-</file>
-
 <file path=ppt/slides/slide4.xml><?xml version="1.0" encoding="utf-8"?>
 <p:sld xmlns:a="http://schemas.openxmlformats.org/drawingml/2006/main" xmlns:r="http://schemas.openxmlformats.org/officeDocument/2006/relationships" xmlns:p="http://schemas.openxmlformats.org/presentationml/2006/main">
   <p:cSld>
@@ -37379,7 +37753,7 @@
         <p:spPr/>
         <p:txBody>
           <a:bodyPr>
-            <a:normAutofit lnSpcReduction="10000"/>
+            <a:normAutofit fontScale="92500" lnSpcReduction="10000"/>
           </a:bodyPr>
           <a:lstStyle/>
           <a:p>
@@ -37624,6 +37998,154 @@
 </file>
 
 <file path=ppt/slides/slide40.xml><?xml version="1.0" encoding="utf-8"?>
+<p:sld xmlns:a="http://schemas.openxmlformats.org/drawingml/2006/main" xmlns:r="http://schemas.openxmlformats.org/officeDocument/2006/relationships" xmlns:p="http://schemas.openxmlformats.org/presentationml/2006/main">
+  <p:cSld>
+    <p:spTree>
+      <p:nvGrpSpPr>
+        <p:cNvPr id="1" name=""/>
+        <p:cNvGrpSpPr/>
+        <p:nvPr/>
+      </p:nvGrpSpPr>
+      <p:grpSpPr>
+        <a:xfrm>
+          <a:off x="0" y="0"/>
+          <a:ext cx="0" cy="0"/>
+          <a:chOff x="0" y="0"/>
+          <a:chExt cx="0" cy="0"/>
+        </a:xfrm>
+      </p:grpSpPr>
+      <p:sp>
+        <p:nvSpPr>
+          <p:cNvPr id="2" name="Title 1">
+            <a:extLst>
+              <a:ext uri="{FF2B5EF4-FFF2-40B4-BE49-F238E27FC236}">
+                <a16:creationId xmlns:a16="http://schemas.microsoft.com/office/drawing/2014/main" id="{32EAEEA8-B6DD-4E97-8B91-95E57B9B7099}"/>
+              </a:ext>
+            </a:extLst>
+          </p:cNvPr>
+          <p:cNvSpPr>
+            <a:spLocks noGrp="1"/>
+          </p:cNvSpPr>
+          <p:nvPr>
+            <p:ph type="title"/>
+          </p:nvPr>
+        </p:nvSpPr>
+        <p:spPr/>
+        <p:txBody>
+          <a:bodyPr/>
+          <a:lstStyle/>
+          <a:p>
+            <a:r>
+              <a:rPr lang="en-US" dirty="0"/>
+              <a:t>Paging</a:t>
+            </a:r>
+            <a:r>
+              <a:rPr lang="he-IL" dirty="0"/>
+              <a:t> במעבדי אינטל 64-ביט</a:t>
+            </a:r>
+            <a:endParaRPr lang="en-US" dirty="0"/>
+          </a:p>
+        </p:txBody>
+      </p:sp>
+      <p:sp>
+        <p:nvSpPr>
+          <p:cNvPr id="3" name="Text Placeholder 2">
+            <a:extLst>
+              <a:ext uri="{FF2B5EF4-FFF2-40B4-BE49-F238E27FC236}">
+                <a16:creationId xmlns:a16="http://schemas.microsoft.com/office/drawing/2014/main" id="{0C513094-EDF0-43FE-8572-F30DEE4BD879}"/>
+              </a:ext>
+            </a:extLst>
+          </p:cNvPr>
+          <p:cNvSpPr>
+            <a:spLocks noGrp="1"/>
+          </p:cNvSpPr>
+          <p:nvPr>
+            <p:ph type="body" idx="1"/>
+          </p:nvPr>
+        </p:nvSpPr>
+        <p:spPr/>
+        <p:txBody>
+          <a:bodyPr/>
+          <a:lstStyle/>
+          <a:p>
+            <a:endParaRPr lang="en-US" dirty="0"/>
+          </a:p>
+        </p:txBody>
+      </p:sp>
+      <p:sp>
+        <p:nvSpPr>
+          <p:cNvPr id="4" name="Footer Placeholder 3">
+            <a:extLst>
+              <a:ext uri="{FF2B5EF4-FFF2-40B4-BE49-F238E27FC236}">
+                <a16:creationId xmlns:a16="http://schemas.microsoft.com/office/drawing/2014/main" id="{0205FCD8-980D-479E-9AB2-3A19F3697CB8}"/>
+              </a:ext>
+            </a:extLst>
+          </p:cNvPr>
+          <p:cNvSpPr>
+            <a:spLocks noGrp="1"/>
+          </p:cNvSpPr>
+          <p:nvPr>
+            <p:ph type="ftr" sz="quarter" idx="11"/>
+          </p:nvPr>
+        </p:nvSpPr>
+        <p:spPr/>
+        <p:txBody>
+          <a:bodyPr/>
+          <a:lstStyle/>
+          <a:p>
+            <a:pPr algn="r"/>
+            <a:r>
+              <a:rPr lang="he-IL"/>
+              <a:t>מערכות הפעלה - תרגול 10</a:t>
+            </a:r>
+            <a:endParaRPr lang="en-US" dirty="0"/>
+          </a:p>
+        </p:txBody>
+      </p:sp>
+      <p:sp>
+        <p:nvSpPr>
+          <p:cNvPr id="5" name="Slide Number Placeholder 4">
+            <a:extLst>
+              <a:ext uri="{FF2B5EF4-FFF2-40B4-BE49-F238E27FC236}">
+                <a16:creationId xmlns:a16="http://schemas.microsoft.com/office/drawing/2014/main" id="{D6AFFFC7-5D17-4DEF-92C0-6C2266F63A81}"/>
+              </a:ext>
+            </a:extLst>
+          </p:cNvPr>
+          <p:cNvSpPr>
+            <a:spLocks noGrp="1"/>
+          </p:cNvSpPr>
+          <p:nvPr>
+            <p:ph type="sldNum" sz="quarter" idx="12"/>
+          </p:nvPr>
+        </p:nvSpPr>
+        <p:spPr/>
+        <p:txBody>
+          <a:bodyPr/>
+          <a:lstStyle/>
+          <a:p>
+            <a:fld id="{0CFEC368-1D7A-4F81-ABF6-AE0E36BAF64C}" type="slidenum">
+              <a:rPr lang="en-US" smtClean="0"/>
+              <a:pPr/>
+              <a:t>40</a:t>
+            </a:fld>
+            <a:endParaRPr lang="en-US"/>
+          </a:p>
+        </p:txBody>
+      </p:sp>
+    </p:spTree>
+    <p:extLst>
+      <p:ext uri="{BB962C8B-B14F-4D97-AF65-F5344CB8AC3E}">
+        <p14:creationId xmlns:p14="http://schemas.microsoft.com/office/powerpoint/2010/main" val="1184430709"/>
+      </p:ext>
+    </p:extLst>
+  </p:cSld>
+  <p:clrMapOvr>
+    <a:masterClrMapping/>
+  </p:clrMapOvr>
+</p:sld>
+</file>
+
+<file path=ppt/slides/slide41.xml><?xml version="1.0" encoding="utf-8"?>
 <p:sld xmlns:a="http://schemas.openxmlformats.org/drawingml/2006/main" xmlns:r="http://schemas.openxmlformats.org/officeDocument/2006/relationships" xmlns:p="http://schemas.openxmlformats.org/presentationml/2006/main">
   <p:cSld>
     <p:spTree>
@@ -37937,7 +38459,7 @@
             <a:fld id="{0CFEC368-1D7A-4F81-ABF6-AE0E36BAF64C}" type="slidenum">
               <a:rPr lang="en-US" smtClean="0"/>
               <a:pPr/>
-              <a:t>40</a:t>
+              <a:t>41</a:t>
             </a:fld>
             <a:endParaRPr lang="en-US"/>
           </a:p>
@@ -38313,7 +38835,7 @@
 </p:sld>
 </file>
 
-<file path=ppt/slides/slide41.xml><?xml version="1.0" encoding="utf-8"?>
+<file path=ppt/slides/slide42.xml><?xml version="1.0" encoding="utf-8"?>
 <p:sld xmlns:a="http://schemas.openxmlformats.org/drawingml/2006/main" xmlns:r="http://schemas.openxmlformats.org/officeDocument/2006/relationships" xmlns:p="http://schemas.openxmlformats.org/presentationml/2006/main">
   <p:cSld>
     <p:spTree>
@@ -38753,7 +39275,7 @@
             <a:fld id="{0CFEC368-1D7A-4F81-ABF6-AE0E36BAF64C}" type="slidenum">
               <a:rPr lang="en-US" smtClean="0"/>
               <a:pPr/>
-              <a:t>41</a:t>
+              <a:t>42</a:t>
             </a:fld>
             <a:endParaRPr lang="en-US"/>
           </a:p>
@@ -39235,7 +39757,7 @@
 </p:sld>
 </file>
 
-<file path=ppt/slides/slide42.xml><?xml version="1.0" encoding="utf-8"?>
+<file path=ppt/slides/slide43.xml><?xml version="1.0" encoding="utf-8"?>
 <p:sld xmlns:a="http://schemas.openxmlformats.org/drawingml/2006/main" xmlns:r="http://schemas.openxmlformats.org/officeDocument/2006/relationships" xmlns:p="http://schemas.openxmlformats.org/presentationml/2006/main">
   <p:cSld>
     <p:spTree>
@@ -39392,7 +39914,7 @@
             <a:fld id="{0CFEC368-1D7A-4F81-ABF6-AE0E36BAF64C}" type="slidenum">
               <a:rPr lang="en-US" smtClean="0"/>
               <a:pPr/>
-              <a:t>42</a:t>
+              <a:t>43</a:t>
             </a:fld>
             <a:endParaRPr lang="en-US"/>
           </a:p>
@@ -39441,7 +39963,7 @@
 </p:sld>
 </file>
 
-<file path=ppt/slides/slide43.xml><?xml version="1.0" encoding="utf-8"?>
+<file path=ppt/slides/slide44.xml><?xml version="1.0" encoding="utf-8"?>
 <p:sld xmlns:a="http://schemas.openxmlformats.org/drawingml/2006/main" xmlns:r="http://schemas.openxmlformats.org/officeDocument/2006/relationships" xmlns:p="http://schemas.openxmlformats.org/presentationml/2006/main">
   <p:cSld>
     <p:spTree>
@@ -41274,7 +41796,7 @@
             <a:fld id="{0CFEC368-1D7A-4F81-ABF6-AE0E36BAF64C}" type="slidenum">
               <a:rPr lang="en-US" smtClean="0"/>
               <a:pPr/>
-              <a:t>43</a:t>
+              <a:t>44</a:t>
             </a:fld>
             <a:endParaRPr lang="en-US"/>
           </a:p>
@@ -41323,7 +41845,7 @@
 </p:sld>
 </file>
 
-<file path=ppt/slides/slide44.xml><?xml version="1.0" encoding="utf-8"?>
+<file path=ppt/slides/slide45.xml><?xml version="1.0" encoding="utf-8"?>
 <p:sld xmlns:a="http://schemas.openxmlformats.org/drawingml/2006/main" xmlns:r="http://schemas.openxmlformats.org/officeDocument/2006/relationships" xmlns:p="http://schemas.openxmlformats.org/presentationml/2006/main">
   <p:cSld>
     <p:spTree>
@@ -43066,7 +43588,7 @@
             <a:fld id="{0CFEC368-1D7A-4F81-ABF6-AE0E36BAF64C}" type="slidenum">
               <a:rPr lang="en-US" smtClean="0"/>
               <a:pPr/>
-              <a:t>44</a:t>
+              <a:t>45</a:t>
             </a:fld>
             <a:endParaRPr lang="en-US"/>
           </a:p>
@@ -43115,7 +43637,7 @@
 </p:sld>
 </file>
 
-<file path=ppt/slides/slide45.xml><?xml version="1.0" encoding="utf-8"?>
+<file path=ppt/slides/slide46.xml><?xml version="1.0" encoding="utf-8"?>
 <p:sld xmlns:a="http://schemas.openxmlformats.org/drawingml/2006/main" xmlns:r="http://schemas.openxmlformats.org/officeDocument/2006/relationships" xmlns:p="http://schemas.openxmlformats.org/presentationml/2006/main">
   <p:cSld>
     <p:spTree>
@@ -43267,7 +43789,7 @@
             <a:fld id="{0CFEC368-1D7A-4F81-ABF6-AE0E36BAF64C}" type="slidenum">
               <a:rPr lang="en-US" smtClean="0"/>
               <a:pPr/>
-              <a:t>45</a:t>
+              <a:t>46</a:t>
             </a:fld>
             <a:endParaRPr lang="en-US"/>
           </a:p>
@@ -43316,7 +43838,7 @@
 </p:sld>
 </file>
 
-<file path=ppt/slides/slide46.xml><?xml version="1.0" encoding="utf-8"?>
+<file path=ppt/slides/slide47.xml><?xml version="1.0" encoding="utf-8"?>
 <p:sld xmlns:a="http://schemas.openxmlformats.org/drawingml/2006/main" xmlns:r="http://schemas.openxmlformats.org/officeDocument/2006/relationships" xmlns:p="http://schemas.openxmlformats.org/presentationml/2006/main">
   <p:cSld>
     <p:spTree>
@@ -44857,7 +45379,7 @@
             <a:fld id="{0CFEC368-1D7A-4F81-ABF6-AE0E36BAF64C}" type="slidenum">
               <a:rPr lang="en-US" smtClean="0"/>
               <a:pPr/>
-              <a:t>46</a:t>
+              <a:t>47</a:t>
             </a:fld>
             <a:endParaRPr lang="en-US"/>
           </a:p>
@@ -44906,7 +45428,7 @@
 </p:sld>
 </file>
 
-<file path=ppt/slides/slide47.xml><?xml version="1.0" encoding="utf-8"?>
+<file path=ppt/slides/slide48.xml><?xml version="1.0" encoding="utf-8"?>
 <p:sld xmlns:a="http://schemas.openxmlformats.org/drawingml/2006/main" xmlns:r="http://schemas.openxmlformats.org/officeDocument/2006/relationships" xmlns:p="http://schemas.openxmlformats.org/presentationml/2006/main">
   <p:cSld>
     <p:spTree>
@@ -46372,7 +46894,7 @@
             <a:fld id="{0CFEC368-1D7A-4F81-ABF6-AE0E36BAF64C}" type="slidenum">
               <a:rPr lang="en-US" smtClean="0"/>
               <a:pPr/>
-              <a:t>47</a:t>
+              <a:t>48</a:t>
             </a:fld>
             <a:endParaRPr lang="en-US"/>
           </a:p>
@@ -46421,7 +46943,7 @@
 </p:sld>
 </file>
 
-<file path=ppt/slides/slide48.xml><?xml version="1.0" encoding="utf-8"?>
+<file path=ppt/slides/slide49.xml><?xml version="1.0" encoding="utf-8"?>
 <p:sld xmlns:a="http://schemas.openxmlformats.org/drawingml/2006/main" xmlns:r="http://schemas.openxmlformats.org/officeDocument/2006/relationships" xmlns:p="http://schemas.openxmlformats.org/presentationml/2006/main">
   <p:cSld>
     <p:spTree>
@@ -47651,7 +48173,7 @@
             <a:fld id="{0CFEC368-1D7A-4F81-ABF6-AE0E36BAF64C}" type="slidenum">
               <a:rPr lang="en-US" smtClean="0"/>
               <a:pPr/>
-              <a:t>48</a:t>
+              <a:t>49</a:t>
             </a:fld>
             <a:endParaRPr lang="en-US"/>
           </a:p>
@@ -47700,7 +48222,564 @@
 </p:sld>
 </file>
 
-<file path=ppt/slides/slide49.xml><?xml version="1.0" encoding="utf-8"?>
+<file path=ppt/slides/slide5.xml><?xml version="1.0" encoding="utf-8"?>
+<p:sld xmlns:a="http://schemas.openxmlformats.org/drawingml/2006/main" xmlns:r="http://schemas.openxmlformats.org/officeDocument/2006/relationships" xmlns:p="http://schemas.openxmlformats.org/presentationml/2006/main">
+  <p:cSld>
+    <p:spTree>
+      <p:nvGrpSpPr>
+        <p:cNvPr id="1" name=""/>
+        <p:cNvGrpSpPr/>
+        <p:nvPr/>
+      </p:nvGrpSpPr>
+      <p:grpSpPr>
+        <a:xfrm>
+          <a:off x="0" y="0"/>
+          <a:ext cx="0" cy="0"/>
+          <a:chOff x="0" y="0"/>
+          <a:chExt cx="0" cy="0"/>
+        </a:xfrm>
+      </p:grpSpPr>
+      <p:sp>
+        <p:nvSpPr>
+          <p:cNvPr id="2" name="Title 1"/>
+          <p:cNvSpPr>
+            <a:spLocks noGrp="1"/>
+          </p:cNvSpPr>
+          <p:nvPr>
+            <p:ph type="title"/>
+          </p:nvPr>
+        </p:nvSpPr>
+        <p:spPr/>
+        <p:txBody>
+          <a:bodyPr>
+            <a:normAutofit fontScale="90000"/>
+          </a:bodyPr>
+          <a:lstStyle/>
+          <a:p>
+            <a:r>
+              <a:rPr lang="he-IL"/>
+              <a:t>חסרון 1#: היעדר בידוד/הגנה בין תהליכים</a:t>
+            </a:r>
+            <a:endParaRPr lang="en-US"/>
+          </a:p>
+        </p:txBody>
+      </p:sp>
+      <p:sp>
+        <p:nvSpPr>
+          <p:cNvPr id="16" name="Content Placeholder 15">
+            <a:extLst>
+              <a:ext uri="{FF2B5EF4-FFF2-40B4-BE49-F238E27FC236}">
+                <a16:creationId xmlns:a16="http://schemas.microsoft.com/office/drawing/2014/main" id="{2DBFC7BC-4AF0-416E-B256-6B7FC1FF8BC5}"/>
+              </a:ext>
+            </a:extLst>
+          </p:cNvPr>
+          <p:cNvSpPr>
+            <a:spLocks noGrp="1"/>
+          </p:cNvSpPr>
+          <p:nvPr>
+            <p:ph idx="1"/>
+          </p:nvPr>
+        </p:nvSpPr>
+        <p:spPr/>
+        <p:txBody>
+          <a:bodyPr>
+            <a:normAutofit/>
+          </a:bodyPr>
+          <a:lstStyle/>
+          <a:p>
+            <a:endParaRPr lang="he-IL"/>
+          </a:p>
+          <a:p>
+            <a:endParaRPr lang="he-IL"/>
+          </a:p>
+          <a:p>
+            <a:endParaRPr lang="he-IL"/>
+          </a:p>
+          <a:p>
+            <a:endParaRPr lang="he-IL"/>
+          </a:p>
+          <a:p>
+            <a:endParaRPr lang="he-IL"/>
+          </a:p>
+          <a:p>
+            <a:endParaRPr lang="he-IL"/>
+          </a:p>
+          <a:p>
+            <a:endParaRPr lang="he-IL"/>
+          </a:p>
+          <a:p>
+            <a:endParaRPr lang="he-IL"/>
+          </a:p>
+          <a:p>
+            <a:endParaRPr lang="he-IL"/>
+          </a:p>
+          <a:p>
+            <a:r>
+              <a:rPr lang="he-IL"/>
+              <a:t>אין הגנה על המידע – תהליך א' יכול לגשת לזיכרון של תהליך ב'.</a:t>
+            </a:r>
+            <a:endParaRPr lang="en-US"/>
+          </a:p>
+        </p:txBody>
+      </p:sp>
+      <p:grpSp>
+        <p:nvGrpSpPr>
+          <p:cNvPr id="8" name="Group 7"/>
+          <p:cNvGrpSpPr/>
+          <p:nvPr/>
+        </p:nvGrpSpPr>
+        <p:grpSpPr>
+          <a:xfrm>
+            <a:off x="5709347" y="1876613"/>
+            <a:ext cx="1290543" cy="3109009"/>
+            <a:chOff x="5986063" y="797085"/>
+            <a:chExt cx="1290543" cy="3109009"/>
+          </a:xfrm>
+        </p:grpSpPr>
+        <p:pic>
+          <p:nvPicPr>
+            <p:cNvPr id="6" name="Picture 5"/>
+            <p:cNvPicPr>
+              <a:picLocks noChangeAspect="1"/>
+            </p:cNvPicPr>
+            <p:nvPr/>
+          </p:nvPicPr>
+          <p:blipFill>
+            <a:blip r:embed="rId3" cstate="print">
+              <a:extLst>
+                <a:ext uri="{28A0092B-C50C-407E-A947-70E740481C1C}">
+                  <a14:useLocalDpi xmlns:a14="http://schemas.microsoft.com/office/drawing/2010/main" val="0"/>
+                </a:ext>
+              </a:extLst>
+            </a:blip>
+            <a:stretch>
+              <a:fillRect/>
+            </a:stretch>
+          </p:blipFill>
+          <p:spPr>
+            <a:xfrm rot="5400000">
+              <a:off x="5230158" y="2235712"/>
+              <a:ext cx="2609244" cy="731520"/>
+            </a:xfrm>
+            <a:prstGeom prst="rect">
+              <a:avLst/>
+            </a:prstGeom>
+          </p:spPr>
+        </p:pic>
+        <p:sp>
+          <p:nvSpPr>
+            <p:cNvPr id="7" name="TextBox 6"/>
+            <p:cNvSpPr txBox="1"/>
+            <p:nvPr/>
+          </p:nvSpPr>
+          <p:spPr>
+            <a:xfrm>
+              <a:off x="5986063" y="797085"/>
+              <a:ext cx="1290543" cy="461665"/>
+            </a:xfrm>
+            <a:prstGeom prst="rect">
+              <a:avLst/>
+            </a:prstGeom>
+            <a:noFill/>
+          </p:spPr>
+          <p:txBody>
+            <a:bodyPr wrap="square" rtlCol="0">
+              <a:spAutoFit/>
+            </a:bodyPr>
+            <a:lstStyle/>
+            <a:p>
+              <a:r>
+                <a:rPr lang="en-US" sz="2400" dirty="0"/>
+                <a:t>memory</a:t>
+              </a:r>
+            </a:p>
+          </p:txBody>
+        </p:sp>
+      </p:grpSp>
+      <p:cxnSp>
+        <p:nvCxnSpPr>
+          <p:cNvPr id="10" name="Straight Arrow Connector 9"/>
+          <p:cNvCxnSpPr/>
+          <p:nvPr/>
+        </p:nvCxnSpPr>
+        <p:spPr>
+          <a:xfrm flipV="1">
+            <a:off x="3489752" y="2716326"/>
+            <a:ext cx="2217650" cy="132475"/>
+          </a:xfrm>
+          <a:prstGeom prst="straightConnector1">
+            <a:avLst/>
+          </a:prstGeom>
+          <a:ln w="76200">
+            <a:tailEnd type="triangle"/>
+          </a:ln>
+        </p:spPr>
+        <p:style>
+          <a:lnRef idx="1">
+            <a:schemeClr val="accent1"/>
+          </a:lnRef>
+          <a:fillRef idx="0">
+            <a:schemeClr val="accent1"/>
+          </a:fillRef>
+          <a:effectRef idx="0">
+            <a:schemeClr val="accent1"/>
+          </a:effectRef>
+          <a:fontRef idx="minor">
+            <a:schemeClr val="tx1"/>
+          </a:fontRef>
+        </p:style>
+      </p:cxnSp>
+      <p:cxnSp>
+        <p:nvCxnSpPr>
+          <p:cNvPr id="11" name="Straight Arrow Connector 10"/>
+          <p:cNvCxnSpPr/>
+          <p:nvPr/>
+        </p:nvCxnSpPr>
+        <p:spPr>
+          <a:xfrm>
+            <a:off x="3489752" y="4295916"/>
+            <a:ext cx="2162688" cy="128175"/>
+          </a:xfrm>
+          <a:prstGeom prst="straightConnector1">
+            <a:avLst/>
+          </a:prstGeom>
+          <a:ln w="76200">
+            <a:tailEnd type="triangle"/>
+          </a:ln>
+        </p:spPr>
+        <p:style>
+          <a:lnRef idx="1">
+            <a:schemeClr val="accent1"/>
+          </a:lnRef>
+          <a:fillRef idx="0">
+            <a:schemeClr val="accent1"/>
+          </a:fillRef>
+          <a:effectRef idx="0">
+            <a:schemeClr val="accent1"/>
+          </a:effectRef>
+          <a:fontRef idx="minor">
+            <a:schemeClr val="tx1"/>
+          </a:fontRef>
+        </p:style>
+      </p:cxnSp>
+      <p:cxnSp>
+        <p:nvCxnSpPr>
+          <p:cNvPr id="13" name="Straight Arrow Connector 12"/>
+          <p:cNvCxnSpPr/>
+          <p:nvPr/>
+        </p:nvCxnSpPr>
+        <p:spPr>
+          <a:xfrm flipV="1">
+            <a:off x="3519536" y="3496369"/>
+            <a:ext cx="2132904" cy="538240"/>
+          </a:xfrm>
+          <a:prstGeom prst="straightConnector1">
+            <a:avLst/>
+          </a:prstGeom>
+          <a:ln w="76200">
+            <a:tailEnd type="triangle"/>
+          </a:ln>
+        </p:spPr>
+        <p:style>
+          <a:lnRef idx="1">
+            <a:schemeClr val="accent1"/>
+          </a:lnRef>
+          <a:fillRef idx="0">
+            <a:schemeClr val="accent1"/>
+          </a:fillRef>
+          <a:effectRef idx="0">
+            <a:schemeClr val="accent1"/>
+          </a:effectRef>
+          <a:fontRef idx="minor">
+            <a:schemeClr val="tx1"/>
+          </a:fontRef>
+        </p:style>
+      </p:cxnSp>
+      <p:cxnSp>
+        <p:nvCxnSpPr>
+          <p:cNvPr id="15" name="Straight Arrow Connector 14"/>
+          <p:cNvCxnSpPr/>
+          <p:nvPr/>
+        </p:nvCxnSpPr>
+        <p:spPr>
+          <a:xfrm>
+            <a:off x="3489752" y="3033465"/>
+            <a:ext cx="2162688" cy="462904"/>
+          </a:xfrm>
+          <a:prstGeom prst="straightConnector1">
+            <a:avLst/>
+          </a:prstGeom>
+          <a:ln w="76200">
+            <a:tailEnd type="triangle"/>
+          </a:ln>
+        </p:spPr>
+        <p:style>
+          <a:lnRef idx="1">
+            <a:schemeClr val="accent1"/>
+          </a:lnRef>
+          <a:fillRef idx="0">
+            <a:schemeClr val="accent1"/>
+          </a:fillRef>
+          <a:effectRef idx="0">
+            <a:schemeClr val="accent1"/>
+          </a:effectRef>
+          <a:fontRef idx="minor">
+            <a:schemeClr val="tx1"/>
+          </a:fontRef>
+        </p:style>
+      </p:cxnSp>
+      <p:grpSp>
+        <p:nvGrpSpPr>
+          <p:cNvPr id="12" name="Group 11"/>
+          <p:cNvGrpSpPr/>
+          <p:nvPr/>
+        </p:nvGrpSpPr>
+        <p:grpSpPr>
+          <a:xfrm>
+            <a:off x="1317356" y="2476189"/>
+            <a:ext cx="1932533" cy="745220"/>
+            <a:chOff x="1040620" y="1324471"/>
+            <a:chExt cx="1932533" cy="745220"/>
+          </a:xfrm>
+        </p:grpSpPr>
+        <p:pic>
+          <p:nvPicPr>
+            <p:cNvPr id="4" name="Picture 3"/>
+            <p:cNvPicPr>
+              <a:picLocks noChangeAspect="1"/>
+            </p:cNvPicPr>
+            <p:nvPr/>
+          </p:nvPicPr>
+          <p:blipFill>
+            <a:blip r:embed="rId4" cstate="print">
+              <a:extLst>
+                <a:ext uri="{28A0092B-C50C-407E-A947-70E740481C1C}">
+                  <a14:useLocalDpi xmlns:a14="http://schemas.microsoft.com/office/drawing/2010/main" val="0"/>
+                </a:ext>
+              </a:extLst>
+            </a:blip>
+            <a:stretch>
+              <a:fillRect/>
+            </a:stretch>
+          </p:blipFill>
+          <p:spPr>
+            <a:xfrm>
+              <a:off x="2241633" y="1324471"/>
+              <a:ext cx="731520" cy="745220"/>
+            </a:xfrm>
+            <a:prstGeom prst="rect">
+              <a:avLst/>
+            </a:prstGeom>
+          </p:spPr>
+        </p:pic>
+        <p:sp>
+          <p:nvSpPr>
+            <p:cNvPr id="17" name="TextBox 16"/>
+            <p:cNvSpPr txBox="1"/>
+            <p:nvPr/>
+          </p:nvSpPr>
+          <p:spPr>
+            <a:xfrm>
+              <a:off x="1040620" y="1512415"/>
+              <a:ext cx="1201013" cy="461665"/>
+            </a:xfrm>
+            <a:prstGeom prst="rect">
+              <a:avLst/>
+            </a:prstGeom>
+            <a:noFill/>
+          </p:spPr>
+          <p:txBody>
+            <a:bodyPr wrap="square" rtlCol="0">
+              <a:spAutoFit/>
+            </a:bodyPr>
+            <a:lstStyle/>
+            <a:p>
+              <a:r>
+                <a:rPr lang="en-US" sz="2400"/>
+                <a:t>app 1</a:t>
+              </a:r>
+            </a:p>
+          </p:txBody>
+        </p:sp>
+      </p:grpSp>
+      <p:grpSp>
+        <p:nvGrpSpPr>
+          <p:cNvPr id="14" name="Group 13"/>
+          <p:cNvGrpSpPr/>
+          <p:nvPr/>
+        </p:nvGrpSpPr>
+        <p:grpSpPr>
+          <a:xfrm>
+            <a:off x="1317356" y="3829621"/>
+            <a:ext cx="1932533" cy="718196"/>
+            <a:chOff x="1040620" y="2677903"/>
+            <a:chExt cx="1932533" cy="718196"/>
+          </a:xfrm>
+        </p:grpSpPr>
+        <p:pic>
+          <p:nvPicPr>
+            <p:cNvPr id="5" name="Picture 4"/>
+            <p:cNvPicPr>
+              <a:picLocks noChangeAspect="1"/>
+            </p:cNvPicPr>
+            <p:nvPr/>
+          </p:nvPicPr>
+          <p:blipFill>
+            <a:blip r:embed="rId5" cstate="print">
+              <a:extLst>
+                <a:ext uri="{28A0092B-C50C-407E-A947-70E740481C1C}">
+                  <a14:useLocalDpi xmlns:a14="http://schemas.microsoft.com/office/drawing/2010/main" val="0"/>
+                </a:ext>
+              </a:extLst>
+            </a:blip>
+            <a:stretch>
+              <a:fillRect/>
+            </a:stretch>
+          </p:blipFill>
+          <p:spPr>
+            <a:xfrm>
+              <a:off x="2241633" y="2677903"/>
+              <a:ext cx="731520" cy="718196"/>
+            </a:xfrm>
+            <a:prstGeom prst="rect">
+              <a:avLst/>
+            </a:prstGeom>
+          </p:spPr>
+        </p:pic>
+        <p:sp>
+          <p:nvSpPr>
+            <p:cNvPr id="18" name="TextBox 17"/>
+            <p:cNvSpPr txBox="1"/>
+            <p:nvPr/>
+          </p:nvSpPr>
+          <p:spPr>
+            <a:xfrm>
+              <a:off x="1040620" y="2840773"/>
+              <a:ext cx="1201013" cy="461665"/>
+            </a:xfrm>
+            <a:prstGeom prst="rect">
+              <a:avLst/>
+            </a:prstGeom>
+            <a:noFill/>
+          </p:spPr>
+          <p:txBody>
+            <a:bodyPr wrap="square" rtlCol="0">
+              <a:spAutoFit/>
+            </a:bodyPr>
+            <a:lstStyle/>
+            <a:p>
+              <a:r>
+                <a:rPr lang="en-US" sz="2400"/>
+                <a:t>app 2</a:t>
+              </a:r>
+            </a:p>
+          </p:txBody>
+        </p:sp>
+      </p:grpSp>
+      <p:sp>
+        <p:nvSpPr>
+          <p:cNvPr id="23" name="TextBox 22"/>
+          <p:cNvSpPr txBox="1"/>
+          <p:nvPr/>
+        </p:nvSpPr>
+        <p:spPr>
+          <a:xfrm>
+            <a:off x="3771484" y="1856922"/>
+            <a:ext cx="1387157" cy="830997"/>
+          </a:xfrm>
+          <a:prstGeom prst="rect">
+            <a:avLst/>
+          </a:prstGeom>
+          <a:noFill/>
+        </p:spPr>
+        <p:txBody>
+          <a:bodyPr wrap="square" rtlCol="0">
+            <a:spAutoFit/>
+          </a:bodyPr>
+          <a:lstStyle/>
+          <a:p>
+            <a:pPr algn="ctr"/>
+            <a:r>
+              <a:rPr lang="en-US" sz="2400"/>
+              <a:t>physical address</a:t>
+            </a:r>
+          </a:p>
+        </p:txBody>
+      </p:sp>
+      <p:sp>
+        <p:nvSpPr>
+          <p:cNvPr id="19" name="Slide Number Placeholder 18">
+            <a:extLst>
+              <a:ext uri="{FF2B5EF4-FFF2-40B4-BE49-F238E27FC236}">
+                <a16:creationId xmlns:a16="http://schemas.microsoft.com/office/drawing/2014/main" id="{A7E43D6A-6AEE-443E-8075-46501285CDB2}"/>
+              </a:ext>
+            </a:extLst>
+          </p:cNvPr>
+          <p:cNvSpPr>
+            <a:spLocks noGrp="1"/>
+          </p:cNvSpPr>
+          <p:nvPr>
+            <p:ph type="sldNum" sz="quarter" idx="12"/>
+          </p:nvPr>
+        </p:nvSpPr>
+        <p:spPr/>
+        <p:txBody>
+          <a:bodyPr/>
+          <a:lstStyle/>
+          <a:p>
+            <a:fld id="{0CFEC368-1D7A-4F81-ABF6-AE0E36BAF64C}" type="slidenum">
+              <a:rPr lang="en-US" smtClean="0"/>
+              <a:pPr/>
+              <a:t>5</a:t>
+            </a:fld>
+            <a:endParaRPr lang="en-US"/>
+          </a:p>
+        </p:txBody>
+      </p:sp>
+      <p:sp>
+        <p:nvSpPr>
+          <p:cNvPr id="9" name="Footer Placeholder 8">
+            <a:extLst>
+              <a:ext uri="{FF2B5EF4-FFF2-40B4-BE49-F238E27FC236}">
+                <a16:creationId xmlns:a16="http://schemas.microsoft.com/office/drawing/2014/main" id="{50E493E7-8A66-42DD-A442-FD946D5B8C2E}"/>
+              </a:ext>
+            </a:extLst>
+          </p:cNvPr>
+          <p:cNvSpPr>
+            <a:spLocks noGrp="1"/>
+          </p:cNvSpPr>
+          <p:nvPr>
+            <p:ph type="ftr" sz="quarter" idx="11"/>
+          </p:nvPr>
+        </p:nvSpPr>
+        <p:spPr/>
+        <p:txBody>
+          <a:bodyPr/>
+          <a:lstStyle/>
+          <a:p>
+            <a:pPr algn="r"/>
+            <a:r>
+              <a:rPr lang="he-IL"/>
+              <a:t>מערכות הפעלה - תרגול 10</a:t>
+            </a:r>
+            <a:endParaRPr lang="en-US"/>
+          </a:p>
+        </p:txBody>
+      </p:sp>
+    </p:spTree>
+    <p:extLst>
+      <p:ext uri="{BB962C8B-B14F-4D97-AF65-F5344CB8AC3E}">
+        <p14:creationId xmlns:p14="http://schemas.microsoft.com/office/powerpoint/2010/main" val="511460548"/>
+      </p:ext>
+    </p:extLst>
+  </p:cSld>
+  <p:clrMapOvr>
+    <a:masterClrMapping/>
+  </p:clrMapOvr>
+</p:sld>
+</file>
+
+<file path=ppt/slides/slide50.xml><?xml version="1.0" encoding="utf-8"?>
 <p:sld xmlns:a="http://schemas.openxmlformats.org/drawingml/2006/main" xmlns:r="http://schemas.openxmlformats.org/officeDocument/2006/relationships" xmlns:p="http://schemas.openxmlformats.org/presentationml/2006/main">
   <p:cSld>
     <p:spTree>
@@ -48869,7 +49948,7 @@
             <a:fld id="{0CFEC368-1D7A-4F81-ABF6-AE0E36BAF64C}" type="slidenum">
               <a:rPr lang="en-US" smtClean="0"/>
               <a:pPr/>
-              <a:t>49</a:t>
+              <a:t>50</a:t>
             </a:fld>
             <a:endParaRPr lang="en-US"/>
           </a:p>
@@ -48918,7 +49997,7 @@
 </p:sld>
 </file>
 
-<file path=ppt/slides/slide5.xml><?xml version="1.0" encoding="utf-8"?>
+<file path=ppt/slides/slide51.xml><?xml version="1.0" encoding="utf-8"?>
 <p:sld xmlns:a="http://schemas.openxmlformats.org/drawingml/2006/main" xmlns:r="http://schemas.openxmlformats.org/officeDocument/2006/relationships" xmlns:p="http://schemas.openxmlformats.org/presentationml/2006/main">
   <p:cSld>
     <p:spTree>
@@ -48937,561 +50016,6 @@
       </p:grpSpPr>
       <p:sp>
         <p:nvSpPr>
-          <p:cNvPr id="2" name="Title 1"/>
-          <p:cNvSpPr>
-            <a:spLocks noGrp="1"/>
-          </p:cNvSpPr>
-          <p:nvPr>
-            <p:ph type="title"/>
-          </p:nvPr>
-        </p:nvSpPr>
-        <p:spPr/>
-        <p:txBody>
-          <a:bodyPr/>
-          <a:lstStyle/>
-          <a:p>
-            <a:r>
-              <a:rPr lang="he-IL"/>
-              <a:t>חסרון 1#: היעדר בידוד/הגנה בין תהליכים</a:t>
-            </a:r>
-            <a:endParaRPr lang="en-US"/>
-          </a:p>
-        </p:txBody>
-      </p:sp>
-      <p:sp>
-        <p:nvSpPr>
-          <p:cNvPr id="16" name="Content Placeholder 15">
-            <a:extLst>
-              <a:ext uri="{FF2B5EF4-FFF2-40B4-BE49-F238E27FC236}">
-                <a16:creationId xmlns:a16="http://schemas.microsoft.com/office/drawing/2014/main" id="{2DBFC7BC-4AF0-416E-B256-6B7FC1FF8BC5}"/>
-              </a:ext>
-            </a:extLst>
-          </p:cNvPr>
-          <p:cNvSpPr>
-            <a:spLocks noGrp="1"/>
-          </p:cNvSpPr>
-          <p:nvPr>
-            <p:ph idx="1"/>
-          </p:nvPr>
-        </p:nvSpPr>
-        <p:spPr/>
-        <p:txBody>
-          <a:bodyPr>
-            <a:normAutofit/>
-          </a:bodyPr>
-          <a:lstStyle/>
-          <a:p>
-            <a:endParaRPr lang="he-IL"/>
-          </a:p>
-          <a:p>
-            <a:endParaRPr lang="he-IL"/>
-          </a:p>
-          <a:p>
-            <a:endParaRPr lang="he-IL"/>
-          </a:p>
-          <a:p>
-            <a:endParaRPr lang="he-IL"/>
-          </a:p>
-          <a:p>
-            <a:endParaRPr lang="he-IL"/>
-          </a:p>
-          <a:p>
-            <a:endParaRPr lang="he-IL"/>
-          </a:p>
-          <a:p>
-            <a:endParaRPr lang="he-IL"/>
-          </a:p>
-          <a:p>
-            <a:endParaRPr lang="he-IL"/>
-          </a:p>
-          <a:p>
-            <a:endParaRPr lang="he-IL"/>
-          </a:p>
-          <a:p>
-            <a:r>
-              <a:rPr lang="he-IL"/>
-              <a:t>אין הגנה על המידע – תהליך א' יכול לגשת לזיכרון של תהליך ב'.</a:t>
-            </a:r>
-            <a:endParaRPr lang="en-US"/>
-          </a:p>
-        </p:txBody>
-      </p:sp>
-      <p:grpSp>
-        <p:nvGrpSpPr>
-          <p:cNvPr id="8" name="Group 7"/>
-          <p:cNvGrpSpPr/>
-          <p:nvPr/>
-        </p:nvGrpSpPr>
-        <p:grpSpPr>
-          <a:xfrm>
-            <a:off x="5709347" y="1876613"/>
-            <a:ext cx="1290543" cy="3109009"/>
-            <a:chOff x="5986063" y="797085"/>
-            <a:chExt cx="1290543" cy="3109009"/>
-          </a:xfrm>
-        </p:grpSpPr>
-        <p:pic>
-          <p:nvPicPr>
-            <p:cNvPr id="6" name="Picture 5"/>
-            <p:cNvPicPr>
-              <a:picLocks noChangeAspect="1"/>
-            </p:cNvPicPr>
-            <p:nvPr/>
-          </p:nvPicPr>
-          <p:blipFill>
-            <a:blip r:embed="rId3" cstate="print">
-              <a:extLst>
-                <a:ext uri="{28A0092B-C50C-407E-A947-70E740481C1C}">
-                  <a14:useLocalDpi xmlns:a14="http://schemas.microsoft.com/office/drawing/2010/main" val="0"/>
-                </a:ext>
-              </a:extLst>
-            </a:blip>
-            <a:stretch>
-              <a:fillRect/>
-            </a:stretch>
-          </p:blipFill>
-          <p:spPr>
-            <a:xfrm rot="5400000">
-              <a:off x="5230158" y="2235712"/>
-              <a:ext cx="2609244" cy="731520"/>
-            </a:xfrm>
-            <a:prstGeom prst="rect">
-              <a:avLst/>
-            </a:prstGeom>
-          </p:spPr>
-        </p:pic>
-        <p:sp>
-          <p:nvSpPr>
-            <p:cNvPr id="7" name="TextBox 6"/>
-            <p:cNvSpPr txBox="1"/>
-            <p:nvPr/>
-          </p:nvSpPr>
-          <p:spPr>
-            <a:xfrm>
-              <a:off x="5986063" y="797085"/>
-              <a:ext cx="1290543" cy="461665"/>
-            </a:xfrm>
-            <a:prstGeom prst="rect">
-              <a:avLst/>
-            </a:prstGeom>
-            <a:noFill/>
-          </p:spPr>
-          <p:txBody>
-            <a:bodyPr wrap="square" rtlCol="0">
-              <a:spAutoFit/>
-            </a:bodyPr>
-            <a:lstStyle/>
-            <a:p>
-              <a:r>
-                <a:rPr lang="en-US" sz="2400" dirty="0"/>
-                <a:t>memory</a:t>
-              </a:r>
-            </a:p>
-          </p:txBody>
-        </p:sp>
-      </p:grpSp>
-      <p:cxnSp>
-        <p:nvCxnSpPr>
-          <p:cNvPr id="10" name="Straight Arrow Connector 9"/>
-          <p:cNvCxnSpPr/>
-          <p:nvPr/>
-        </p:nvCxnSpPr>
-        <p:spPr>
-          <a:xfrm flipV="1">
-            <a:off x="3489752" y="2716326"/>
-            <a:ext cx="2217650" cy="132475"/>
-          </a:xfrm>
-          <a:prstGeom prst="straightConnector1">
-            <a:avLst/>
-          </a:prstGeom>
-          <a:ln w="76200">
-            <a:tailEnd type="triangle"/>
-          </a:ln>
-        </p:spPr>
-        <p:style>
-          <a:lnRef idx="1">
-            <a:schemeClr val="accent1"/>
-          </a:lnRef>
-          <a:fillRef idx="0">
-            <a:schemeClr val="accent1"/>
-          </a:fillRef>
-          <a:effectRef idx="0">
-            <a:schemeClr val="accent1"/>
-          </a:effectRef>
-          <a:fontRef idx="minor">
-            <a:schemeClr val="tx1"/>
-          </a:fontRef>
-        </p:style>
-      </p:cxnSp>
-      <p:cxnSp>
-        <p:nvCxnSpPr>
-          <p:cNvPr id="11" name="Straight Arrow Connector 10"/>
-          <p:cNvCxnSpPr/>
-          <p:nvPr/>
-        </p:nvCxnSpPr>
-        <p:spPr>
-          <a:xfrm>
-            <a:off x="3489752" y="4295916"/>
-            <a:ext cx="2162688" cy="128175"/>
-          </a:xfrm>
-          <a:prstGeom prst="straightConnector1">
-            <a:avLst/>
-          </a:prstGeom>
-          <a:ln w="76200">
-            <a:tailEnd type="triangle"/>
-          </a:ln>
-        </p:spPr>
-        <p:style>
-          <a:lnRef idx="1">
-            <a:schemeClr val="accent1"/>
-          </a:lnRef>
-          <a:fillRef idx="0">
-            <a:schemeClr val="accent1"/>
-          </a:fillRef>
-          <a:effectRef idx="0">
-            <a:schemeClr val="accent1"/>
-          </a:effectRef>
-          <a:fontRef idx="minor">
-            <a:schemeClr val="tx1"/>
-          </a:fontRef>
-        </p:style>
-      </p:cxnSp>
-      <p:cxnSp>
-        <p:nvCxnSpPr>
-          <p:cNvPr id="13" name="Straight Arrow Connector 12"/>
-          <p:cNvCxnSpPr/>
-          <p:nvPr/>
-        </p:nvCxnSpPr>
-        <p:spPr>
-          <a:xfrm flipV="1">
-            <a:off x="3519536" y="3496369"/>
-            <a:ext cx="2132904" cy="538240"/>
-          </a:xfrm>
-          <a:prstGeom prst="straightConnector1">
-            <a:avLst/>
-          </a:prstGeom>
-          <a:ln w="76200">
-            <a:tailEnd type="triangle"/>
-          </a:ln>
-        </p:spPr>
-        <p:style>
-          <a:lnRef idx="1">
-            <a:schemeClr val="accent1"/>
-          </a:lnRef>
-          <a:fillRef idx="0">
-            <a:schemeClr val="accent1"/>
-          </a:fillRef>
-          <a:effectRef idx="0">
-            <a:schemeClr val="accent1"/>
-          </a:effectRef>
-          <a:fontRef idx="minor">
-            <a:schemeClr val="tx1"/>
-          </a:fontRef>
-        </p:style>
-      </p:cxnSp>
-      <p:cxnSp>
-        <p:nvCxnSpPr>
-          <p:cNvPr id="15" name="Straight Arrow Connector 14"/>
-          <p:cNvCxnSpPr/>
-          <p:nvPr/>
-        </p:nvCxnSpPr>
-        <p:spPr>
-          <a:xfrm>
-            <a:off x="3489752" y="3033465"/>
-            <a:ext cx="2162688" cy="462904"/>
-          </a:xfrm>
-          <a:prstGeom prst="straightConnector1">
-            <a:avLst/>
-          </a:prstGeom>
-          <a:ln w="76200">
-            <a:tailEnd type="triangle"/>
-          </a:ln>
-        </p:spPr>
-        <p:style>
-          <a:lnRef idx="1">
-            <a:schemeClr val="accent1"/>
-          </a:lnRef>
-          <a:fillRef idx="0">
-            <a:schemeClr val="accent1"/>
-          </a:fillRef>
-          <a:effectRef idx="0">
-            <a:schemeClr val="accent1"/>
-          </a:effectRef>
-          <a:fontRef idx="minor">
-            <a:schemeClr val="tx1"/>
-          </a:fontRef>
-        </p:style>
-      </p:cxnSp>
-      <p:grpSp>
-        <p:nvGrpSpPr>
-          <p:cNvPr id="12" name="Group 11"/>
-          <p:cNvGrpSpPr/>
-          <p:nvPr/>
-        </p:nvGrpSpPr>
-        <p:grpSpPr>
-          <a:xfrm>
-            <a:off x="1317356" y="2476189"/>
-            <a:ext cx="1932533" cy="745220"/>
-            <a:chOff x="1040620" y="1324471"/>
-            <a:chExt cx="1932533" cy="745220"/>
-          </a:xfrm>
-        </p:grpSpPr>
-        <p:pic>
-          <p:nvPicPr>
-            <p:cNvPr id="4" name="Picture 3"/>
-            <p:cNvPicPr>
-              <a:picLocks noChangeAspect="1"/>
-            </p:cNvPicPr>
-            <p:nvPr/>
-          </p:nvPicPr>
-          <p:blipFill>
-            <a:blip r:embed="rId4" cstate="print">
-              <a:extLst>
-                <a:ext uri="{28A0092B-C50C-407E-A947-70E740481C1C}">
-                  <a14:useLocalDpi xmlns:a14="http://schemas.microsoft.com/office/drawing/2010/main" val="0"/>
-                </a:ext>
-              </a:extLst>
-            </a:blip>
-            <a:stretch>
-              <a:fillRect/>
-            </a:stretch>
-          </p:blipFill>
-          <p:spPr>
-            <a:xfrm>
-              <a:off x="2241633" y="1324471"/>
-              <a:ext cx="731520" cy="745220"/>
-            </a:xfrm>
-            <a:prstGeom prst="rect">
-              <a:avLst/>
-            </a:prstGeom>
-          </p:spPr>
-        </p:pic>
-        <p:sp>
-          <p:nvSpPr>
-            <p:cNvPr id="17" name="TextBox 16"/>
-            <p:cNvSpPr txBox="1"/>
-            <p:nvPr/>
-          </p:nvSpPr>
-          <p:spPr>
-            <a:xfrm>
-              <a:off x="1040620" y="1512415"/>
-              <a:ext cx="1201013" cy="461665"/>
-            </a:xfrm>
-            <a:prstGeom prst="rect">
-              <a:avLst/>
-            </a:prstGeom>
-            <a:noFill/>
-          </p:spPr>
-          <p:txBody>
-            <a:bodyPr wrap="square" rtlCol="0">
-              <a:spAutoFit/>
-            </a:bodyPr>
-            <a:lstStyle/>
-            <a:p>
-              <a:r>
-                <a:rPr lang="en-US" sz="2400"/>
-                <a:t>app 1</a:t>
-              </a:r>
-            </a:p>
-          </p:txBody>
-        </p:sp>
-      </p:grpSp>
-      <p:grpSp>
-        <p:nvGrpSpPr>
-          <p:cNvPr id="14" name="Group 13"/>
-          <p:cNvGrpSpPr/>
-          <p:nvPr/>
-        </p:nvGrpSpPr>
-        <p:grpSpPr>
-          <a:xfrm>
-            <a:off x="1317356" y="3829621"/>
-            <a:ext cx="1932533" cy="718196"/>
-            <a:chOff x="1040620" y="2677903"/>
-            <a:chExt cx="1932533" cy="718196"/>
-          </a:xfrm>
-        </p:grpSpPr>
-        <p:pic>
-          <p:nvPicPr>
-            <p:cNvPr id="5" name="Picture 4"/>
-            <p:cNvPicPr>
-              <a:picLocks noChangeAspect="1"/>
-            </p:cNvPicPr>
-            <p:nvPr/>
-          </p:nvPicPr>
-          <p:blipFill>
-            <a:blip r:embed="rId5" cstate="print">
-              <a:extLst>
-                <a:ext uri="{28A0092B-C50C-407E-A947-70E740481C1C}">
-                  <a14:useLocalDpi xmlns:a14="http://schemas.microsoft.com/office/drawing/2010/main" val="0"/>
-                </a:ext>
-              </a:extLst>
-            </a:blip>
-            <a:stretch>
-              <a:fillRect/>
-            </a:stretch>
-          </p:blipFill>
-          <p:spPr>
-            <a:xfrm>
-              <a:off x="2241633" y="2677903"/>
-              <a:ext cx="731520" cy="718196"/>
-            </a:xfrm>
-            <a:prstGeom prst="rect">
-              <a:avLst/>
-            </a:prstGeom>
-          </p:spPr>
-        </p:pic>
-        <p:sp>
-          <p:nvSpPr>
-            <p:cNvPr id="18" name="TextBox 17"/>
-            <p:cNvSpPr txBox="1"/>
-            <p:nvPr/>
-          </p:nvSpPr>
-          <p:spPr>
-            <a:xfrm>
-              <a:off x="1040620" y="2840773"/>
-              <a:ext cx="1201013" cy="461665"/>
-            </a:xfrm>
-            <a:prstGeom prst="rect">
-              <a:avLst/>
-            </a:prstGeom>
-            <a:noFill/>
-          </p:spPr>
-          <p:txBody>
-            <a:bodyPr wrap="square" rtlCol="0">
-              <a:spAutoFit/>
-            </a:bodyPr>
-            <a:lstStyle/>
-            <a:p>
-              <a:r>
-                <a:rPr lang="en-US" sz="2400"/>
-                <a:t>app 2</a:t>
-              </a:r>
-            </a:p>
-          </p:txBody>
-        </p:sp>
-      </p:grpSp>
-      <p:sp>
-        <p:nvSpPr>
-          <p:cNvPr id="23" name="TextBox 22"/>
-          <p:cNvSpPr txBox="1"/>
-          <p:nvPr/>
-        </p:nvSpPr>
-        <p:spPr>
-          <a:xfrm>
-            <a:off x="3771484" y="1856922"/>
-            <a:ext cx="1387157" cy="830997"/>
-          </a:xfrm>
-          <a:prstGeom prst="rect">
-            <a:avLst/>
-          </a:prstGeom>
-          <a:noFill/>
-        </p:spPr>
-        <p:txBody>
-          <a:bodyPr wrap="square" rtlCol="0">
-            <a:spAutoFit/>
-          </a:bodyPr>
-          <a:lstStyle/>
-          <a:p>
-            <a:pPr algn="ctr"/>
-            <a:r>
-              <a:rPr lang="en-US" sz="2400"/>
-              <a:t>physical address</a:t>
-            </a:r>
-          </a:p>
-        </p:txBody>
-      </p:sp>
-      <p:sp>
-        <p:nvSpPr>
-          <p:cNvPr id="19" name="Slide Number Placeholder 18">
-            <a:extLst>
-              <a:ext uri="{FF2B5EF4-FFF2-40B4-BE49-F238E27FC236}">
-                <a16:creationId xmlns:a16="http://schemas.microsoft.com/office/drawing/2014/main" id="{A7E43D6A-6AEE-443E-8075-46501285CDB2}"/>
-              </a:ext>
-            </a:extLst>
-          </p:cNvPr>
-          <p:cNvSpPr>
-            <a:spLocks noGrp="1"/>
-          </p:cNvSpPr>
-          <p:nvPr>
-            <p:ph type="sldNum" sz="quarter" idx="12"/>
-          </p:nvPr>
-        </p:nvSpPr>
-        <p:spPr/>
-        <p:txBody>
-          <a:bodyPr/>
-          <a:lstStyle/>
-          <a:p>
-            <a:fld id="{0CFEC368-1D7A-4F81-ABF6-AE0E36BAF64C}" type="slidenum">
-              <a:rPr lang="en-US" smtClean="0"/>
-              <a:pPr/>
-              <a:t>5</a:t>
-            </a:fld>
-            <a:endParaRPr lang="en-US"/>
-          </a:p>
-        </p:txBody>
-      </p:sp>
-      <p:sp>
-        <p:nvSpPr>
-          <p:cNvPr id="9" name="Footer Placeholder 8">
-            <a:extLst>
-              <a:ext uri="{FF2B5EF4-FFF2-40B4-BE49-F238E27FC236}">
-                <a16:creationId xmlns:a16="http://schemas.microsoft.com/office/drawing/2014/main" id="{50E493E7-8A66-42DD-A442-FD946D5B8C2E}"/>
-              </a:ext>
-            </a:extLst>
-          </p:cNvPr>
-          <p:cNvSpPr>
-            <a:spLocks noGrp="1"/>
-          </p:cNvSpPr>
-          <p:nvPr>
-            <p:ph type="ftr" sz="quarter" idx="11"/>
-          </p:nvPr>
-        </p:nvSpPr>
-        <p:spPr/>
-        <p:txBody>
-          <a:bodyPr/>
-          <a:lstStyle/>
-          <a:p>
-            <a:pPr algn="r"/>
-            <a:r>
-              <a:rPr lang="he-IL"/>
-              <a:t>מערכות הפעלה - תרגול 10</a:t>
-            </a:r>
-            <a:endParaRPr lang="en-US"/>
-          </a:p>
-        </p:txBody>
-      </p:sp>
-    </p:spTree>
-    <p:extLst>
-      <p:ext uri="{BB962C8B-B14F-4D97-AF65-F5344CB8AC3E}">
-        <p14:creationId xmlns:p14="http://schemas.microsoft.com/office/powerpoint/2010/main" val="511460548"/>
-      </p:ext>
-    </p:extLst>
-  </p:cSld>
-  <p:clrMapOvr>
-    <a:masterClrMapping/>
-  </p:clrMapOvr>
-</p:sld>
-</file>
-
-<file path=ppt/slides/slide50.xml><?xml version="1.0" encoding="utf-8"?>
-<p:sld xmlns:a="http://schemas.openxmlformats.org/drawingml/2006/main" xmlns:r="http://schemas.openxmlformats.org/officeDocument/2006/relationships" xmlns:p="http://schemas.openxmlformats.org/presentationml/2006/main">
-  <p:cSld>
-    <p:spTree>
-      <p:nvGrpSpPr>
-        <p:cNvPr id="1" name=""/>
-        <p:cNvGrpSpPr/>
-        <p:nvPr/>
-      </p:nvGrpSpPr>
-      <p:grpSpPr>
-        <a:xfrm>
-          <a:off x="0" y="0"/>
-          <a:ext cx="0" cy="0"/>
-          <a:chOff x="0" y="0"/>
-          <a:chExt cx="0" cy="0"/>
-        </a:xfrm>
-      </p:grpSpPr>
-      <p:sp>
-        <p:nvSpPr>
           <p:cNvPr id="2" name="Title 1">
             <a:extLst>
               <a:ext uri="{FF2B5EF4-FFF2-40B4-BE49-F238E27FC236}">
@@ -49577,7 +50101,7 @@
         </p:spPr>
         <p:txBody>
           <a:bodyPr>
-            <a:normAutofit fontScale="92500" lnSpcReduction="20000"/>
+            <a:normAutofit fontScale="85000" lnSpcReduction="20000"/>
           </a:bodyPr>
           <a:lstStyle/>
           <a:p>
@@ -49724,7 +50248,7 @@
         </p:spPr>
         <p:txBody>
           <a:bodyPr>
-            <a:normAutofit fontScale="92500" lnSpcReduction="20000"/>
+            <a:normAutofit fontScale="85000" lnSpcReduction="20000"/>
           </a:bodyPr>
           <a:lstStyle/>
           <a:p>
@@ -49853,7 +50377,7 @@
             <a:fld id="{0CFEC368-1D7A-4F81-ABF6-AE0E36BAF64C}" type="slidenum">
               <a:rPr lang="en-US" smtClean="0"/>
               <a:pPr/>
-              <a:t>50</a:t>
+              <a:t>51</a:t>
             </a:fld>
             <a:endParaRPr lang="en-US"/>
           </a:p>
@@ -50176,7 +50700,7 @@
         <p:spPr/>
         <p:txBody>
           <a:bodyPr>
-            <a:normAutofit/>
+            <a:normAutofit lnSpcReduction="10000"/>
           </a:bodyPr>
           <a:lstStyle/>
           <a:p>
